--- a/diagrams.pptx
+++ b/diagrams.pptx
@@ -6,6 +6,7 @@
   </p:sldMasterIdLst>
   <p:sldIdLst>
     <p:sldId id="257" r:id="rId2"/>
+    <p:sldId id="258" r:id="rId3"/>
   </p:sldIdLst>
   <p:sldSz cx="12192000" cy="6858000"/>
   <p:notesSz cx="6858000" cy="9144000"/>
@@ -3326,113 +3327,21 @@
           <a:chExt cx="0" cy="0"/>
         </a:xfrm>
       </p:grpSpPr>
-      <p:cxnSp>
-        <p:nvCxnSpPr>
-          <p:cNvPr id="40" name="Straight Arrow Connector 39">
-            <a:extLst>
-              <a:ext uri="{FF2B5EF4-FFF2-40B4-BE49-F238E27FC236}">
-                <a16:creationId xmlns:a16="http://schemas.microsoft.com/office/drawing/2014/main" id="{BDFCD51D-173C-8541-8E45-C3114973AC30}"/>
-              </a:ext>
-            </a:extLst>
-          </p:cNvPr>
-          <p:cNvCxnSpPr>
-            <a:cxnSpLocks/>
-            <a:stCxn id="7" idx="2"/>
-            <a:endCxn id="39" idx="0"/>
-          </p:cNvCxnSpPr>
+      <p:sp>
+        <p:nvSpPr>
+          <p:cNvPr id="4" name="Rounded Rectangle 3">
+            <a:extLst>
+              <a:ext uri="{FF2B5EF4-FFF2-40B4-BE49-F238E27FC236}">
+                <a16:creationId xmlns:a16="http://schemas.microsoft.com/office/drawing/2014/main" id="{BB9FB3E4-408A-0248-A2B9-49F6932A8D01}"/>
+              </a:ext>
+            </a:extLst>
+          </p:cNvPr>
+          <p:cNvSpPr/>
           <p:nvPr/>
-        </p:nvCxnSpPr>
+        </p:nvSpPr>
         <p:spPr>
           <a:xfrm>
-            <a:off x="6201162" y="2121030"/>
-            <a:ext cx="1726640" cy="3162476"/>
-          </a:xfrm>
-          <a:prstGeom prst="straightConnector1">
-            <a:avLst/>
-          </a:prstGeom>
-          <a:ln w="76200">
-            <a:solidFill>
-              <a:schemeClr val="accent2"/>
-            </a:solidFill>
-            <a:tailEnd type="triangle"/>
-          </a:ln>
-        </p:spPr>
-        <p:style>
-          <a:lnRef idx="1">
-            <a:schemeClr val="accent1"/>
-          </a:lnRef>
-          <a:fillRef idx="0">
-            <a:schemeClr val="accent1"/>
-          </a:fillRef>
-          <a:effectRef idx="0">
-            <a:schemeClr val="accent1"/>
-          </a:effectRef>
-          <a:fontRef idx="minor">
-            <a:schemeClr val="tx1"/>
-          </a:fontRef>
-        </p:style>
-      </p:cxnSp>
-      <p:cxnSp>
-        <p:nvCxnSpPr>
-          <p:cNvPr id="31" name="Straight Arrow Connector 30">
-            <a:extLst>
-              <a:ext uri="{FF2B5EF4-FFF2-40B4-BE49-F238E27FC236}">
-                <a16:creationId xmlns:a16="http://schemas.microsoft.com/office/drawing/2014/main" id="{4C1A3CBD-0087-0B43-96B0-355843E832DA}"/>
-              </a:ext>
-            </a:extLst>
-          </p:cNvPr>
-          <p:cNvCxnSpPr>
-            <a:cxnSpLocks/>
-            <a:stCxn id="7" idx="2"/>
-            <a:endCxn id="30" idx="0"/>
-          </p:cNvCxnSpPr>
-          <p:nvPr/>
-        </p:nvCxnSpPr>
-        <p:spPr>
-          <a:xfrm>
-            <a:off x="6201162" y="2121030"/>
-            <a:ext cx="1726640" cy="1792532"/>
-          </a:xfrm>
-          <a:prstGeom prst="straightConnector1">
-            <a:avLst/>
-          </a:prstGeom>
-          <a:ln w="76200">
-            <a:solidFill>
-              <a:schemeClr val="accent2"/>
-            </a:solidFill>
-            <a:tailEnd type="triangle"/>
-          </a:ln>
-        </p:spPr>
-        <p:style>
-          <a:lnRef idx="1">
-            <a:schemeClr val="accent1"/>
-          </a:lnRef>
-          <a:fillRef idx="0">
-            <a:schemeClr val="accent1"/>
-          </a:fillRef>
-          <a:effectRef idx="0">
-            <a:schemeClr val="accent1"/>
-          </a:effectRef>
-          <a:fontRef idx="minor">
-            <a:schemeClr val="tx1"/>
-          </a:fontRef>
-        </p:style>
-      </p:cxnSp>
-      <p:sp>
-        <p:nvSpPr>
-          <p:cNvPr id="4" name="Rounded Rectangle 3">
-            <a:extLst>
-              <a:ext uri="{FF2B5EF4-FFF2-40B4-BE49-F238E27FC236}">
-                <a16:creationId xmlns:a16="http://schemas.microsoft.com/office/drawing/2014/main" id="{BB9FB3E4-408A-0248-A2B9-49F6932A8D01}"/>
-              </a:ext>
-            </a:extLst>
-          </p:cNvPr>
-          <p:cNvSpPr/>
-          <p:nvPr/>
-        </p:nvSpPr>
-        <p:spPr>
-          <a:xfrm>
-            <a:off x="2675538" y="1432873"/>
+            <a:off x="2361869" y="2131109"/>
             <a:ext cx="1791093" cy="688157"/>
           </a:xfrm>
           <a:prstGeom prst="roundRect">
@@ -3481,7 +3390,7 @@
         </p:nvSpPr>
         <p:spPr>
           <a:xfrm>
-            <a:off x="7037988" y="2543617"/>
+            <a:off x="7584530" y="1145746"/>
             <a:ext cx="1791093" cy="688157"/>
           </a:xfrm>
           <a:prstGeom prst="roundRect">
@@ -3511,7 +3420,7 @@
             <a:pPr algn="ctr"/>
             <a:r>
               <a:rPr lang="en-US" dirty="0"/>
-              <a:t>Job Processor</a:t>
+              <a:t>Job Processor A</a:t>
             </a:r>
           </a:p>
         </p:txBody>
@@ -3530,7 +3439,7 @@
         </p:nvSpPr>
         <p:spPr>
           <a:xfrm>
-            <a:off x="5305615" y="1432873"/>
+            <a:off x="4948269" y="1138588"/>
             <a:ext cx="1791093" cy="688157"/>
           </a:xfrm>
           <a:prstGeom prst="roundRect">
@@ -3560,329 +3469,11 @@
             <a:pPr algn="ctr"/>
             <a:r>
               <a:rPr lang="en-US" sz="1600" dirty="0"/>
-              <a:t>Durable Messaging Service</a:t>
-            </a:r>
-          </a:p>
-        </p:txBody>
-      </p:sp>
-      <p:grpSp>
-        <p:nvGrpSpPr>
-          <p:cNvPr id="14" name="Group 13">
-            <a:extLst>
-              <a:ext uri="{FF2B5EF4-FFF2-40B4-BE49-F238E27FC236}">
-                <a16:creationId xmlns:a16="http://schemas.microsoft.com/office/drawing/2014/main" id="{E6F14B8F-99A3-704C-9DA3-E60C799660B3}"/>
-              </a:ext>
-            </a:extLst>
-          </p:cNvPr>
-          <p:cNvGrpSpPr/>
-          <p:nvPr/>
-        </p:nvGrpSpPr>
-        <p:grpSpPr>
-          <a:xfrm rot="19003490">
-            <a:off x="6286476" y="958626"/>
-            <a:ext cx="664745" cy="677631"/>
-            <a:chOff x="8052782" y="3663778"/>
-            <a:chExt cx="914400" cy="914400"/>
-          </a:xfrm>
-        </p:grpSpPr>
-        <p:sp>
-          <p:nvSpPr>
-            <p:cNvPr id="15" name="Rectangle 14">
-              <a:extLst>
-                <a:ext uri="{FF2B5EF4-FFF2-40B4-BE49-F238E27FC236}">
-                  <a16:creationId xmlns:a16="http://schemas.microsoft.com/office/drawing/2014/main" id="{53437D5F-D43D-5845-9E38-04A409F3BD23}"/>
-                </a:ext>
-              </a:extLst>
-            </p:cNvPr>
-            <p:cNvSpPr/>
-            <p:nvPr/>
-          </p:nvSpPr>
-          <p:spPr>
-            <a:xfrm>
-              <a:off x="8180173" y="3880021"/>
-              <a:ext cx="679621" cy="481913"/>
-            </a:xfrm>
-            <a:prstGeom prst="rect">
-              <a:avLst/>
-            </a:prstGeom>
-            <a:solidFill>
-              <a:schemeClr val="bg1"/>
-            </a:solidFill>
-          </p:spPr>
-          <p:style>
-            <a:lnRef idx="2">
-              <a:schemeClr val="accent1">
-                <a:shade val="50000"/>
-              </a:schemeClr>
-            </a:lnRef>
-            <a:fillRef idx="1">
-              <a:schemeClr val="accent1"/>
-            </a:fillRef>
-            <a:effectRef idx="0">
-              <a:schemeClr val="accent1"/>
-            </a:effectRef>
-            <a:fontRef idx="minor">
-              <a:schemeClr val="lt1"/>
-            </a:fontRef>
-          </p:style>
-          <p:txBody>
-            <a:bodyPr rtlCol="0" anchor="ctr"/>
-            <a:lstStyle/>
-            <a:p>
-              <a:pPr algn="ctr"/>
-              <a:endParaRPr lang="en-US"/>
-            </a:p>
-          </p:txBody>
-        </p:sp>
-        <p:pic>
-          <p:nvPicPr>
-            <p:cNvPr id="16" name="Graphic 15" descr="Envelope with solid fill">
-              <a:extLst>
-                <a:ext uri="{FF2B5EF4-FFF2-40B4-BE49-F238E27FC236}">
-                  <a16:creationId xmlns:a16="http://schemas.microsoft.com/office/drawing/2014/main" id="{888143B9-07A4-B549-AC18-3A175774C064}"/>
-                </a:ext>
-              </a:extLst>
-            </p:cNvPr>
-            <p:cNvPicPr>
-              <a:picLocks noChangeAspect="1"/>
-            </p:cNvPicPr>
-            <p:nvPr/>
-          </p:nvPicPr>
-          <p:blipFill>
-            <a:blip r:embed="rId2">
-              <a:extLst>
-                <a:ext uri="{96DAC541-7B7A-43D3-8B79-37D633B846F1}">
-                  <asvg:svgBlip xmlns:asvg="http://schemas.microsoft.com/office/drawing/2016/SVG/main" r:embed="rId3"/>
-                </a:ext>
-              </a:extLst>
-            </a:blip>
-            <a:stretch>
-              <a:fillRect/>
-            </a:stretch>
-          </p:blipFill>
-          <p:spPr>
-            <a:xfrm>
-              <a:off x="8052782" y="3663778"/>
-              <a:ext cx="914400" cy="914400"/>
-            </a:xfrm>
-            <a:prstGeom prst="rect">
-              <a:avLst/>
-            </a:prstGeom>
-          </p:spPr>
-        </p:pic>
-      </p:grpSp>
-      <p:grpSp>
-        <p:nvGrpSpPr>
-          <p:cNvPr id="17" name="Group 16">
-            <a:extLst>
-              <a:ext uri="{FF2B5EF4-FFF2-40B4-BE49-F238E27FC236}">
-                <a16:creationId xmlns:a16="http://schemas.microsoft.com/office/drawing/2014/main" id="{B8EAE3C2-C233-234E-9617-60E9D2EA428F}"/>
-              </a:ext>
-            </a:extLst>
-          </p:cNvPr>
-          <p:cNvGrpSpPr/>
-          <p:nvPr/>
-        </p:nvGrpSpPr>
-        <p:grpSpPr>
-          <a:xfrm rot="19003490">
-            <a:off x="5866984" y="953128"/>
-            <a:ext cx="664745" cy="677631"/>
-            <a:chOff x="8052782" y="3663778"/>
-            <a:chExt cx="914400" cy="914400"/>
-          </a:xfrm>
-        </p:grpSpPr>
-        <p:sp>
-          <p:nvSpPr>
-            <p:cNvPr id="18" name="Rectangle 17">
-              <a:extLst>
-                <a:ext uri="{FF2B5EF4-FFF2-40B4-BE49-F238E27FC236}">
-                  <a16:creationId xmlns:a16="http://schemas.microsoft.com/office/drawing/2014/main" id="{36BBCA11-CF04-8544-8F2F-3071EBC13343}"/>
-                </a:ext>
-              </a:extLst>
-            </p:cNvPr>
-            <p:cNvSpPr/>
-            <p:nvPr/>
-          </p:nvSpPr>
-          <p:spPr>
-            <a:xfrm>
-              <a:off x="8180173" y="3880021"/>
-              <a:ext cx="679621" cy="481913"/>
-            </a:xfrm>
-            <a:prstGeom prst="rect">
-              <a:avLst/>
-            </a:prstGeom>
-            <a:solidFill>
-              <a:schemeClr val="bg1"/>
-            </a:solidFill>
-          </p:spPr>
-          <p:style>
-            <a:lnRef idx="2">
-              <a:schemeClr val="accent1">
-                <a:shade val="50000"/>
-              </a:schemeClr>
-            </a:lnRef>
-            <a:fillRef idx="1">
-              <a:schemeClr val="accent1"/>
-            </a:fillRef>
-            <a:effectRef idx="0">
-              <a:schemeClr val="accent1"/>
-            </a:effectRef>
-            <a:fontRef idx="minor">
-              <a:schemeClr val="lt1"/>
-            </a:fontRef>
-          </p:style>
-          <p:txBody>
-            <a:bodyPr rtlCol="0" anchor="ctr"/>
-            <a:lstStyle/>
-            <a:p>
-              <a:pPr algn="ctr"/>
-              <a:endParaRPr lang="en-US"/>
-            </a:p>
-          </p:txBody>
-        </p:sp>
-        <p:pic>
-          <p:nvPicPr>
-            <p:cNvPr id="19" name="Graphic 18" descr="Envelope with solid fill">
-              <a:extLst>
-                <a:ext uri="{FF2B5EF4-FFF2-40B4-BE49-F238E27FC236}">
-                  <a16:creationId xmlns:a16="http://schemas.microsoft.com/office/drawing/2014/main" id="{1EAD9EAD-53B1-1D41-9969-568AD88B6C7B}"/>
-                </a:ext>
-              </a:extLst>
-            </p:cNvPr>
-            <p:cNvPicPr>
-              <a:picLocks noChangeAspect="1"/>
-            </p:cNvPicPr>
-            <p:nvPr/>
-          </p:nvPicPr>
-          <p:blipFill>
-            <a:blip r:embed="rId2">
-              <a:extLst>
-                <a:ext uri="{96DAC541-7B7A-43D3-8B79-37D633B846F1}">
-                  <asvg:svgBlip xmlns:asvg="http://schemas.microsoft.com/office/drawing/2016/SVG/main" r:embed="rId3"/>
-                </a:ext>
-              </a:extLst>
-            </a:blip>
-            <a:stretch>
-              <a:fillRect/>
-            </a:stretch>
-          </p:blipFill>
-          <p:spPr>
-            <a:xfrm>
-              <a:off x="8052782" y="3663778"/>
-              <a:ext cx="914400" cy="914400"/>
-            </a:xfrm>
-            <a:prstGeom prst="rect">
-              <a:avLst/>
-            </a:prstGeom>
-          </p:spPr>
-        </p:pic>
-      </p:grpSp>
-      <p:grpSp>
-        <p:nvGrpSpPr>
-          <p:cNvPr id="13" name="Group 12">
-            <a:extLst>
-              <a:ext uri="{FF2B5EF4-FFF2-40B4-BE49-F238E27FC236}">
-                <a16:creationId xmlns:a16="http://schemas.microsoft.com/office/drawing/2014/main" id="{D02E1E64-5180-4140-94F3-0267C18ED761}"/>
-              </a:ext>
-            </a:extLst>
-          </p:cNvPr>
-          <p:cNvGrpSpPr/>
-          <p:nvPr/>
-        </p:nvGrpSpPr>
-        <p:grpSpPr>
-          <a:xfrm rot="19003490">
-            <a:off x="5447492" y="963611"/>
-            <a:ext cx="664745" cy="677631"/>
-            <a:chOff x="8052782" y="3663778"/>
-            <a:chExt cx="914400" cy="914400"/>
-          </a:xfrm>
-        </p:grpSpPr>
-        <p:sp>
-          <p:nvSpPr>
-            <p:cNvPr id="12" name="Rectangle 11">
-              <a:extLst>
-                <a:ext uri="{FF2B5EF4-FFF2-40B4-BE49-F238E27FC236}">
-                  <a16:creationId xmlns:a16="http://schemas.microsoft.com/office/drawing/2014/main" id="{00D678E8-3AA0-034E-A326-65F042314479}"/>
-                </a:ext>
-              </a:extLst>
-            </p:cNvPr>
-            <p:cNvSpPr/>
-            <p:nvPr/>
-          </p:nvSpPr>
-          <p:spPr>
-            <a:xfrm>
-              <a:off x="8180173" y="3880021"/>
-              <a:ext cx="679621" cy="481913"/>
-            </a:xfrm>
-            <a:prstGeom prst="rect">
-              <a:avLst/>
-            </a:prstGeom>
-            <a:solidFill>
-              <a:schemeClr val="bg1"/>
-            </a:solidFill>
-          </p:spPr>
-          <p:style>
-            <a:lnRef idx="2">
-              <a:schemeClr val="accent1">
-                <a:shade val="50000"/>
-              </a:schemeClr>
-            </a:lnRef>
-            <a:fillRef idx="1">
-              <a:schemeClr val="accent1"/>
-            </a:fillRef>
-            <a:effectRef idx="0">
-              <a:schemeClr val="accent1"/>
-            </a:effectRef>
-            <a:fontRef idx="minor">
-              <a:schemeClr val="lt1"/>
-            </a:fontRef>
-          </p:style>
-          <p:txBody>
-            <a:bodyPr rtlCol="0" anchor="ctr"/>
-            <a:lstStyle/>
-            <a:p>
-              <a:pPr algn="ctr"/>
-              <a:endParaRPr lang="en-US"/>
-            </a:p>
-          </p:txBody>
-        </p:sp>
-        <p:pic>
-          <p:nvPicPr>
-            <p:cNvPr id="11" name="Graphic 10" descr="Envelope with solid fill">
-              <a:extLst>
-                <a:ext uri="{FF2B5EF4-FFF2-40B4-BE49-F238E27FC236}">
-                  <a16:creationId xmlns:a16="http://schemas.microsoft.com/office/drawing/2014/main" id="{B5349441-CE39-F94C-83AA-9B30531A19C5}"/>
-                </a:ext>
-              </a:extLst>
-            </p:cNvPr>
-            <p:cNvPicPr>
-              <a:picLocks noChangeAspect="1"/>
-            </p:cNvPicPr>
-            <p:nvPr/>
-          </p:nvPicPr>
-          <p:blipFill>
-            <a:blip r:embed="rId2">
-              <a:extLst>
-                <a:ext uri="{96DAC541-7B7A-43D3-8B79-37D633B846F1}">
-                  <asvg:svgBlip xmlns:asvg="http://schemas.microsoft.com/office/drawing/2016/SVG/main" r:embed="rId3"/>
-                </a:ext>
-              </a:extLst>
-            </a:blip>
-            <a:stretch>
-              <a:fillRect/>
-            </a:stretch>
-          </p:blipFill>
-          <p:spPr>
-            <a:xfrm>
-              <a:off x="8052782" y="3663778"/>
-              <a:ext cx="914400" cy="914400"/>
-            </a:xfrm>
-            <a:prstGeom prst="rect">
-              <a:avLst/>
-            </a:prstGeom>
-          </p:spPr>
-        </p:pic>
-      </p:grpSp>
+              <a:t>Queue A</a:t>
+            </a:r>
+          </a:p>
+        </p:txBody>
+      </p:sp>
       <p:cxnSp>
         <p:nvCxnSpPr>
           <p:cNvPr id="21" name="Straight Arrow Connector 20">
@@ -3899,9 +3490,9 @@
           <p:nvPr/>
         </p:nvCxnSpPr>
         <p:spPr>
-          <a:xfrm>
-            <a:off x="4466631" y="1776952"/>
-            <a:ext cx="838984" cy="0"/>
+          <a:xfrm flipV="1">
+            <a:off x="4152962" y="1482667"/>
+            <a:ext cx="795307" cy="992521"/>
           </a:xfrm>
           <a:prstGeom prst="straightConnector1">
             <a:avLst/>
@@ -3943,10 +3534,10 @@
           <p:nvPr/>
         </p:nvPicPr>
         <p:blipFill>
-          <a:blip r:embed="rId4">
+          <a:blip r:embed="rId2">
             <a:extLst>
               <a:ext uri="{96DAC541-7B7A-43D3-8B79-37D633B846F1}">
-                <asvg:svgBlip xmlns:asvg="http://schemas.microsoft.com/office/drawing/2016/SVG/main" r:embed="rId5"/>
+                <asvg:svgBlip xmlns:asvg="http://schemas.microsoft.com/office/drawing/2016/SVG/main" r:embed="rId3"/>
               </a:ext>
             </a:extLst>
           </a:blip>
@@ -3956,7 +3547,7 @@
         </p:blipFill>
         <p:spPr>
           <a:xfrm>
-            <a:off x="812639" y="1319752"/>
+            <a:off x="455293" y="1025467"/>
             <a:ext cx="914400" cy="914400"/>
           </a:xfrm>
           <a:prstGeom prst="rect">
@@ -3982,54 +3573,8 @@
         </p:nvCxnSpPr>
         <p:spPr>
           <a:xfrm>
-            <a:off x="1727039" y="1776952"/>
-            <a:ext cx="948499" cy="0"/>
-          </a:xfrm>
-          <a:prstGeom prst="straightConnector1">
-            <a:avLst/>
-          </a:prstGeom>
-          <a:ln w="76200">
-            <a:solidFill>
-              <a:schemeClr val="accent2"/>
-            </a:solidFill>
-            <a:tailEnd type="triangle"/>
-          </a:ln>
-        </p:spPr>
-        <p:style>
-          <a:lnRef idx="1">
-            <a:schemeClr val="accent1"/>
-          </a:lnRef>
-          <a:fillRef idx="0">
-            <a:schemeClr val="accent1"/>
-          </a:fillRef>
-          <a:effectRef idx="0">
-            <a:schemeClr val="accent1"/>
-          </a:effectRef>
-          <a:fontRef idx="minor">
-            <a:schemeClr val="tx1"/>
-          </a:fontRef>
-        </p:style>
-      </p:cxnSp>
-      <p:cxnSp>
-        <p:nvCxnSpPr>
-          <p:cNvPr id="29" name="Straight Arrow Connector 28">
-            <a:extLst>
-              <a:ext uri="{FF2B5EF4-FFF2-40B4-BE49-F238E27FC236}">
-                <a16:creationId xmlns:a16="http://schemas.microsoft.com/office/drawing/2014/main" id="{343114A4-2D7C-8E4F-B7A9-6CE95573ED33}"/>
-              </a:ext>
-            </a:extLst>
-          </p:cNvPr>
-          <p:cNvCxnSpPr>
-            <a:cxnSpLocks/>
-            <a:stCxn id="7" idx="2"/>
-            <a:endCxn id="6" idx="0"/>
-          </p:cNvCxnSpPr>
-          <p:nvPr/>
-        </p:nvCxnSpPr>
-        <p:spPr>
-          <a:xfrm>
-            <a:off x="6201162" y="2121030"/>
-            <a:ext cx="1732373" cy="422587"/>
+            <a:off x="1369693" y="1482667"/>
+            <a:ext cx="992176" cy="992521"/>
           </a:xfrm>
           <a:prstGeom prst="straightConnector1">
             <a:avLst/>
@@ -4058,10 +3603,10 @@
       </p:cxnSp>
       <p:grpSp>
         <p:nvGrpSpPr>
-          <p:cNvPr id="20" name="Group 19">
-            <a:extLst>
-              <a:ext uri="{FF2B5EF4-FFF2-40B4-BE49-F238E27FC236}">
-                <a16:creationId xmlns:a16="http://schemas.microsoft.com/office/drawing/2014/main" id="{90876D67-4963-9047-93A5-9096F339B776}"/>
+          <p:cNvPr id="5" name="Group 4">
+            <a:extLst>
+              <a:ext uri="{FF2B5EF4-FFF2-40B4-BE49-F238E27FC236}">
+                <a16:creationId xmlns:a16="http://schemas.microsoft.com/office/drawing/2014/main" id="{656E6EE5-2841-E341-99D5-6A37EC1E1262}"/>
               </a:ext>
             </a:extLst>
           </p:cNvPr>
@@ -4069,11 +3614,11 @@
           <p:nvPr/>
         </p:nvGrpSpPr>
         <p:grpSpPr>
-          <a:xfrm rot="19003490">
-            <a:off x="1846178" y="1094057"/>
-            <a:ext cx="664745" cy="677631"/>
-            <a:chOff x="8052782" y="3663778"/>
-            <a:chExt cx="914400" cy="914400"/>
+          <a:xfrm rot="2522448">
+            <a:off x="1711320" y="1226934"/>
+            <a:ext cx="663789" cy="676656"/>
+            <a:chOff x="3891008" y="4280060"/>
+            <a:chExt cx="663789" cy="676656"/>
           </a:xfrm>
         </p:grpSpPr>
         <p:sp>
@@ -4089,16 +3634,19 @@
             <p:nvPr/>
           </p:nvSpPr>
           <p:spPr>
-            <a:xfrm>
-              <a:off x="8180173" y="3880021"/>
-              <a:ext cx="679621" cy="481913"/>
+            <a:xfrm rot="19003490">
+              <a:off x="3975869" y="4435358"/>
+              <a:ext cx="494067" cy="357130"/>
             </a:xfrm>
             <a:prstGeom prst="rect">
               <a:avLst/>
             </a:prstGeom>
             <a:solidFill>
-              <a:schemeClr val="bg1"/>
+              <a:srgbClr val="D883FF"/>
             </a:solidFill>
+            <a:ln>
+              <a:noFill/>
+            </a:ln>
           </p:spPr>
           <p:style>
             <a:lnRef idx="2">
@@ -4140,10 +3688,10 @@
             <p:nvPr/>
           </p:nvPicPr>
           <p:blipFill>
-            <a:blip r:embed="rId2">
+            <a:blip r:embed="rId4">
               <a:extLst>
                 <a:ext uri="{96DAC541-7B7A-43D3-8B79-37D633B846F1}">
-                  <asvg:svgBlip xmlns:asvg="http://schemas.microsoft.com/office/drawing/2016/SVG/main" r:embed="rId3"/>
+                  <asvg:svgBlip xmlns:asvg="http://schemas.microsoft.com/office/drawing/2016/SVG/main" r:embed="rId5"/>
                 </a:ext>
               </a:extLst>
             </a:blip>
@@ -4152,9 +3700,9 @@
             </a:stretch>
           </p:blipFill>
           <p:spPr>
-            <a:xfrm>
-              <a:off x="8052782" y="3663778"/>
-              <a:ext cx="914400" cy="914400"/>
+            <a:xfrm rot="19003490">
+              <a:off x="3891008" y="4280060"/>
+              <a:ext cx="663789" cy="676656"/>
             </a:xfrm>
             <a:prstGeom prst="rect">
               <a:avLst/>
@@ -4176,7 +3724,7 @@
         </p:nvSpPr>
         <p:spPr>
           <a:xfrm>
-            <a:off x="2377615" y="1049402"/>
+            <a:off x="2284093" y="1486374"/>
             <a:ext cx="683200" cy="276999"/>
           </a:xfrm>
           <a:prstGeom prst="rect">
@@ -4197,12 +3745,321 @@
           </a:p>
         </p:txBody>
       </p:sp>
+      <p:sp>
+        <p:nvSpPr>
+          <p:cNvPr id="9" name="TextBox 8">
+            <a:extLst>
+              <a:ext uri="{FF2B5EF4-FFF2-40B4-BE49-F238E27FC236}">
+                <a16:creationId xmlns:a16="http://schemas.microsoft.com/office/drawing/2014/main" id="{080FC876-045D-5644-A491-D0C7D29DBECF}"/>
+              </a:ext>
+            </a:extLst>
+          </p:cNvPr>
+          <p:cNvSpPr txBox="1"/>
+          <p:nvPr/>
+        </p:nvSpPr>
+        <p:spPr>
+          <a:xfrm>
+            <a:off x="9024579" y="783652"/>
+            <a:ext cx="821059" cy="276999"/>
+          </a:xfrm>
+          <a:prstGeom prst="rect">
+            <a:avLst/>
+          </a:prstGeom>
+          <a:noFill/>
+        </p:spPr>
+        <p:txBody>
+          <a:bodyPr wrap="none" rtlCol="0">
+            <a:spAutoFit/>
+          </a:bodyPr>
+          <a:lstStyle/>
+          <a:p>
+            <a:r>
+              <a:rPr lang="en-US" sz="1200" dirty="0"/>
+              <a:t>x300 / sec</a:t>
+            </a:r>
+          </a:p>
+        </p:txBody>
+      </p:sp>
+      <p:cxnSp>
+        <p:nvCxnSpPr>
+          <p:cNvPr id="33" name="Straight Arrow Connector 32">
+            <a:extLst>
+              <a:ext uri="{FF2B5EF4-FFF2-40B4-BE49-F238E27FC236}">
+                <a16:creationId xmlns:a16="http://schemas.microsoft.com/office/drawing/2014/main" id="{6DDECD30-2AB2-484E-9B3F-2848604400F4}"/>
+              </a:ext>
+            </a:extLst>
+          </p:cNvPr>
+          <p:cNvCxnSpPr>
+            <a:cxnSpLocks/>
+            <a:stCxn id="6" idx="3"/>
+            <a:endCxn id="37" idx="1"/>
+          </p:cNvCxnSpPr>
+          <p:nvPr/>
+        </p:nvCxnSpPr>
+        <p:spPr>
+          <a:xfrm>
+            <a:off x="9375623" y="1489825"/>
+            <a:ext cx="814562" cy="1018707"/>
+          </a:xfrm>
+          <a:prstGeom prst="straightConnector1">
+            <a:avLst/>
+          </a:prstGeom>
+          <a:ln w="76200">
+            <a:solidFill>
+              <a:schemeClr val="accent2"/>
+            </a:solidFill>
+            <a:tailEnd type="triangle"/>
+          </a:ln>
+        </p:spPr>
+        <p:style>
+          <a:lnRef idx="1">
+            <a:schemeClr val="accent1"/>
+          </a:lnRef>
+          <a:fillRef idx="0">
+            <a:schemeClr val="accent1"/>
+          </a:fillRef>
+          <a:effectRef idx="0">
+            <a:schemeClr val="accent1"/>
+          </a:effectRef>
+          <a:fontRef idx="minor">
+            <a:schemeClr val="tx1"/>
+          </a:fontRef>
+        </p:style>
+      </p:cxnSp>
+      <p:sp>
+        <p:nvSpPr>
+          <p:cNvPr id="30" name="Rounded Rectangle 29">
+            <a:extLst>
+              <a:ext uri="{FF2B5EF4-FFF2-40B4-BE49-F238E27FC236}">
+                <a16:creationId xmlns:a16="http://schemas.microsoft.com/office/drawing/2014/main" id="{AA72B909-C8B5-C549-8CF3-4878F44C8358}"/>
+              </a:ext>
+            </a:extLst>
+          </p:cNvPr>
+          <p:cNvSpPr/>
+          <p:nvPr/>
+        </p:nvSpPr>
+        <p:spPr>
+          <a:xfrm>
+            <a:off x="7579924" y="3258528"/>
+            <a:ext cx="1791093" cy="688157"/>
+          </a:xfrm>
+          <a:prstGeom prst="roundRect">
+            <a:avLst/>
+          </a:prstGeom>
+        </p:spPr>
+        <p:style>
+          <a:lnRef idx="2">
+            <a:schemeClr val="accent1">
+              <a:shade val="50000"/>
+            </a:schemeClr>
+          </a:lnRef>
+          <a:fillRef idx="1">
+            <a:schemeClr val="accent1"/>
+          </a:fillRef>
+          <a:effectRef idx="0">
+            <a:schemeClr val="accent1"/>
+          </a:effectRef>
+          <a:fontRef idx="minor">
+            <a:schemeClr val="lt1"/>
+          </a:fontRef>
+        </p:style>
+        <p:txBody>
+          <a:bodyPr rtlCol="0" anchor="ctr"/>
+          <a:lstStyle/>
+          <a:p>
+            <a:pPr algn="ctr"/>
+            <a:r>
+              <a:rPr lang="en-US" dirty="0"/>
+              <a:t>Job Processor B</a:t>
+            </a:r>
+          </a:p>
+        </p:txBody>
+      </p:sp>
+      <p:sp>
+        <p:nvSpPr>
+          <p:cNvPr id="37" name="Rounded Rectangle 36">
+            <a:extLst>
+              <a:ext uri="{FF2B5EF4-FFF2-40B4-BE49-F238E27FC236}">
+                <a16:creationId xmlns:a16="http://schemas.microsoft.com/office/drawing/2014/main" id="{D52ECAD0-CD59-D641-8AD2-DAFC5E1C820A}"/>
+              </a:ext>
+            </a:extLst>
+          </p:cNvPr>
+          <p:cNvSpPr/>
+          <p:nvPr/>
+        </p:nvSpPr>
+        <p:spPr>
+          <a:xfrm>
+            <a:off x="10190185" y="2164453"/>
+            <a:ext cx="1791093" cy="688157"/>
+          </a:xfrm>
+          <a:prstGeom prst="roundRect">
+            <a:avLst/>
+          </a:prstGeom>
+        </p:spPr>
+        <p:style>
+          <a:lnRef idx="2">
+            <a:schemeClr val="accent6">
+              <a:shade val="50000"/>
+            </a:schemeClr>
+          </a:lnRef>
+          <a:fillRef idx="1">
+            <a:schemeClr val="accent6"/>
+          </a:fillRef>
+          <a:effectRef idx="0">
+            <a:schemeClr val="accent6"/>
+          </a:effectRef>
+          <a:fontRef idx="minor">
+            <a:schemeClr val="lt1"/>
+          </a:fontRef>
+        </p:style>
+        <p:txBody>
+          <a:bodyPr rtlCol="0" anchor="ctr"/>
+          <a:lstStyle/>
+          <a:p>
+            <a:pPr algn="ctr"/>
+            <a:r>
+              <a:rPr lang="en-US" dirty="0"/>
+              <a:t>Throttled Service</a:t>
+            </a:r>
+          </a:p>
+        </p:txBody>
+      </p:sp>
+      <p:cxnSp>
+        <p:nvCxnSpPr>
+          <p:cNvPr id="38" name="Straight Arrow Connector 37">
+            <a:extLst>
+              <a:ext uri="{FF2B5EF4-FFF2-40B4-BE49-F238E27FC236}">
+                <a16:creationId xmlns:a16="http://schemas.microsoft.com/office/drawing/2014/main" id="{2B6B7CDB-B5B4-FF46-93F0-C7218774254B}"/>
+              </a:ext>
+            </a:extLst>
+          </p:cNvPr>
+          <p:cNvCxnSpPr>
+            <a:cxnSpLocks/>
+            <a:stCxn id="30" idx="3"/>
+            <a:endCxn id="37" idx="1"/>
+          </p:cNvCxnSpPr>
+          <p:nvPr/>
+        </p:nvCxnSpPr>
+        <p:spPr>
+          <a:xfrm flipV="1">
+            <a:off x="9371017" y="2508532"/>
+            <a:ext cx="819168" cy="1094075"/>
+          </a:xfrm>
+          <a:prstGeom prst="straightConnector1">
+            <a:avLst/>
+          </a:prstGeom>
+          <a:ln w="76200">
+            <a:solidFill>
+              <a:schemeClr val="accent2"/>
+            </a:solidFill>
+            <a:tailEnd type="triangle"/>
+          </a:ln>
+        </p:spPr>
+        <p:style>
+          <a:lnRef idx="1">
+            <a:schemeClr val="accent1"/>
+          </a:lnRef>
+          <a:fillRef idx="0">
+            <a:schemeClr val="accent1"/>
+          </a:fillRef>
+          <a:effectRef idx="0">
+            <a:schemeClr val="accent1"/>
+          </a:effectRef>
+          <a:fontRef idx="minor">
+            <a:schemeClr val="tx1"/>
+          </a:fontRef>
+        </p:style>
+      </p:cxnSp>
+      <p:sp>
+        <p:nvSpPr>
+          <p:cNvPr id="49" name="TextBox 48">
+            <a:extLst>
+              <a:ext uri="{FF2B5EF4-FFF2-40B4-BE49-F238E27FC236}">
+                <a16:creationId xmlns:a16="http://schemas.microsoft.com/office/drawing/2014/main" id="{8A2C18DC-D962-064D-BF9B-CC285014B207}"/>
+              </a:ext>
+            </a:extLst>
+          </p:cNvPr>
+          <p:cNvSpPr txBox="1"/>
+          <p:nvPr/>
+        </p:nvSpPr>
+        <p:spPr>
+          <a:xfrm>
+            <a:off x="10140130" y="2840677"/>
+            <a:ext cx="1917513" cy="230832"/>
+          </a:xfrm>
+          <a:prstGeom prst="rect">
+            <a:avLst/>
+          </a:prstGeom>
+          <a:noFill/>
+        </p:spPr>
+        <p:txBody>
+          <a:bodyPr wrap="none" rtlCol="0">
+            <a:spAutoFit/>
+          </a:bodyPr>
+          <a:lstStyle/>
+          <a:p>
+            <a:r>
+              <a:rPr lang="en-US" sz="900" dirty="0"/>
+              <a:t>(throttled at 800 records per second)</a:t>
+            </a:r>
+          </a:p>
+        </p:txBody>
+      </p:sp>
+      <p:sp>
+        <p:nvSpPr>
+          <p:cNvPr id="47" name="Rounded Rectangle 46">
+            <a:extLst>
+              <a:ext uri="{FF2B5EF4-FFF2-40B4-BE49-F238E27FC236}">
+                <a16:creationId xmlns:a16="http://schemas.microsoft.com/office/drawing/2014/main" id="{2F96B4BD-B3FA-BB48-A282-1ED8062CC1A8}"/>
+              </a:ext>
+            </a:extLst>
+          </p:cNvPr>
+          <p:cNvSpPr/>
+          <p:nvPr/>
+        </p:nvSpPr>
+        <p:spPr>
+          <a:xfrm>
+            <a:off x="4944659" y="3268313"/>
+            <a:ext cx="1791093" cy="688157"/>
+          </a:xfrm>
+          <a:prstGeom prst="roundRect">
+            <a:avLst/>
+          </a:prstGeom>
+        </p:spPr>
+        <p:style>
+          <a:lnRef idx="2">
+            <a:schemeClr val="accent6">
+              <a:shade val="50000"/>
+            </a:schemeClr>
+          </a:lnRef>
+          <a:fillRef idx="1">
+            <a:schemeClr val="accent6"/>
+          </a:fillRef>
+          <a:effectRef idx="0">
+            <a:schemeClr val="accent6"/>
+          </a:effectRef>
+          <a:fontRef idx="minor">
+            <a:schemeClr val="lt1"/>
+          </a:fontRef>
+        </p:style>
+        <p:txBody>
+          <a:bodyPr rtlCol="0" anchor="ctr"/>
+          <a:lstStyle/>
+          <a:p>
+            <a:pPr algn="ctr"/>
+            <a:r>
+              <a:rPr lang="en-US" sz="1600" dirty="0"/>
+              <a:t>Queue B</a:t>
+            </a:r>
+          </a:p>
+        </p:txBody>
+      </p:sp>
       <p:grpSp>
         <p:nvGrpSpPr>
-          <p:cNvPr id="26" name="Group 25">
-            <a:extLst>
-              <a:ext uri="{FF2B5EF4-FFF2-40B4-BE49-F238E27FC236}">
-                <a16:creationId xmlns:a16="http://schemas.microsoft.com/office/drawing/2014/main" id="{C60BF478-89A9-744F-8402-9727A7058D35}"/>
+          <p:cNvPr id="8" name="Group 7">
+            <a:extLst>
+              <a:ext uri="{FF2B5EF4-FFF2-40B4-BE49-F238E27FC236}">
+                <a16:creationId xmlns:a16="http://schemas.microsoft.com/office/drawing/2014/main" id="{96F6BC5D-9CDC-B74E-A8EA-605693C0ADF6}"/>
               </a:ext>
             </a:extLst>
           </p:cNvPr>
@@ -4210,19 +4067,19 @@
           <p:nvPr/>
         </p:nvGrpSpPr>
         <p:grpSpPr>
-          <a:xfrm rot="19003490">
-            <a:off x="7904666" y="1912659"/>
+          <a:xfrm>
+            <a:off x="5954134" y="2740446"/>
             <a:ext cx="664745" cy="677631"/>
-            <a:chOff x="8052782" y="3663778"/>
-            <a:chExt cx="914400" cy="914400"/>
+            <a:chOff x="3773302" y="4619346"/>
+            <a:chExt cx="664745" cy="677631"/>
           </a:xfrm>
         </p:grpSpPr>
         <p:sp>
           <p:nvSpPr>
-            <p:cNvPr id="27" name="Rectangle 26">
+            <p:cNvPr id="56" name="Rectangle 55">
               <a:extLst>
                 <a:ext uri="{FF2B5EF4-FFF2-40B4-BE49-F238E27FC236}">
-                  <a16:creationId xmlns:a16="http://schemas.microsoft.com/office/drawing/2014/main" id="{39D77488-A738-EA4C-B7C0-02E8D1109EAA}"/>
+                  <a16:creationId xmlns:a16="http://schemas.microsoft.com/office/drawing/2014/main" id="{4E5BAEAB-03E5-FD4F-A59E-673E59890C33}"/>
                 </a:ext>
               </a:extLst>
             </p:cNvPr>
@@ -4230,16 +4087,19 @@
             <p:nvPr/>
           </p:nvSpPr>
           <p:spPr>
-            <a:xfrm>
-              <a:off x="8180173" y="3880021"/>
-              <a:ext cx="679621" cy="481913"/>
+            <a:xfrm rot="19003490">
+              <a:off x="3863935" y="4779598"/>
+              <a:ext cx="494067" cy="357129"/>
             </a:xfrm>
             <a:prstGeom prst="rect">
               <a:avLst/>
             </a:prstGeom>
             <a:solidFill>
-              <a:schemeClr val="bg1"/>
+              <a:srgbClr val="73FEFF"/>
             </a:solidFill>
+            <a:ln>
+              <a:noFill/>
+            </a:ln>
           </p:spPr>
           <p:style>
             <a:lnRef idx="2">
@@ -4268,10 +4128,10 @@
         </p:sp>
         <p:pic>
           <p:nvPicPr>
-            <p:cNvPr id="28" name="Graphic 27" descr="Envelope with solid fill">
+            <p:cNvPr id="57" name="Graphic 56" descr="Envelope with solid fill">
               <a:extLst>
                 <a:ext uri="{FF2B5EF4-FFF2-40B4-BE49-F238E27FC236}">
-                  <a16:creationId xmlns:a16="http://schemas.microsoft.com/office/drawing/2014/main" id="{B135132D-63B3-8D49-BEFF-B81AEAAE9FEC}"/>
+                  <a16:creationId xmlns:a16="http://schemas.microsoft.com/office/drawing/2014/main" id="{EF36D70C-18DB-8B40-A01E-2DDC02B77C2D}"/>
                 </a:ext>
               </a:extLst>
             </p:cNvPr>
@@ -4281,10 +4141,10 @@
             <p:nvPr/>
           </p:nvPicPr>
           <p:blipFill>
-            <a:blip r:embed="rId2">
+            <a:blip r:embed="rId4">
               <a:extLst>
                 <a:ext uri="{96DAC541-7B7A-43D3-8B79-37D633B846F1}">
-                  <asvg:svgBlip xmlns:asvg="http://schemas.microsoft.com/office/drawing/2016/SVG/main" r:embed="rId3"/>
+                  <asvg:svgBlip xmlns:asvg="http://schemas.microsoft.com/office/drawing/2016/SVG/main" r:embed="rId5"/>
                 </a:ext>
               </a:extLst>
             </a:blip>
@@ -4293,9 +4153,9 @@
             </a:stretch>
           </p:blipFill>
           <p:spPr>
-            <a:xfrm>
-              <a:off x="8052782" y="3663778"/>
-              <a:ext cx="914400" cy="914400"/>
+            <a:xfrm rot="19003490">
+              <a:off x="3773302" y="4619346"/>
+              <a:ext cx="664745" cy="677631"/>
             </a:xfrm>
             <a:prstGeom prst="rect">
               <a:avLst/>
@@ -4303,61 +4163,26 @@
           </p:spPr>
         </p:pic>
       </p:grpSp>
-      <p:sp>
-        <p:nvSpPr>
-          <p:cNvPr id="9" name="TextBox 8">
-            <a:extLst>
-              <a:ext uri="{FF2B5EF4-FFF2-40B4-BE49-F238E27FC236}">
-                <a16:creationId xmlns:a16="http://schemas.microsoft.com/office/drawing/2014/main" id="{080FC876-045D-5644-A491-D0C7D29DBECF}"/>
-              </a:ext>
-            </a:extLst>
-          </p:cNvPr>
-          <p:cNvSpPr txBox="1"/>
-          <p:nvPr/>
-        </p:nvSpPr>
-        <p:spPr>
-          <a:xfrm>
-            <a:off x="8478037" y="2181523"/>
-            <a:ext cx="821059" cy="276999"/>
-          </a:xfrm>
-          <a:prstGeom prst="rect">
-            <a:avLst/>
-          </a:prstGeom>
-          <a:noFill/>
-        </p:spPr>
-        <p:txBody>
-          <a:bodyPr wrap="none" rtlCol="0">
-            <a:spAutoFit/>
-          </a:bodyPr>
-          <a:lstStyle/>
-          <a:p>
-            <a:r>
-              <a:rPr lang="en-US" sz="1200" dirty="0"/>
-              <a:t>x100 / sec</a:t>
-            </a:r>
-          </a:p>
-        </p:txBody>
-      </p:sp>
       <p:cxnSp>
         <p:nvCxnSpPr>
-          <p:cNvPr id="33" name="Straight Arrow Connector 32">
-            <a:extLst>
-              <a:ext uri="{FF2B5EF4-FFF2-40B4-BE49-F238E27FC236}">
-                <a16:creationId xmlns:a16="http://schemas.microsoft.com/office/drawing/2014/main" id="{6DDECD30-2AB2-484E-9B3F-2848604400F4}"/>
+          <p:cNvPr id="58" name="Straight Arrow Connector 57">
+            <a:extLst>
+              <a:ext uri="{FF2B5EF4-FFF2-40B4-BE49-F238E27FC236}">
+                <a16:creationId xmlns:a16="http://schemas.microsoft.com/office/drawing/2014/main" id="{0CC3C0A0-172F-7D48-875A-0A73809132AA}"/>
               </a:ext>
             </a:extLst>
           </p:cNvPr>
           <p:cNvCxnSpPr>
             <a:cxnSpLocks/>
-            <a:stCxn id="6" idx="3"/>
-            <a:endCxn id="37" idx="1"/>
+            <a:stCxn id="4" idx="3"/>
+            <a:endCxn id="47" idx="1"/>
           </p:cNvCxnSpPr>
           <p:nvPr/>
         </p:nvCxnSpPr>
         <p:spPr>
           <a:xfrm>
-            <a:off x="8829081" y="2887696"/>
-            <a:ext cx="835581" cy="1369945"/>
+            <a:off x="4152962" y="2475188"/>
+            <a:ext cx="791697" cy="1137204"/>
           </a:xfrm>
           <a:prstGeom prst="straightConnector1">
             <a:avLst/>
@@ -4384,61 +4209,129 @@
           </a:fontRef>
         </p:style>
       </p:cxnSp>
-      <p:sp>
-        <p:nvSpPr>
-          <p:cNvPr id="30" name="Rounded Rectangle 29">
-            <a:extLst>
-              <a:ext uri="{FF2B5EF4-FFF2-40B4-BE49-F238E27FC236}">
-                <a16:creationId xmlns:a16="http://schemas.microsoft.com/office/drawing/2014/main" id="{AA72B909-C8B5-C549-8CF3-4878F44C8358}"/>
-              </a:ext>
-            </a:extLst>
-          </p:cNvPr>
-          <p:cNvSpPr/>
+      <p:cxnSp>
+        <p:nvCxnSpPr>
+          <p:cNvPr id="59" name="Straight Arrow Connector 58">
+            <a:extLst>
+              <a:ext uri="{FF2B5EF4-FFF2-40B4-BE49-F238E27FC236}">
+                <a16:creationId xmlns:a16="http://schemas.microsoft.com/office/drawing/2014/main" id="{CEEBE9C4-3EC4-224B-BEBF-27885BDD2773}"/>
+              </a:ext>
+            </a:extLst>
+          </p:cNvPr>
+          <p:cNvCxnSpPr>
+            <a:cxnSpLocks/>
+            <a:stCxn id="3" idx="3"/>
+            <a:endCxn id="4" idx="1"/>
+          </p:cNvCxnSpPr>
           <p:nvPr/>
-        </p:nvSpPr>
+        </p:nvCxnSpPr>
         <p:spPr>
-          <a:xfrm>
-            <a:off x="7032255" y="3913562"/>
-            <a:ext cx="1791093" cy="688157"/>
-          </a:xfrm>
-          <a:prstGeom prst="roundRect">
+          <a:xfrm flipV="1">
+            <a:off x="1377452" y="2475188"/>
+            <a:ext cx="984417" cy="1004811"/>
+          </a:xfrm>
+          <a:prstGeom prst="straightConnector1">
             <a:avLst/>
           </a:prstGeom>
+          <a:ln w="76200">
+            <a:solidFill>
+              <a:schemeClr val="accent2"/>
+            </a:solidFill>
+            <a:tailEnd type="triangle"/>
+          </a:ln>
         </p:spPr>
         <p:style>
-          <a:lnRef idx="2">
-            <a:schemeClr val="accent1">
-              <a:shade val="50000"/>
-            </a:schemeClr>
+          <a:lnRef idx="1">
+            <a:schemeClr val="accent1"/>
           </a:lnRef>
-          <a:fillRef idx="1">
+          <a:fillRef idx="0">
             <a:schemeClr val="accent1"/>
           </a:fillRef>
           <a:effectRef idx="0">
             <a:schemeClr val="accent1"/>
           </a:effectRef>
           <a:fontRef idx="minor">
-            <a:schemeClr val="lt1"/>
+            <a:schemeClr val="tx1"/>
           </a:fontRef>
         </p:style>
-        <p:txBody>
-          <a:bodyPr rtlCol="0" anchor="ctr"/>
-          <a:lstStyle/>
-          <a:p>
-            <a:pPr algn="ctr"/>
-            <a:r>
-              <a:rPr lang="en-US" dirty="0"/>
-              <a:t>Job Processor</a:t>
-            </a:r>
-          </a:p>
-        </p:txBody>
-      </p:sp>
+      </p:cxnSp>
+      <p:sp>
+        <p:nvSpPr>
+          <p:cNvPr id="63" name="TextBox 62">
+            <a:extLst>
+              <a:ext uri="{FF2B5EF4-FFF2-40B4-BE49-F238E27FC236}">
+                <a16:creationId xmlns:a16="http://schemas.microsoft.com/office/drawing/2014/main" id="{9D010F75-483C-5A4D-B0A6-28CD9F7488EB}"/>
+              </a:ext>
+            </a:extLst>
+          </p:cNvPr>
+          <p:cNvSpPr txBox="1"/>
+          <p:nvPr/>
+        </p:nvSpPr>
+        <p:spPr>
+          <a:xfrm>
+            <a:off x="2213033" y="3347197"/>
+            <a:ext cx="604653" cy="276999"/>
+          </a:xfrm>
+          <a:prstGeom prst="rect">
+            <a:avLst/>
+          </a:prstGeom>
+          <a:noFill/>
+        </p:spPr>
+        <p:txBody>
+          <a:bodyPr wrap="none" rtlCol="0">
+            <a:spAutoFit/>
+          </a:bodyPr>
+          <a:lstStyle/>
+          <a:p>
+            <a:r>
+              <a:rPr lang="en-US" sz="1200" dirty="0"/>
+              <a:t>x5,000</a:t>
+            </a:r>
+          </a:p>
+        </p:txBody>
+      </p:sp>
+      <p:pic>
+        <p:nvPicPr>
+          <p:cNvPr id="3" name="Graphic 2" descr="User with solid fill">
+            <a:extLst>
+              <a:ext uri="{FF2B5EF4-FFF2-40B4-BE49-F238E27FC236}">
+                <a16:creationId xmlns:a16="http://schemas.microsoft.com/office/drawing/2014/main" id="{E180EF03-CCBB-D74B-87EC-E1079380D7F6}"/>
+              </a:ext>
+            </a:extLst>
+          </p:cNvPr>
+          <p:cNvPicPr>
+            <a:picLocks noChangeAspect="1"/>
+          </p:cNvPicPr>
+          <p:nvPr/>
+        </p:nvPicPr>
+        <p:blipFill>
+          <a:blip r:embed="rId2">
+            <a:extLst>
+              <a:ext uri="{96DAC541-7B7A-43D3-8B79-37D633B846F1}">
+                <asvg:svgBlip xmlns:asvg="http://schemas.microsoft.com/office/drawing/2016/SVG/main" r:embed="rId3"/>
+              </a:ext>
+            </a:extLst>
+          </a:blip>
+          <a:stretch>
+            <a:fillRect/>
+          </a:stretch>
+        </p:blipFill>
+        <p:spPr>
+          <a:xfrm>
+            <a:off x="463052" y="3022799"/>
+            <a:ext cx="914400" cy="914400"/>
+          </a:xfrm>
+          <a:prstGeom prst="rect">
+            <a:avLst/>
+          </a:prstGeom>
+        </p:spPr>
+      </p:pic>
       <p:grpSp>
         <p:nvGrpSpPr>
-          <p:cNvPr id="32" name="Group 31">
-            <a:extLst>
-              <a:ext uri="{FF2B5EF4-FFF2-40B4-BE49-F238E27FC236}">
-                <a16:creationId xmlns:a16="http://schemas.microsoft.com/office/drawing/2014/main" id="{94EAE82D-3120-674D-9066-855850E36F07}"/>
+          <p:cNvPr id="65" name="Group 64">
+            <a:extLst>
+              <a:ext uri="{FF2B5EF4-FFF2-40B4-BE49-F238E27FC236}">
+                <a16:creationId xmlns:a16="http://schemas.microsoft.com/office/drawing/2014/main" id="{846812F7-6B31-1B4D-97D0-2E6D5F333B7D}"/>
               </a:ext>
             </a:extLst>
           </p:cNvPr>
@@ -4446,19 +4339,19 @@
           <p:nvPr/>
         </p:nvGrpSpPr>
         <p:grpSpPr>
-          <a:xfrm rot="19003490">
-            <a:off x="7898933" y="3282604"/>
-            <a:ext cx="664745" cy="677631"/>
-            <a:chOff x="8052782" y="3663778"/>
-            <a:chExt cx="914400" cy="914400"/>
+          <a:xfrm>
+            <a:off x="5928204" y="613615"/>
+            <a:ext cx="663789" cy="676656"/>
+            <a:chOff x="3891008" y="4280060"/>
+            <a:chExt cx="663789" cy="676656"/>
           </a:xfrm>
         </p:grpSpPr>
         <p:sp>
           <p:nvSpPr>
-            <p:cNvPr id="34" name="Rectangle 33">
+            <p:cNvPr id="66" name="Rectangle 65">
               <a:extLst>
                 <a:ext uri="{FF2B5EF4-FFF2-40B4-BE49-F238E27FC236}">
-                  <a16:creationId xmlns:a16="http://schemas.microsoft.com/office/drawing/2014/main" id="{67DCBBF2-E624-1A41-9E24-16262110D030}"/>
+                  <a16:creationId xmlns:a16="http://schemas.microsoft.com/office/drawing/2014/main" id="{6D8CC42D-6742-FF47-A754-680EAA2599A3}"/>
                 </a:ext>
               </a:extLst>
             </p:cNvPr>
@@ -4466,16 +4359,19 @@
             <p:nvPr/>
           </p:nvSpPr>
           <p:spPr>
-            <a:xfrm>
-              <a:off x="8180173" y="3880021"/>
-              <a:ext cx="679621" cy="481913"/>
+            <a:xfrm rot="19003490">
+              <a:off x="3975869" y="4435358"/>
+              <a:ext cx="494067" cy="357130"/>
             </a:xfrm>
             <a:prstGeom prst="rect">
               <a:avLst/>
             </a:prstGeom>
             <a:solidFill>
-              <a:schemeClr val="bg1"/>
+              <a:srgbClr val="D883FF"/>
             </a:solidFill>
+            <a:ln>
+              <a:noFill/>
+            </a:ln>
           </p:spPr>
           <p:style>
             <a:lnRef idx="2">
@@ -4504,10 +4400,10 @@
         </p:sp>
         <p:pic>
           <p:nvPicPr>
-            <p:cNvPr id="35" name="Graphic 34" descr="Envelope with solid fill">
+            <p:cNvPr id="67" name="Graphic 66" descr="Envelope with solid fill">
               <a:extLst>
                 <a:ext uri="{FF2B5EF4-FFF2-40B4-BE49-F238E27FC236}">
-                  <a16:creationId xmlns:a16="http://schemas.microsoft.com/office/drawing/2014/main" id="{B559FDCB-54E1-6F4D-8C3D-680FB4A86CD0}"/>
+                  <a16:creationId xmlns:a16="http://schemas.microsoft.com/office/drawing/2014/main" id="{603EF61A-9983-0441-A84B-958539E4531C}"/>
                 </a:ext>
               </a:extLst>
             </p:cNvPr>
@@ -4517,10 +4413,10 @@
             <p:nvPr/>
           </p:nvPicPr>
           <p:blipFill>
-            <a:blip r:embed="rId2">
+            <a:blip r:embed="rId4">
               <a:extLst>
                 <a:ext uri="{96DAC541-7B7A-43D3-8B79-37D633B846F1}">
-                  <asvg:svgBlip xmlns:asvg="http://schemas.microsoft.com/office/drawing/2016/SVG/main" r:embed="rId3"/>
+                  <asvg:svgBlip xmlns:asvg="http://schemas.microsoft.com/office/drawing/2016/SVG/main" r:embed="rId5"/>
                 </a:ext>
               </a:extLst>
             </a:blip>
@@ -4529,9 +4425,9 @@
             </a:stretch>
           </p:blipFill>
           <p:spPr>
-            <a:xfrm>
-              <a:off x="8052782" y="3663778"/>
-              <a:ext cx="914400" cy="914400"/>
+            <a:xfrm rot="19003490">
+              <a:off x="3891008" y="4280060"/>
+              <a:ext cx="663789" cy="676656"/>
             </a:xfrm>
             <a:prstGeom prst="rect">
               <a:avLst/>
@@ -4539,191 +4435,12 @@
           </p:spPr>
         </p:pic>
       </p:grpSp>
-      <p:sp>
-        <p:nvSpPr>
-          <p:cNvPr id="36" name="TextBox 35">
-            <a:extLst>
-              <a:ext uri="{FF2B5EF4-FFF2-40B4-BE49-F238E27FC236}">
-                <a16:creationId xmlns:a16="http://schemas.microsoft.com/office/drawing/2014/main" id="{A17AA3D8-47F0-B44D-84E6-CC29D7D8870D}"/>
-              </a:ext>
-            </a:extLst>
-          </p:cNvPr>
-          <p:cNvSpPr txBox="1"/>
-          <p:nvPr/>
-        </p:nvSpPr>
-        <p:spPr>
-          <a:xfrm>
-            <a:off x="8472304" y="3551468"/>
-            <a:ext cx="821059" cy="276999"/>
-          </a:xfrm>
-          <a:prstGeom prst="rect">
-            <a:avLst/>
-          </a:prstGeom>
-          <a:noFill/>
-        </p:spPr>
-        <p:txBody>
-          <a:bodyPr wrap="none" rtlCol="0">
-            <a:spAutoFit/>
-          </a:bodyPr>
-          <a:lstStyle/>
-          <a:p>
-            <a:r>
-              <a:rPr lang="en-US" sz="1200" dirty="0"/>
-              <a:t>x100 / sec</a:t>
-            </a:r>
-          </a:p>
-        </p:txBody>
-      </p:sp>
-      <p:sp>
-        <p:nvSpPr>
-          <p:cNvPr id="37" name="Rounded Rectangle 36">
-            <a:extLst>
-              <a:ext uri="{FF2B5EF4-FFF2-40B4-BE49-F238E27FC236}">
-                <a16:creationId xmlns:a16="http://schemas.microsoft.com/office/drawing/2014/main" id="{D52ECAD0-CD59-D641-8AD2-DAFC5E1C820A}"/>
-              </a:ext>
-            </a:extLst>
-          </p:cNvPr>
-          <p:cNvSpPr/>
-          <p:nvPr/>
-        </p:nvSpPr>
-        <p:spPr>
-          <a:xfrm>
-            <a:off x="9664662" y="3913562"/>
-            <a:ext cx="1791093" cy="688157"/>
-          </a:xfrm>
-          <a:prstGeom prst="roundRect">
-            <a:avLst/>
-          </a:prstGeom>
-        </p:spPr>
-        <p:style>
-          <a:lnRef idx="2">
-            <a:schemeClr val="accent6">
-              <a:shade val="50000"/>
-            </a:schemeClr>
-          </a:lnRef>
-          <a:fillRef idx="1">
-            <a:schemeClr val="accent6"/>
-          </a:fillRef>
-          <a:effectRef idx="0">
-            <a:schemeClr val="accent6"/>
-          </a:effectRef>
-          <a:fontRef idx="minor">
-            <a:schemeClr val="lt1"/>
-          </a:fontRef>
-        </p:style>
-        <p:txBody>
-          <a:bodyPr rtlCol="0" anchor="ctr"/>
-          <a:lstStyle/>
-          <a:p>
-            <a:pPr algn="ctr"/>
-            <a:r>
-              <a:rPr lang="en-US" dirty="0"/>
-              <a:t>Throttled Service</a:t>
-            </a:r>
-          </a:p>
-        </p:txBody>
-      </p:sp>
-      <p:cxnSp>
-        <p:nvCxnSpPr>
-          <p:cNvPr id="38" name="Straight Arrow Connector 37">
-            <a:extLst>
-              <a:ext uri="{FF2B5EF4-FFF2-40B4-BE49-F238E27FC236}">
-                <a16:creationId xmlns:a16="http://schemas.microsoft.com/office/drawing/2014/main" id="{2B6B7CDB-B5B4-FF46-93F0-C7218774254B}"/>
-              </a:ext>
-            </a:extLst>
-          </p:cNvPr>
-          <p:cNvCxnSpPr>
-            <a:cxnSpLocks/>
-            <a:stCxn id="30" idx="3"/>
-            <a:endCxn id="37" idx="1"/>
-          </p:cNvCxnSpPr>
-          <p:nvPr/>
-        </p:nvCxnSpPr>
-        <p:spPr>
-          <a:xfrm>
-            <a:off x="8823348" y="4257641"/>
-            <a:ext cx="841314" cy="0"/>
-          </a:xfrm>
-          <a:prstGeom prst="straightConnector1">
-            <a:avLst/>
-          </a:prstGeom>
-          <a:ln w="76200">
-            <a:solidFill>
-              <a:schemeClr val="accent2"/>
-            </a:solidFill>
-            <a:tailEnd type="triangle"/>
-          </a:ln>
-        </p:spPr>
-        <p:style>
-          <a:lnRef idx="1">
-            <a:schemeClr val="accent1"/>
-          </a:lnRef>
-          <a:fillRef idx="0">
-            <a:schemeClr val="accent1"/>
-          </a:fillRef>
-          <a:effectRef idx="0">
-            <a:schemeClr val="accent1"/>
-          </a:effectRef>
-          <a:fontRef idx="minor">
-            <a:schemeClr val="tx1"/>
-          </a:fontRef>
-        </p:style>
-      </p:cxnSp>
-      <p:sp>
-        <p:nvSpPr>
-          <p:cNvPr id="39" name="Rounded Rectangle 38">
-            <a:extLst>
-              <a:ext uri="{FF2B5EF4-FFF2-40B4-BE49-F238E27FC236}">
-                <a16:creationId xmlns:a16="http://schemas.microsoft.com/office/drawing/2014/main" id="{004807CB-98E7-1A42-B5F2-DF0AE5B80853}"/>
-              </a:ext>
-            </a:extLst>
-          </p:cNvPr>
-          <p:cNvSpPr/>
-          <p:nvPr/>
-        </p:nvSpPr>
-        <p:spPr>
-          <a:xfrm>
-            <a:off x="7032255" y="5283506"/>
-            <a:ext cx="1791093" cy="688157"/>
-          </a:xfrm>
-          <a:prstGeom prst="roundRect">
-            <a:avLst/>
-          </a:prstGeom>
-        </p:spPr>
-        <p:style>
-          <a:lnRef idx="2">
-            <a:schemeClr val="accent1">
-              <a:shade val="50000"/>
-            </a:schemeClr>
-          </a:lnRef>
-          <a:fillRef idx="1">
-            <a:schemeClr val="accent1"/>
-          </a:fillRef>
-          <a:effectRef idx="0">
-            <a:schemeClr val="accent1"/>
-          </a:effectRef>
-          <a:fontRef idx="minor">
-            <a:schemeClr val="lt1"/>
-          </a:fontRef>
-        </p:style>
-        <p:txBody>
-          <a:bodyPr rtlCol="0" anchor="ctr"/>
-          <a:lstStyle/>
-          <a:p>
-            <a:pPr algn="ctr"/>
-            <a:r>
-              <a:rPr lang="en-US" dirty="0"/>
-              <a:t>Job Processor</a:t>
-            </a:r>
-          </a:p>
-        </p:txBody>
-      </p:sp>
       <p:grpSp>
         <p:nvGrpSpPr>
-          <p:cNvPr id="41" name="Group 40">
-            <a:extLst>
-              <a:ext uri="{FF2B5EF4-FFF2-40B4-BE49-F238E27FC236}">
-                <a16:creationId xmlns:a16="http://schemas.microsoft.com/office/drawing/2014/main" id="{F0D209F3-DED3-3840-91FE-27A599C9BFF4}"/>
+          <p:cNvPr id="68" name="Group 67">
+            <a:extLst>
+              <a:ext uri="{FF2B5EF4-FFF2-40B4-BE49-F238E27FC236}">
+                <a16:creationId xmlns:a16="http://schemas.microsoft.com/office/drawing/2014/main" id="{E2063611-EEBB-3848-A634-8529ECCCA48C}"/>
               </a:ext>
             </a:extLst>
           </p:cNvPr>
@@ -4731,19 +4448,19 @@
           <p:nvPr/>
         </p:nvGrpSpPr>
         <p:grpSpPr>
-          <a:xfrm rot="19003490">
-            <a:off x="7898933" y="4652548"/>
-            <a:ext cx="664745" cy="677631"/>
-            <a:chOff x="8052782" y="3663778"/>
-            <a:chExt cx="914400" cy="914400"/>
+          <a:xfrm>
+            <a:off x="5559385" y="609150"/>
+            <a:ext cx="663789" cy="676656"/>
+            <a:chOff x="3891008" y="4280060"/>
+            <a:chExt cx="663789" cy="676656"/>
           </a:xfrm>
         </p:grpSpPr>
         <p:sp>
           <p:nvSpPr>
-            <p:cNvPr id="42" name="Rectangle 41">
+            <p:cNvPr id="69" name="Rectangle 68">
               <a:extLst>
                 <a:ext uri="{FF2B5EF4-FFF2-40B4-BE49-F238E27FC236}">
-                  <a16:creationId xmlns:a16="http://schemas.microsoft.com/office/drawing/2014/main" id="{50090CEB-30FC-8347-9D13-546438551C9C}"/>
+                  <a16:creationId xmlns:a16="http://schemas.microsoft.com/office/drawing/2014/main" id="{76B7534C-440F-EC4E-802C-1EED3B68AC4E}"/>
                 </a:ext>
               </a:extLst>
             </p:cNvPr>
@@ -4751,16 +4468,19 @@
             <p:nvPr/>
           </p:nvSpPr>
           <p:spPr>
-            <a:xfrm>
-              <a:off x="8180173" y="3880021"/>
-              <a:ext cx="679621" cy="481913"/>
+            <a:xfrm rot="19003490">
+              <a:off x="3975869" y="4435358"/>
+              <a:ext cx="494067" cy="357130"/>
             </a:xfrm>
             <a:prstGeom prst="rect">
               <a:avLst/>
             </a:prstGeom>
             <a:solidFill>
-              <a:schemeClr val="bg1"/>
+              <a:srgbClr val="D883FF"/>
             </a:solidFill>
+            <a:ln>
+              <a:noFill/>
+            </a:ln>
           </p:spPr>
           <p:style>
             <a:lnRef idx="2">
@@ -4789,10 +4509,10 @@
         </p:sp>
         <p:pic>
           <p:nvPicPr>
-            <p:cNvPr id="43" name="Graphic 42" descr="Envelope with solid fill">
+            <p:cNvPr id="70" name="Graphic 69" descr="Envelope with solid fill">
               <a:extLst>
                 <a:ext uri="{FF2B5EF4-FFF2-40B4-BE49-F238E27FC236}">
-                  <a16:creationId xmlns:a16="http://schemas.microsoft.com/office/drawing/2014/main" id="{4EA8199E-B916-A64B-8915-1663217DF364}"/>
+                  <a16:creationId xmlns:a16="http://schemas.microsoft.com/office/drawing/2014/main" id="{9FDA425C-BC12-BD45-BF76-7A893A0BD463}"/>
                 </a:ext>
               </a:extLst>
             </p:cNvPr>
@@ -4802,10 +4522,10 @@
             <p:nvPr/>
           </p:nvPicPr>
           <p:blipFill>
-            <a:blip r:embed="rId2">
+            <a:blip r:embed="rId4">
               <a:extLst>
                 <a:ext uri="{96DAC541-7B7A-43D3-8B79-37D633B846F1}">
-                  <asvg:svgBlip xmlns:asvg="http://schemas.microsoft.com/office/drawing/2016/SVG/main" r:embed="rId3"/>
+                  <asvg:svgBlip xmlns:asvg="http://schemas.microsoft.com/office/drawing/2016/SVG/main" r:embed="rId5"/>
                 </a:ext>
               </a:extLst>
             </a:blip>
@@ -4814,9 +4534,9 @@
             </a:stretch>
           </p:blipFill>
           <p:spPr>
-            <a:xfrm>
-              <a:off x="8052782" y="3663778"/>
-              <a:ext cx="914400" cy="914400"/>
+            <a:xfrm rot="19003490">
+              <a:off x="3891008" y="4280060"/>
+              <a:ext cx="663789" cy="676656"/>
             </a:xfrm>
             <a:prstGeom prst="rect">
               <a:avLst/>
@@ -4824,12 +4544,666 @@
           </p:spPr>
         </p:pic>
       </p:grpSp>
-      <p:sp>
-        <p:nvSpPr>
-          <p:cNvPr id="44" name="TextBox 43">
-            <a:extLst>
-              <a:ext uri="{FF2B5EF4-FFF2-40B4-BE49-F238E27FC236}">
-                <a16:creationId xmlns:a16="http://schemas.microsoft.com/office/drawing/2014/main" id="{CFC39B61-EE49-1848-B602-CEB2D708D439}"/>
+      <p:grpSp>
+        <p:nvGrpSpPr>
+          <p:cNvPr id="71" name="Group 70">
+            <a:extLst>
+              <a:ext uri="{FF2B5EF4-FFF2-40B4-BE49-F238E27FC236}">
+                <a16:creationId xmlns:a16="http://schemas.microsoft.com/office/drawing/2014/main" id="{ABB84F46-4DEF-A546-94B1-B9375C7B4364}"/>
+              </a:ext>
+            </a:extLst>
+          </p:cNvPr>
+          <p:cNvGrpSpPr/>
+          <p:nvPr/>
+        </p:nvGrpSpPr>
+        <p:grpSpPr>
+          <a:xfrm>
+            <a:off x="5199430" y="604685"/>
+            <a:ext cx="663789" cy="676656"/>
+            <a:chOff x="3891008" y="4280060"/>
+            <a:chExt cx="663789" cy="676656"/>
+          </a:xfrm>
+        </p:grpSpPr>
+        <p:sp>
+          <p:nvSpPr>
+            <p:cNvPr id="72" name="Rectangle 71">
+              <a:extLst>
+                <a:ext uri="{FF2B5EF4-FFF2-40B4-BE49-F238E27FC236}">
+                  <a16:creationId xmlns:a16="http://schemas.microsoft.com/office/drawing/2014/main" id="{5BD8BDD9-41E8-FA4B-9EAF-92AC05598D03}"/>
+                </a:ext>
+              </a:extLst>
+            </p:cNvPr>
+            <p:cNvSpPr/>
+            <p:nvPr/>
+          </p:nvSpPr>
+          <p:spPr>
+            <a:xfrm rot="19003490">
+              <a:off x="3975869" y="4435358"/>
+              <a:ext cx="494067" cy="357130"/>
+            </a:xfrm>
+            <a:prstGeom prst="rect">
+              <a:avLst/>
+            </a:prstGeom>
+            <a:solidFill>
+              <a:srgbClr val="D883FF"/>
+            </a:solidFill>
+            <a:ln>
+              <a:noFill/>
+            </a:ln>
+          </p:spPr>
+          <p:style>
+            <a:lnRef idx="2">
+              <a:schemeClr val="accent1">
+                <a:shade val="50000"/>
+              </a:schemeClr>
+            </a:lnRef>
+            <a:fillRef idx="1">
+              <a:schemeClr val="accent1"/>
+            </a:fillRef>
+            <a:effectRef idx="0">
+              <a:schemeClr val="accent1"/>
+            </a:effectRef>
+            <a:fontRef idx="minor">
+              <a:schemeClr val="lt1"/>
+            </a:fontRef>
+          </p:style>
+          <p:txBody>
+            <a:bodyPr rtlCol="0" anchor="ctr"/>
+            <a:lstStyle/>
+            <a:p>
+              <a:pPr algn="ctr"/>
+              <a:endParaRPr lang="en-US"/>
+            </a:p>
+          </p:txBody>
+        </p:sp>
+        <p:pic>
+          <p:nvPicPr>
+            <p:cNvPr id="73" name="Graphic 72" descr="Envelope with solid fill">
+              <a:extLst>
+                <a:ext uri="{FF2B5EF4-FFF2-40B4-BE49-F238E27FC236}">
+                  <a16:creationId xmlns:a16="http://schemas.microsoft.com/office/drawing/2014/main" id="{76807472-6D7F-F747-836A-AE3CC19C9208}"/>
+                </a:ext>
+              </a:extLst>
+            </p:cNvPr>
+            <p:cNvPicPr>
+              <a:picLocks noChangeAspect="1"/>
+            </p:cNvPicPr>
+            <p:nvPr/>
+          </p:nvPicPr>
+          <p:blipFill>
+            <a:blip r:embed="rId4">
+              <a:extLst>
+                <a:ext uri="{96DAC541-7B7A-43D3-8B79-37D633B846F1}">
+                  <asvg:svgBlip xmlns:asvg="http://schemas.microsoft.com/office/drawing/2016/SVG/main" r:embed="rId5"/>
+                </a:ext>
+              </a:extLst>
+            </a:blip>
+            <a:stretch>
+              <a:fillRect/>
+            </a:stretch>
+          </p:blipFill>
+          <p:spPr>
+            <a:xfrm rot="19003490">
+              <a:off x="3891008" y="4280060"/>
+              <a:ext cx="663789" cy="676656"/>
+            </a:xfrm>
+            <a:prstGeom prst="rect">
+              <a:avLst/>
+            </a:prstGeom>
+          </p:spPr>
+        </p:pic>
+      </p:grpSp>
+      <p:grpSp>
+        <p:nvGrpSpPr>
+          <p:cNvPr id="74" name="Group 73">
+            <a:extLst>
+              <a:ext uri="{FF2B5EF4-FFF2-40B4-BE49-F238E27FC236}">
+                <a16:creationId xmlns:a16="http://schemas.microsoft.com/office/drawing/2014/main" id="{B5C04B40-F022-B743-A3F5-5F52FB898B8B}"/>
+              </a:ext>
+            </a:extLst>
+          </p:cNvPr>
+          <p:cNvGrpSpPr/>
+          <p:nvPr/>
+        </p:nvGrpSpPr>
+        <p:grpSpPr>
+          <a:xfrm>
+            <a:off x="5594876" y="2714564"/>
+            <a:ext cx="664745" cy="677631"/>
+            <a:chOff x="3773302" y="4619346"/>
+            <a:chExt cx="664745" cy="677631"/>
+          </a:xfrm>
+        </p:grpSpPr>
+        <p:sp>
+          <p:nvSpPr>
+            <p:cNvPr id="75" name="Rectangle 74">
+              <a:extLst>
+                <a:ext uri="{FF2B5EF4-FFF2-40B4-BE49-F238E27FC236}">
+                  <a16:creationId xmlns:a16="http://schemas.microsoft.com/office/drawing/2014/main" id="{A99FA789-044D-0B47-8FF9-CC95202C5C6E}"/>
+                </a:ext>
+              </a:extLst>
+            </p:cNvPr>
+            <p:cNvSpPr/>
+            <p:nvPr/>
+          </p:nvSpPr>
+          <p:spPr>
+            <a:xfrm rot="19003490">
+              <a:off x="3863935" y="4779598"/>
+              <a:ext cx="494067" cy="357129"/>
+            </a:xfrm>
+            <a:prstGeom prst="rect">
+              <a:avLst/>
+            </a:prstGeom>
+            <a:solidFill>
+              <a:srgbClr val="73FEFF"/>
+            </a:solidFill>
+            <a:ln>
+              <a:noFill/>
+            </a:ln>
+          </p:spPr>
+          <p:style>
+            <a:lnRef idx="2">
+              <a:schemeClr val="accent1">
+                <a:shade val="50000"/>
+              </a:schemeClr>
+            </a:lnRef>
+            <a:fillRef idx="1">
+              <a:schemeClr val="accent1"/>
+            </a:fillRef>
+            <a:effectRef idx="0">
+              <a:schemeClr val="accent1"/>
+            </a:effectRef>
+            <a:fontRef idx="minor">
+              <a:schemeClr val="lt1"/>
+            </a:fontRef>
+          </p:style>
+          <p:txBody>
+            <a:bodyPr rtlCol="0" anchor="ctr"/>
+            <a:lstStyle/>
+            <a:p>
+              <a:pPr algn="ctr"/>
+              <a:endParaRPr lang="en-US"/>
+            </a:p>
+          </p:txBody>
+        </p:sp>
+        <p:pic>
+          <p:nvPicPr>
+            <p:cNvPr id="76" name="Graphic 75" descr="Envelope with solid fill">
+              <a:extLst>
+                <a:ext uri="{FF2B5EF4-FFF2-40B4-BE49-F238E27FC236}">
+                  <a16:creationId xmlns:a16="http://schemas.microsoft.com/office/drawing/2014/main" id="{010420A6-FA0E-5840-B970-7E2AA7B49157}"/>
+                </a:ext>
+              </a:extLst>
+            </p:cNvPr>
+            <p:cNvPicPr>
+              <a:picLocks noChangeAspect="1"/>
+            </p:cNvPicPr>
+            <p:nvPr/>
+          </p:nvPicPr>
+          <p:blipFill>
+            <a:blip r:embed="rId4">
+              <a:extLst>
+                <a:ext uri="{96DAC541-7B7A-43D3-8B79-37D633B846F1}">
+                  <asvg:svgBlip xmlns:asvg="http://schemas.microsoft.com/office/drawing/2016/SVG/main" r:embed="rId5"/>
+                </a:ext>
+              </a:extLst>
+            </a:blip>
+            <a:stretch>
+              <a:fillRect/>
+            </a:stretch>
+          </p:blipFill>
+          <p:spPr>
+            <a:xfrm rot="19003490">
+              <a:off x="3773302" y="4619346"/>
+              <a:ext cx="664745" cy="677631"/>
+            </a:xfrm>
+            <a:prstGeom prst="rect">
+              <a:avLst/>
+            </a:prstGeom>
+          </p:spPr>
+        </p:pic>
+      </p:grpSp>
+      <p:grpSp>
+        <p:nvGrpSpPr>
+          <p:cNvPr id="77" name="Group 76">
+            <a:extLst>
+              <a:ext uri="{FF2B5EF4-FFF2-40B4-BE49-F238E27FC236}">
+                <a16:creationId xmlns:a16="http://schemas.microsoft.com/office/drawing/2014/main" id="{A147188D-F4BD-4E42-991B-86E267DF7B27}"/>
+              </a:ext>
+            </a:extLst>
+          </p:cNvPr>
+          <p:cNvGrpSpPr/>
+          <p:nvPr/>
+        </p:nvGrpSpPr>
+        <p:grpSpPr>
+          <a:xfrm>
+            <a:off x="5230861" y="2740445"/>
+            <a:ext cx="664745" cy="677631"/>
+            <a:chOff x="3773302" y="4619346"/>
+            <a:chExt cx="664745" cy="677631"/>
+          </a:xfrm>
+        </p:grpSpPr>
+        <p:sp>
+          <p:nvSpPr>
+            <p:cNvPr id="78" name="Rectangle 77">
+              <a:extLst>
+                <a:ext uri="{FF2B5EF4-FFF2-40B4-BE49-F238E27FC236}">
+                  <a16:creationId xmlns:a16="http://schemas.microsoft.com/office/drawing/2014/main" id="{BB3640BB-17E2-0F48-A008-36C22A18725E}"/>
+                </a:ext>
+              </a:extLst>
+            </p:cNvPr>
+            <p:cNvSpPr/>
+            <p:nvPr/>
+          </p:nvSpPr>
+          <p:spPr>
+            <a:xfrm rot="19003490">
+              <a:off x="3863935" y="4779598"/>
+              <a:ext cx="494067" cy="357129"/>
+            </a:xfrm>
+            <a:prstGeom prst="rect">
+              <a:avLst/>
+            </a:prstGeom>
+            <a:solidFill>
+              <a:srgbClr val="73FEFF"/>
+            </a:solidFill>
+            <a:ln>
+              <a:noFill/>
+            </a:ln>
+          </p:spPr>
+          <p:style>
+            <a:lnRef idx="2">
+              <a:schemeClr val="accent1">
+                <a:shade val="50000"/>
+              </a:schemeClr>
+            </a:lnRef>
+            <a:fillRef idx="1">
+              <a:schemeClr val="accent1"/>
+            </a:fillRef>
+            <a:effectRef idx="0">
+              <a:schemeClr val="accent1"/>
+            </a:effectRef>
+            <a:fontRef idx="minor">
+              <a:schemeClr val="lt1"/>
+            </a:fontRef>
+          </p:style>
+          <p:txBody>
+            <a:bodyPr rtlCol="0" anchor="ctr"/>
+            <a:lstStyle/>
+            <a:p>
+              <a:pPr algn="ctr"/>
+              <a:endParaRPr lang="en-US"/>
+            </a:p>
+          </p:txBody>
+        </p:sp>
+        <p:pic>
+          <p:nvPicPr>
+            <p:cNvPr id="79" name="Graphic 78" descr="Envelope with solid fill">
+              <a:extLst>
+                <a:ext uri="{FF2B5EF4-FFF2-40B4-BE49-F238E27FC236}">
+                  <a16:creationId xmlns:a16="http://schemas.microsoft.com/office/drawing/2014/main" id="{FB5E9C6E-3788-3240-AE21-BE51677F2323}"/>
+                </a:ext>
+              </a:extLst>
+            </p:cNvPr>
+            <p:cNvPicPr>
+              <a:picLocks noChangeAspect="1"/>
+            </p:cNvPicPr>
+            <p:nvPr/>
+          </p:nvPicPr>
+          <p:blipFill>
+            <a:blip r:embed="rId4">
+              <a:extLst>
+                <a:ext uri="{96DAC541-7B7A-43D3-8B79-37D633B846F1}">
+                  <asvg:svgBlip xmlns:asvg="http://schemas.microsoft.com/office/drawing/2016/SVG/main" r:embed="rId5"/>
+                </a:ext>
+              </a:extLst>
+            </a:blip>
+            <a:stretch>
+              <a:fillRect/>
+            </a:stretch>
+          </p:blipFill>
+          <p:spPr>
+            <a:xfrm rot="19003490">
+              <a:off x="3773302" y="4619346"/>
+              <a:ext cx="664745" cy="677631"/>
+            </a:xfrm>
+            <a:prstGeom prst="rect">
+              <a:avLst/>
+            </a:prstGeom>
+          </p:spPr>
+        </p:pic>
+      </p:grpSp>
+      <p:grpSp>
+        <p:nvGrpSpPr>
+          <p:cNvPr id="80" name="Group 79">
+            <a:extLst>
+              <a:ext uri="{FF2B5EF4-FFF2-40B4-BE49-F238E27FC236}">
+                <a16:creationId xmlns:a16="http://schemas.microsoft.com/office/drawing/2014/main" id="{4C03E522-DFCA-DD40-A8EF-094317929F3A}"/>
+              </a:ext>
+            </a:extLst>
+          </p:cNvPr>
+          <p:cNvGrpSpPr/>
+          <p:nvPr/>
+        </p:nvGrpSpPr>
+        <p:grpSpPr>
+          <a:xfrm rot="2583364">
+            <a:off x="1641066" y="3113261"/>
+            <a:ext cx="664745" cy="677631"/>
+            <a:chOff x="3773302" y="4619346"/>
+            <a:chExt cx="664745" cy="677631"/>
+          </a:xfrm>
+        </p:grpSpPr>
+        <p:sp>
+          <p:nvSpPr>
+            <p:cNvPr id="81" name="Rectangle 80">
+              <a:extLst>
+                <a:ext uri="{FF2B5EF4-FFF2-40B4-BE49-F238E27FC236}">
+                  <a16:creationId xmlns:a16="http://schemas.microsoft.com/office/drawing/2014/main" id="{CCB4CBC3-A948-3642-BACF-B1BA83D274B2}"/>
+                </a:ext>
+              </a:extLst>
+            </p:cNvPr>
+            <p:cNvSpPr/>
+            <p:nvPr/>
+          </p:nvSpPr>
+          <p:spPr>
+            <a:xfrm rot="19003490">
+              <a:off x="3863935" y="4779598"/>
+              <a:ext cx="494067" cy="357129"/>
+            </a:xfrm>
+            <a:prstGeom prst="rect">
+              <a:avLst/>
+            </a:prstGeom>
+            <a:solidFill>
+              <a:srgbClr val="73FEFF"/>
+            </a:solidFill>
+            <a:ln>
+              <a:noFill/>
+            </a:ln>
+          </p:spPr>
+          <p:style>
+            <a:lnRef idx="2">
+              <a:schemeClr val="accent1">
+                <a:shade val="50000"/>
+              </a:schemeClr>
+            </a:lnRef>
+            <a:fillRef idx="1">
+              <a:schemeClr val="accent1"/>
+            </a:fillRef>
+            <a:effectRef idx="0">
+              <a:schemeClr val="accent1"/>
+            </a:effectRef>
+            <a:fontRef idx="minor">
+              <a:schemeClr val="lt1"/>
+            </a:fontRef>
+          </p:style>
+          <p:txBody>
+            <a:bodyPr rtlCol="0" anchor="ctr"/>
+            <a:lstStyle/>
+            <a:p>
+              <a:pPr algn="ctr"/>
+              <a:endParaRPr lang="en-US"/>
+            </a:p>
+          </p:txBody>
+        </p:sp>
+        <p:pic>
+          <p:nvPicPr>
+            <p:cNvPr id="82" name="Graphic 81" descr="Envelope with solid fill">
+              <a:extLst>
+                <a:ext uri="{FF2B5EF4-FFF2-40B4-BE49-F238E27FC236}">
+                  <a16:creationId xmlns:a16="http://schemas.microsoft.com/office/drawing/2014/main" id="{CA51DE55-DB2E-2F48-894F-E032F2009569}"/>
+                </a:ext>
+              </a:extLst>
+            </p:cNvPr>
+            <p:cNvPicPr>
+              <a:picLocks noChangeAspect="1"/>
+            </p:cNvPicPr>
+            <p:nvPr/>
+          </p:nvPicPr>
+          <p:blipFill>
+            <a:blip r:embed="rId4">
+              <a:extLst>
+                <a:ext uri="{96DAC541-7B7A-43D3-8B79-37D633B846F1}">
+                  <asvg:svgBlip xmlns:asvg="http://schemas.microsoft.com/office/drawing/2016/SVG/main" r:embed="rId5"/>
+                </a:ext>
+              </a:extLst>
+            </a:blip>
+            <a:stretch>
+              <a:fillRect/>
+            </a:stretch>
+          </p:blipFill>
+          <p:spPr>
+            <a:xfrm rot="19003490">
+              <a:off x="3773302" y="4619346"/>
+              <a:ext cx="664745" cy="677631"/>
+            </a:xfrm>
+            <a:prstGeom prst="rect">
+              <a:avLst/>
+            </a:prstGeom>
+          </p:spPr>
+        </p:pic>
+      </p:grpSp>
+      <p:grpSp>
+        <p:nvGrpSpPr>
+          <p:cNvPr id="83" name="Group 82">
+            <a:extLst>
+              <a:ext uri="{FF2B5EF4-FFF2-40B4-BE49-F238E27FC236}">
+                <a16:creationId xmlns:a16="http://schemas.microsoft.com/office/drawing/2014/main" id="{7D3F932F-08F7-3E4E-A0F5-2CA87F5A82C9}"/>
+              </a:ext>
+            </a:extLst>
+          </p:cNvPr>
+          <p:cNvGrpSpPr/>
+          <p:nvPr/>
+        </p:nvGrpSpPr>
+        <p:grpSpPr>
+          <a:xfrm>
+            <a:off x="8433018" y="559432"/>
+            <a:ext cx="663789" cy="676656"/>
+            <a:chOff x="3891008" y="4280060"/>
+            <a:chExt cx="663789" cy="676656"/>
+          </a:xfrm>
+        </p:grpSpPr>
+        <p:sp>
+          <p:nvSpPr>
+            <p:cNvPr id="84" name="Rectangle 83">
+              <a:extLst>
+                <a:ext uri="{FF2B5EF4-FFF2-40B4-BE49-F238E27FC236}">
+                  <a16:creationId xmlns:a16="http://schemas.microsoft.com/office/drawing/2014/main" id="{AB3DE117-EDDF-2643-A57B-13AC03C9162B}"/>
+                </a:ext>
+              </a:extLst>
+            </p:cNvPr>
+            <p:cNvSpPr/>
+            <p:nvPr/>
+          </p:nvSpPr>
+          <p:spPr>
+            <a:xfrm rot="19003490">
+              <a:off x="3975869" y="4435358"/>
+              <a:ext cx="494067" cy="357130"/>
+            </a:xfrm>
+            <a:prstGeom prst="rect">
+              <a:avLst/>
+            </a:prstGeom>
+            <a:solidFill>
+              <a:srgbClr val="D883FF"/>
+            </a:solidFill>
+            <a:ln>
+              <a:noFill/>
+            </a:ln>
+          </p:spPr>
+          <p:style>
+            <a:lnRef idx="2">
+              <a:schemeClr val="accent1">
+                <a:shade val="50000"/>
+              </a:schemeClr>
+            </a:lnRef>
+            <a:fillRef idx="1">
+              <a:schemeClr val="accent1"/>
+            </a:fillRef>
+            <a:effectRef idx="0">
+              <a:schemeClr val="accent1"/>
+            </a:effectRef>
+            <a:fontRef idx="minor">
+              <a:schemeClr val="lt1"/>
+            </a:fontRef>
+          </p:style>
+          <p:txBody>
+            <a:bodyPr rtlCol="0" anchor="ctr"/>
+            <a:lstStyle/>
+            <a:p>
+              <a:pPr algn="ctr"/>
+              <a:endParaRPr lang="en-US"/>
+            </a:p>
+          </p:txBody>
+        </p:sp>
+        <p:pic>
+          <p:nvPicPr>
+            <p:cNvPr id="85" name="Graphic 84" descr="Envelope with solid fill">
+              <a:extLst>
+                <a:ext uri="{FF2B5EF4-FFF2-40B4-BE49-F238E27FC236}">
+                  <a16:creationId xmlns:a16="http://schemas.microsoft.com/office/drawing/2014/main" id="{AD18D676-8008-C04F-BFEC-389CA29FA7E5}"/>
+                </a:ext>
+              </a:extLst>
+            </p:cNvPr>
+            <p:cNvPicPr>
+              <a:picLocks noChangeAspect="1"/>
+            </p:cNvPicPr>
+            <p:nvPr/>
+          </p:nvPicPr>
+          <p:blipFill>
+            <a:blip r:embed="rId4">
+              <a:extLst>
+                <a:ext uri="{96DAC541-7B7A-43D3-8B79-37D633B846F1}">
+                  <asvg:svgBlip xmlns:asvg="http://schemas.microsoft.com/office/drawing/2016/SVG/main" r:embed="rId5"/>
+                </a:ext>
+              </a:extLst>
+            </a:blip>
+            <a:stretch>
+              <a:fillRect/>
+            </a:stretch>
+          </p:blipFill>
+          <p:spPr>
+            <a:xfrm rot="19003490">
+              <a:off x="3891008" y="4280060"/>
+              <a:ext cx="663789" cy="676656"/>
+            </a:xfrm>
+            <a:prstGeom prst="rect">
+              <a:avLst/>
+            </a:prstGeom>
+          </p:spPr>
+        </p:pic>
+      </p:grpSp>
+      <p:grpSp>
+        <p:nvGrpSpPr>
+          <p:cNvPr id="96" name="Group 95">
+            <a:extLst>
+              <a:ext uri="{FF2B5EF4-FFF2-40B4-BE49-F238E27FC236}">
+                <a16:creationId xmlns:a16="http://schemas.microsoft.com/office/drawing/2014/main" id="{94CE3481-AD39-D741-A0BC-AD2AE053A87F}"/>
+              </a:ext>
+            </a:extLst>
+          </p:cNvPr>
+          <p:cNvGrpSpPr/>
+          <p:nvPr/>
+        </p:nvGrpSpPr>
+        <p:grpSpPr>
+          <a:xfrm>
+            <a:off x="8397889" y="2720768"/>
+            <a:ext cx="664745" cy="677631"/>
+            <a:chOff x="3773302" y="4619346"/>
+            <a:chExt cx="664745" cy="677631"/>
+          </a:xfrm>
+        </p:grpSpPr>
+        <p:sp>
+          <p:nvSpPr>
+            <p:cNvPr id="97" name="Rectangle 96">
+              <a:extLst>
+                <a:ext uri="{FF2B5EF4-FFF2-40B4-BE49-F238E27FC236}">
+                  <a16:creationId xmlns:a16="http://schemas.microsoft.com/office/drawing/2014/main" id="{95C06B88-E1A8-CE43-96A1-D1231962D621}"/>
+                </a:ext>
+              </a:extLst>
+            </p:cNvPr>
+            <p:cNvSpPr/>
+            <p:nvPr/>
+          </p:nvSpPr>
+          <p:spPr>
+            <a:xfrm rot="19003490">
+              <a:off x="3863935" y="4779598"/>
+              <a:ext cx="494067" cy="357129"/>
+            </a:xfrm>
+            <a:prstGeom prst="rect">
+              <a:avLst/>
+            </a:prstGeom>
+            <a:solidFill>
+              <a:srgbClr val="73FEFF"/>
+            </a:solidFill>
+            <a:ln>
+              <a:noFill/>
+            </a:ln>
+          </p:spPr>
+          <p:style>
+            <a:lnRef idx="2">
+              <a:schemeClr val="accent1">
+                <a:shade val="50000"/>
+              </a:schemeClr>
+            </a:lnRef>
+            <a:fillRef idx="1">
+              <a:schemeClr val="accent1"/>
+            </a:fillRef>
+            <a:effectRef idx="0">
+              <a:schemeClr val="accent1"/>
+            </a:effectRef>
+            <a:fontRef idx="minor">
+              <a:schemeClr val="lt1"/>
+            </a:fontRef>
+          </p:style>
+          <p:txBody>
+            <a:bodyPr rtlCol="0" anchor="ctr"/>
+            <a:lstStyle/>
+            <a:p>
+              <a:pPr algn="ctr"/>
+              <a:endParaRPr lang="en-US"/>
+            </a:p>
+          </p:txBody>
+        </p:sp>
+        <p:pic>
+          <p:nvPicPr>
+            <p:cNvPr id="98" name="Graphic 97" descr="Envelope with solid fill">
+              <a:extLst>
+                <a:ext uri="{FF2B5EF4-FFF2-40B4-BE49-F238E27FC236}">
+                  <a16:creationId xmlns:a16="http://schemas.microsoft.com/office/drawing/2014/main" id="{E1D6FCF6-37CC-5943-BDBE-59D4BC49E0F9}"/>
+                </a:ext>
+              </a:extLst>
+            </p:cNvPr>
+            <p:cNvPicPr>
+              <a:picLocks noChangeAspect="1"/>
+            </p:cNvPicPr>
+            <p:nvPr/>
+          </p:nvPicPr>
+          <p:blipFill>
+            <a:blip r:embed="rId4">
+              <a:extLst>
+                <a:ext uri="{96DAC541-7B7A-43D3-8B79-37D633B846F1}">
+                  <asvg:svgBlip xmlns:asvg="http://schemas.microsoft.com/office/drawing/2016/SVG/main" r:embed="rId5"/>
+                </a:ext>
+              </a:extLst>
+            </a:blip>
+            <a:stretch>
+              <a:fillRect/>
+            </a:stretch>
+          </p:blipFill>
+          <p:spPr>
+            <a:xfrm rot="19003490">
+              <a:off x="3773302" y="4619346"/>
+              <a:ext cx="664745" cy="677631"/>
+            </a:xfrm>
+            <a:prstGeom prst="rect">
+              <a:avLst/>
+            </a:prstGeom>
+          </p:spPr>
+        </p:pic>
+      </p:grpSp>
+      <p:sp>
+        <p:nvSpPr>
+          <p:cNvPr id="100" name="TextBox 99">
+            <a:extLst>
+              <a:ext uri="{FF2B5EF4-FFF2-40B4-BE49-F238E27FC236}">
+                <a16:creationId xmlns:a16="http://schemas.microsoft.com/office/drawing/2014/main" id="{E8219A06-7C28-7E4C-8F8E-157270399F77}"/>
               </a:ext>
             </a:extLst>
           </p:cNvPr>
@@ -4838,7 +5212,7 @@
         </p:nvSpPr>
         <p:spPr>
           <a:xfrm>
-            <a:off x="8434393" y="4666371"/>
+            <a:off x="8933569" y="2714110"/>
             <a:ext cx="821059" cy="276999"/>
           </a:xfrm>
           <a:prstGeom prst="rect">
@@ -4854,38 +5228,1512 @@
           <a:p>
             <a:r>
               <a:rPr lang="en-US" sz="1200" dirty="0"/>
-              <a:t>x100 / sec</a:t>
+              <a:t>x500 / sec</a:t>
+            </a:r>
+          </a:p>
+        </p:txBody>
+      </p:sp>
+      <p:sp>
+        <p:nvSpPr>
+          <p:cNvPr id="102" name="Rounded Rectangle 101">
+            <a:extLst>
+              <a:ext uri="{FF2B5EF4-FFF2-40B4-BE49-F238E27FC236}">
+                <a16:creationId xmlns:a16="http://schemas.microsoft.com/office/drawing/2014/main" id="{4849BF16-A6AD-A446-8E83-6BB4AF9BECD5}"/>
+              </a:ext>
+            </a:extLst>
+          </p:cNvPr>
+          <p:cNvSpPr/>
+          <p:nvPr/>
+        </p:nvSpPr>
+        <p:spPr>
+          <a:xfrm>
+            <a:off x="5786531" y="5530645"/>
+            <a:ext cx="3191516" cy="688157"/>
+          </a:xfrm>
+          <a:prstGeom prst="roundRect">
+            <a:avLst/>
+          </a:prstGeom>
+        </p:spPr>
+        <p:style>
+          <a:lnRef idx="2">
+            <a:schemeClr val="accent6">
+              <a:shade val="50000"/>
+            </a:schemeClr>
+          </a:lnRef>
+          <a:fillRef idx="1">
+            <a:schemeClr val="accent6"/>
+          </a:fillRef>
+          <a:effectRef idx="0">
+            <a:schemeClr val="accent6"/>
+          </a:effectRef>
+          <a:fontRef idx="minor">
+            <a:schemeClr val="lt1"/>
+          </a:fontRef>
+        </p:style>
+        <p:txBody>
+          <a:bodyPr rtlCol="0" anchor="ctr"/>
+          <a:lstStyle/>
+          <a:p>
+            <a:pPr algn="ctr"/>
+            <a:r>
+              <a:rPr lang="en-US" sz="1600" dirty="0"/>
+              <a:t>Azure Storage</a:t>
+            </a:r>
+          </a:p>
+        </p:txBody>
+      </p:sp>
+      <p:sp>
+        <p:nvSpPr>
+          <p:cNvPr id="103" name="Rounded Rectangle 102">
+            <a:extLst>
+              <a:ext uri="{FF2B5EF4-FFF2-40B4-BE49-F238E27FC236}">
+                <a16:creationId xmlns:a16="http://schemas.microsoft.com/office/drawing/2014/main" id="{653B8B08-7D5B-3C42-81C3-84ACD961329B}"/>
+              </a:ext>
+            </a:extLst>
+          </p:cNvPr>
+          <p:cNvSpPr/>
+          <p:nvPr/>
+        </p:nvSpPr>
+        <p:spPr>
+          <a:xfrm>
+            <a:off x="5929522" y="5067250"/>
+            <a:ext cx="270942" cy="527302"/>
+          </a:xfrm>
+          <a:prstGeom prst="roundRect">
+            <a:avLst/>
+          </a:prstGeom>
+          <a:solidFill>
+            <a:schemeClr val="accent4"/>
+          </a:solidFill>
+          <a:ln>
+            <a:solidFill>
+              <a:schemeClr val="tx1"/>
+            </a:solidFill>
+          </a:ln>
+        </p:spPr>
+        <p:style>
+          <a:lnRef idx="2">
+            <a:schemeClr val="accent1">
+              <a:shade val="50000"/>
+            </a:schemeClr>
+          </a:lnRef>
+          <a:fillRef idx="1">
+            <a:schemeClr val="accent1"/>
+          </a:fillRef>
+          <a:effectRef idx="0">
+            <a:schemeClr val="accent1"/>
+          </a:effectRef>
+          <a:fontRef idx="minor">
+            <a:schemeClr val="lt1"/>
+          </a:fontRef>
+        </p:style>
+        <p:txBody>
+          <a:bodyPr rtlCol="0" anchor="ctr"/>
+          <a:lstStyle/>
+          <a:p>
+            <a:pPr algn="ctr"/>
+            <a:r>
+              <a:rPr lang="en-US" dirty="0">
+                <a:solidFill>
+                  <a:schemeClr val="tx1"/>
+                </a:solidFill>
+              </a:rPr>
+              <a:t>0</a:t>
+            </a:r>
+          </a:p>
+        </p:txBody>
+      </p:sp>
+      <p:sp>
+        <p:nvSpPr>
+          <p:cNvPr id="105" name="Rounded Rectangle 104">
+            <a:extLst>
+              <a:ext uri="{FF2B5EF4-FFF2-40B4-BE49-F238E27FC236}">
+                <a16:creationId xmlns:a16="http://schemas.microsoft.com/office/drawing/2014/main" id="{20396FF2-4CFD-F841-806F-56A7DD9D2C74}"/>
+              </a:ext>
+            </a:extLst>
+          </p:cNvPr>
+          <p:cNvSpPr/>
+          <p:nvPr/>
+        </p:nvSpPr>
+        <p:spPr>
+          <a:xfrm>
+            <a:off x="6295590" y="5067250"/>
+            <a:ext cx="270942" cy="527302"/>
+          </a:xfrm>
+          <a:prstGeom prst="roundRect">
+            <a:avLst/>
+          </a:prstGeom>
+          <a:solidFill>
+            <a:schemeClr val="accent4"/>
+          </a:solidFill>
+          <a:ln>
+            <a:solidFill>
+              <a:schemeClr val="tx1"/>
+            </a:solidFill>
+          </a:ln>
+        </p:spPr>
+        <p:style>
+          <a:lnRef idx="2">
+            <a:schemeClr val="accent1">
+              <a:shade val="50000"/>
+            </a:schemeClr>
+          </a:lnRef>
+          <a:fillRef idx="1">
+            <a:schemeClr val="accent1"/>
+          </a:fillRef>
+          <a:effectRef idx="0">
+            <a:schemeClr val="accent1"/>
+          </a:effectRef>
+          <a:fontRef idx="minor">
+            <a:schemeClr val="lt1"/>
+          </a:fontRef>
+        </p:style>
+        <p:txBody>
+          <a:bodyPr rtlCol="0" anchor="ctr"/>
+          <a:lstStyle/>
+          <a:p>
+            <a:pPr algn="ctr"/>
+            <a:r>
+              <a:rPr lang="en-US" dirty="0">
+                <a:solidFill>
+                  <a:schemeClr val="tx1"/>
+                </a:solidFill>
+              </a:rPr>
+              <a:t>1</a:t>
+            </a:r>
+          </a:p>
+        </p:txBody>
+      </p:sp>
+      <p:sp>
+        <p:nvSpPr>
+          <p:cNvPr id="107" name="Rounded Rectangle 106">
+            <a:extLst>
+              <a:ext uri="{FF2B5EF4-FFF2-40B4-BE49-F238E27FC236}">
+                <a16:creationId xmlns:a16="http://schemas.microsoft.com/office/drawing/2014/main" id="{49A3606B-0AE7-1C4F-8247-1475A9F68EED}"/>
+              </a:ext>
+            </a:extLst>
+          </p:cNvPr>
+          <p:cNvSpPr/>
+          <p:nvPr/>
+        </p:nvSpPr>
+        <p:spPr>
+          <a:xfrm>
+            <a:off x="6678334" y="5067250"/>
+            <a:ext cx="270942" cy="527302"/>
+          </a:xfrm>
+          <a:prstGeom prst="roundRect">
+            <a:avLst/>
+          </a:prstGeom>
+          <a:solidFill>
+            <a:schemeClr val="accent4"/>
+          </a:solidFill>
+          <a:ln>
+            <a:solidFill>
+              <a:schemeClr val="tx1"/>
+            </a:solidFill>
+          </a:ln>
+        </p:spPr>
+        <p:style>
+          <a:lnRef idx="2">
+            <a:schemeClr val="accent1">
+              <a:shade val="50000"/>
+            </a:schemeClr>
+          </a:lnRef>
+          <a:fillRef idx="1">
+            <a:schemeClr val="accent1"/>
+          </a:fillRef>
+          <a:effectRef idx="0">
+            <a:schemeClr val="accent1"/>
+          </a:effectRef>
+          <a:fontRef idx="minor">
+            <a:schemeClr val="lt1"/>
+          </a:fontRef>
+        </p:style>
+        <p:txBody>
+          <a:bodyPr rtlCol="0" anchor="ctr"/>
+          <a:lstStyle/>
+          <a:p>
+            <a:pPr algn="ctr"/>
+            <a:r>
+              <a:rPr lang="en-US" dirty="0">
+                <a:solidFill>
+                  <a:schemeClr val="tx1"/>
+                </a:solidFill>
+              </a:rPr>
+              <a:t>2</a:t>
+            </a:r>
+          </a:p>
+        </p:txBody>
+      </p:sp>
+      <p:sp>
+        <p:nvSpPr>
+          <p:cNvPr id="109" name="Rounded Rectangle 108">
+            <a:extLst>
+              <a:ext uri="{FF2B5EF4-FFF2-40B4-BE49-F238E27FC236}">
+                <a16:creationId xmlns:a16="http://schemas.microsoft.com/office/drawing/2014/main" id="{C42AAC6D-38AA-DB4F-A15E-746B64C870E5}"/>
+              </a:ext>
+            </a:extLst>
+          </p:cNvPr>
+          <p:cNvSpPr/>
+          <p:nvPr/>
+        </p:nvSpPr>
+        <p:spPr>
+          <a:xfrm>
+            <a:off x="7061078" y="5067250"/>
+            <a:ext cx="270942" cy="527302"/>
+          </a:xfrm>
+          <a:prstGeom prst="roundRect">
+            <a:avLst/>
+          </a:prstGeom>
+          <a:solidFill>
+            <a:schemeClr val="accent4"/>
+          </a:solidFill>
+          <a:ln>
+            <a:solidFill>
+              <a:schemeClr val="tx1"/>
+            </a:solidFill>
+          </a:ln>
+        </p:spPr>
+        <p:style>
+          <a:lnRef idx="2">
+            <a:schemeClr val="accent1">
+              <a:shade val="50000"/>
+            </a:schemeClr>
+          </a:lnRef>
+          <a:fillRef idx="1">
+            <a:schemeClr val="accent1"/>
+          </a:fillRef>
+          <a:effectRef idx="0">
+            <a:schemeClr val="accent1"/>
+          </a:effectRef>
+          <a:fontRef idx="minor">
+            <a:schemeClr val="lt1"/>
+          </a:fontRef>
+        </p:style>
+        <p:txBody>
+          <a:bodyPr rtlCol="0" anchor="ctr"/>
+          <a:lstStyle/>
+          <a:p>
+            <a:pPr algn="ctr"/>
+            <a:r>
+              <a:rPr lang="en-US" dirty="0">
+                <a:solidFill>
+                  <a:schemeClr val="tx1"/>
+                </a:solidFill>
+              </a:rPr>
+              <a:t>3</a:t>
+            </a:r>
+          </a:p>
+        </p:txBody>
+      </p:sp>
+      <p:sp>
+        <p:nvSpPr>
+          <p:cNvPr id="111" name="Rounded Rectangle 110">
+            <a:extLst>
+              <a:ext uri="{FF2B5EF4-FFF2-40B4-BE49-F238E27FC236}">
+                <a16:creationId xmlns:a16="http://schemas.microsoft.com/office/drawing/2014/main" id="{1D0A3653-043E-7549-9649-13E09DDE1609}"/>
+              </a:ext>
+            </a:extLst>
+          </p:cNvPr>
+          <p:cNvSpPr/>
+          <p:nvPr/>
+        </p:nvSpPr>
+        <p:spPr>
+          <a:xfrm>
+            <a:off x="7422827" y="5067250"/>
+            <a:ext cx="270942" cy="527302"/>
+          </a:xfrm>
+          <a:prstGeom prst="roundRect">
+            <a:avLst/>
+          </a:prstGeom>
+          <a:solidFill>
+            <a:schemeClr val="accent4"/>
+          </a:solidFill>
+          <a:ln>
+            <a:solidFill>
+              <a:schemeClr val="tx1"/>
+            </a:solidFill>
+          </a:ln>
+        </p:spPr>
+        <p:style>
+          <a:lnRef idx="2">
+            <a:schemeClr val="accent1">
+              <a:shade val="50000"/>
+            </a:schemeClr>
+          </a:lnRef>
+          <a:fillRef idx="1">
+            <a:schemeClr val="accent1"/>
+          </a:fillRef>
+          <a:effectRef idx="0">
+            <a:schemeClr val="accent1"/>
+          </a:effectRef>
+          <a:fontRef idx="minor">
+            <a:schemeClr val="lt1"/>
+          </a:fontRef>
+        </p:style>
+        <p:txBody>
+          <a:bodyPr rtlCol="0" anchor="ctr"/>
+          <a:lstStyle/>
+          <a:p>
+            <a:pPr algn="ctr"/>
+            <a:r>
+              <a:rPr lang="en-US" dirty="0">
+                <a:solidFill>
+                  <a:schemeClr val="tx1"/>
+                </a:solidFill>
+              </a:rPr>
+              <a:t>4</a:t>
+            </a:r>
+          </a:p>
+        </p:txBody>
+      </p:sp>
+      <p:sp>
+        <p:nvSpPr>
+          <p:cNvPr id="113" name="Rounded Rectangle 112">
+            <a:extLst>
+              <a:ext uri="{FF2B5EF4-FFF2-40B4-BE49-F238E27FC236}">
+                <a16:creationId xmlns:a16="http://schemas.microsoft.com/office/drawing/2014/main" id="{1B6DE18D-13D7-AE47-977D-A755768CB4AA}"/>
+              </a:ext>
+            </a:extLst>
+          </p:cNvPr>
+          <p:cNvSpPr/>
+          <p:nvPr/>
+        </p:nvSpPr>
+        <p:spPr>
+          <a:xfrm>
+            <a:off x="7788895" y="5067250"/>
+            <a:ext cx="270942" cy="527302"/>
+          </a:xfrm>
+          <a:prstGeom prst="roundRect">
+            <a:avLst/>
+          </a:prstGeom>
+          <a:solidFill>
+            <a:schemeClr val="accent4"/>
+          </a:solidFill>
+          <a:ln>
+            <a:solidFill>
+              <a:schemeClr val="tx1"/>
+            </a:solidFill>
+          </a:ln>
+        </p:spPr>
+        <p:style>
+          <a:lnRef idx="2">
+            <a:schemeClr val="accent1">
+              <a:shade val="50000"/>
+            </a:schemeClr>
+          </a:lnRef>
+          <a:fillRef idx="1">
+            <a:schemeClr val="accent1"/>
+          </a:fillRef>
+          <a:effectRef idx="0">
+            <a:schemeClr val="accent1"/>
+          </a:effectRef>
+          <a:fontRef idx="minor">
+            <a:schemeClr val="lt1"/>
+          </a:fontRef>
+        </p:style>
+        <p:txBody>
+          <a:bodyPr rtlCol="0" anchor="ctr"/>
+          <a:lstStyle/>
+          <a:p>
+            <a:pPr algn="ctr"/>
+            <a:r>
+              <a:rPr lang="en-US" dirty="0">
+                <a:solidFill>
+                  <a:schemeClr val="tx1"/>
+                </a:solidFill>
+              </a:rPr>
+              <a:t>5</a:t>
+            </a:r>
+          </a:p>
+        </p:txBody>
+      </p:sp>
+      <p:sp>
+        <p:nvSpPr>
+          <p:cNvPr id="115" name="Rounded Rectangle 114">
+            <a:extLst>
+              <a:ext uri="{FF2B5EF4-FFF2-40B4-BE49-F238E27FC236}">
+                <a16:creationId xmlns:a16="http://schemas.microsoft.com/office/drawing/2014/main" id="{366DA26C-3488-DE4F-8CB0-2E33C673FF31}"/>
+              </a:ext>
+            </a:extLst>
+          </p:cNvPr>
+          <p:cNvSpPr/>
+          <p:nvPr/>
+        </p:nvSpPr>
+        <p:spPr>
+          <a:xfrm>
+            <a:off x="8171639" y="5067250"/>
+            <a:ext cx="270942" cy="527302"/>
+          </a:xfrm>
+          <a:prstGeom prst="roundRect">
+            <a:avLst/>
+          </a:prstGeom>
+          <a:solidFill>
+            <a:schemeClr val="accent4"/>
+          </a:solidFill>
+          <a:ln>
+            <a:solidFill>
+              <a:schemeClr val="tx1"/>
+            </a:solidFill>
+          </a:ln>
+        </p:spPr>
+        <p:style>
+          <a:lnRef idx="2">
+            <a:schemeClr val="accent1">
+              <a:shade val="50000"/>
+            </a:schemeClr>
+          </a:lnRef>
+          <a:fillRef idx="1">
+            <a:schemeClr val="accent1"/>
+          </a:fillRef>
+          <a:effectRef idx="0">
+            <a:schemeClr val="accent1"/>
+          </a:effectRef>
+          <a:fontRef idx="minor">
+            <a:schemeClr val="lt1"/>
+          </a:fontRef>
+        </p:style>
+        <p:txBody>
+          <a:bodyPr rtlCol="0" anchor="ctr"/>
+          <a:lstStyle/>
+          <a:p>
+            <a:pPr algn="ctr"/>
+            <a:r>
+              <a:rPr lang="en-US" dirty="0">
+                <a:solidFill>
+                  <a:schemeClr val="tx1"/>
+                </a:solidFill>
+              </a:rPr>
+              <a:t>6</a:t>
+            </a:r>
+          </a:p>
+        </p:txBody>
+      </p:sp>
+      <p:sp>
+        <p:nvSpPr>
+          <p:cNvPr id="117" name="Rounded Rectangle 116">
+            <a:extLst>
+              <a:ext uri="{FF2B5EF4-FFF2-40B4-BE49-F238E27FC236}">
+                <a16:creationId xmlns:a16="http://schemas.microsoft.com/office/drawing/2014/main" id="{3348F777-A6FA-3A46-B110-5D320F6C87C3}"/>
+              </a:ext>
+            </a:extLst>
+          </p:cNvPr>
+          <p:cNvSpPr/>
+          <p:nvPr/>
+        </p:nvSpPr>
+        <p:spPr>
+          <a:xfrm>
+            <a:off x="8554383" y="5067250"/>
+            <a:ext cx="270942" cy="527302"/>
+          </a:xfrm>
+          <a:prstGeom prst="roundRect">
+            <a:avLst/>
+          </a:prstGeom>
+          <a:solidFill>
+            <a:schemeClr val="accent4"/>
+          </a:solidFill>
+          <a:ln>
+            <a:solidFill>
+              <a:schemeClr val="tx1"/>
+            </a:solidFill>
+          </a:ln>
+        </p:spPr>
+        <p:style>
+          <a:lnRef idx="2">
+            <a:schemeClr val="accent1">
+              <a:shade val="50000"/>
+            </a:schemeClr>
+          </a:lnRef>
+          <a:fillRef idx="1">
+            <a:schemeClr val="accent1"/>
+          </a:fillRef>
+          <a:effectRef idx="0">
+            <a:schemeClr val="accent1"/>
+          </a:effectRef>
+          <a:fontRef idx="minor">
+            <a:schemeClr val="lt1"/>
+          </a:fontRef>
+        </p:style>
+        <p:txBody>
+          <a:bodyPr rtlCol="0" anchor="ctr"/>
+          <a:lstStyle/>
+          <a:p>
+            <a:pPr algn="ctr"/>
+            <a:r>
+              <a:rPr lang="en-US" dirty="0">
+                <a:solidFill>
+                  <a:schemeClr val="tx1"/>
+                </a:solidFill>
+              </a:rPr>
+              <a:t>7</a:t>
             </a:r>
           </a:p>
         </p:txBody>
       </p:sp>
       <p:cxnSp>
         <p:nvCxnSpPr>
-          <p:cNvPr id="46" name="Straight Arrow Connector 45">
-            <a:extLst>
-              <a:ext uri="{FF2B5EF4-FFF2-40B4-BE49-F238E27FC236}">
-                <a16:creationId xmlns:a16="http://schemas.microsoft.com/office/drawing/2014/main" id="{2AE90E73-A1B8-0646-8099-5A97F61596B3}"/>
+          <p:cNvPr id="119" name="Straight Arrow Connector 118">
+            <a:extLst>
+              <a:ext uri="{FF2B5EF4-FFF2-40B4-BE49-F238E27FC236}">
+                <a16:creationId xmlns:a16="http://schemas.microsoft.com/office/drawing/2014/main" id="{989DA8D2-77AF-F443-82AD-A4C89FB2F99E}"/>
               </a:ext>
             </a:extLst>
           </p:cNvPr>
           <p:cNvCxnSpPr>
-            <a:cxnSpLocks/>
-            <a:stCxn id="39" idx="3"/>
-            <a:endCxn id="37" idx="1"/>
+            <a:stCxn id="6" idx="2"/>
+            <a:endCxn id="103" idx="0"/>
           </p:cNvCxnSpPr>
           <p:nvPr/>
         </p:nvCxnSpPr>
         <p:spPr>
-          <a:xfrm flipV="1">
-            <a:off x="8823348" y="4257641"/>
-            <a:ext cx="841314" cy="1369944"/>
+          <a:xfrm flipH="1">
+            <a:off x="6064993" y="1833903"/>
+            <a:ext cx="2415084" cy="3233347"/>
+          </a:xfrm>
+          <a:prstGeom prst="straightConnector1">
+            <a:avLst/>
+          </a:prstGeom>
+          <a:ln>
+            <a:tailEnd type="triangle"/>
+          </a:ln>
+        </p:spPr>
+        <p:style>
+          <a:lnRef idx="1">
+            <a:schemeClr val="accent1"/>
+          </a:lnRef>
+          <a:fillRef idx="0">
+            <a:schemeClr val="accent1"/>
+          </a:fillRef>
+          <a:effectRef idx="0">
+            <a:schemeClr val="accent1"/>
+          </a:effectRef>
+          <a:fontRef idx="minor">
+            <a:schemeClr val="tx1"/>
+          </a:fontRef>
+        </p:style>
+      </p:cxnSp>
+      <p:cxnSp>
+        <p:nvCxnSpPr>
+          <p:cNvPr id="120" name="Straight Arrow Connector 119">
+            <a:extLst>
+              <a:ext uri="{FF2B5EF4-FFF2-40B4-BE49-F238E27FC236}">
+                <a16:creationId xmlns:a16="http://schemas.microsoft.com/office/drawing/2014/main" id="{1673B885-382B-3E46-85E5-2A8004DCE18F}"/>
+              </a:ext>
+            </a:extLst>
+          </p:cNvPr>
+          <p:cNvCxnSpPr>
+            <a:cxnSpLocks/>
+            <a:stCxn id="6" idx="2"/>
+            <a:endCxn id="111" idx="0"/>
+          </p:cNvCxnSpPr>
+          <p:nvPr/>
+        </p:nvCxnSpPr>
+        <p:spPr>
+          <a:xfrm flipH="1">
+            <a:off x="7558298" y="1833903"/>
+            <a:ext cx="921779" cy="3233347"/>
+          </a:xfrm>
+          <a:prstGeom prst="straightConnector1">
+            <a:avLst/>
+          </a:prstGeom>
+          <a:ln>
+            <a:tailEnd type="triangle"/>
+          </a:ln>
+        </p:spPr>
+        <p:style>
+          <a:lnRef idx="1">
+            <a:schemeClr val="accent1"/>
+          </a:lnRef>
+          <a:fillRef idx="0">
+            <a:schemeClr val="accent1"/>
+          </a:fillRef>
+          <a:effectRef idx="0">
+            <a:schemeClr val="accent1"/>
+          </a:effectRef>
+          <a:fontRef idx="minor">
+            <a:schemeClr val="tx1"/>
+          </a:fontRef>
+        </p:style>
+      </p:cxnSp>
+      <p:cxnSp>
+        <p:nvCxnSpPr>
+          <p:cNvPr id="121" name="Straight Arrow Connector 120">
+            <a:extLst>
+              <a:ext uri="{FF2B5EF4-FFF2-40B4-BE49-F238E27FC236}">
+                <a16:creationId xmlns:a16="http://schemas.microsoft.com/office/drawing/2014/main" id="{2C7F54FA-D855-7847-9942-5DBBE75D9076}"/>
+              </a:ext>
+            </a:extLst>
+          </p:cNvPr>
+          <p:cNvCxnSpPr>
+            <a:cxnSpLocks/>
+            <a:stCxn id="6" idx="2"/>
+            <a:endCxn id="115" idx="0"/>
+          </p:cNvCxnSpPr>
+          <p:nvPr/>
+        </p:nvCxnSpPr>
+        <p:spPr>
+          <a:xfrm flipH="1">
+            <a:off x="8307110" y="1833903"/>
+            <a:ext cx="172967" cy="3233347"/>
+          </a:xfrm>
+          <a:prstGeom prst="straightConnector1">
+            <a:avLst/>
+          </a:prstGeom>
+          <a:ln>
+            <a:tailEnd type="triangle"/>
+          </a:ln>
+        </p:spPr>
+        <p:style>
+          <a:lnRef idx="1">
+            <a:schemeClr val="accent1"/>
+          </a:lnRef>
+          <a:fillRef idx="0">
+            <a:schemeClr val="accent1"/>
+          </a:fillRef>
+          <a:effectRef idx="0">
+            <a:schemeClr val="accent1"/>
+          </a:effectRef>
+          <a:fontRef idx="minor">
+            <a:schemeClr val="tx1"/>
+          </a:fontRef>
+        </p:style>
+      </p:cxnSp>
+    </p:spTree>
+    <p:extLst>
+      <p:ext uri="{BB962C8B-B14F-4D97-AF65-F5344CB8AC3E}">
+        <p14:creationId xmlns:p14="http://schemas.microsoft.com/office/powerpoint/2010/main" val="3652060396"/>
+      </p:ext>
+    </p:extLst>
+  </p:cSld>
+  <p:clrMapOvr>
+    <a:masterClrMapping/>
+  </p:clrMapOvr>
+</p:sld>
+</file>
+
+<file path=ppt/slides/slide2.xml><?xml version="1.0" encoding="utf-8"?>
+<p:sld xmlns:a="http://schemas.openxmlformats.org/drawingml/2006/main" xmlns:r="http://schemas.openxmlformats.org/officeDocument/2006/relationships" xmlns:p="http://schemas.openxmlformats.org/presentationml/2006/main">
+  <p:cSld>
+    <p:spTree>
+      <p:nvGrpSpPr>
+        <p:cNvPr id="1" name=""/>
+        <p:cNvGrpSpPr/>
+        <p:nvPr/>
+      </p:nvGrpSpPr>
+      <p:grpSpPr>
+        <a:xfrm>
+          <a:off x="0" y="0"/>
+          <a:ext cx="0" cy="0"/>
+          <a:chOff x="0" y="0"/>
+          <a:chExt cx="0" cy="0"/>
+        </a:xfrm>
+      </p:grpSpPr>
+      <p:sp>
+        <p:nvSpPr>
+          <p:cNvPr id="4" name="Rounded Rectangle 3">
+            <a:extLst>
+              <a:ext uri="{FF2B5EF4-FFF2-40B4-BE49-F238E27FC236}">
+                <a16:creationId xmlns:a16="http://schemas.microsoft.com/office/drawing/2014/main" id="{DD24BACA-86AD-3E46-9D6D-E4E724A6DA0C}"/>
+              </a:ext>
+            </a:extLst>
+          </p:cNvPr>
+          <p:cNvSpPr/>
+          <p:nvPr/>
+        </p:nvSpPr>
+        <p:spPr>
+          <a:xfrm>
+            <a:off x="4932769" y="4423994"/>
+            <a:ext cx="4190210" cy="484337"/>
+          </a:xfrm>
+          <a:prstGeom prst="roundRect">
+            <a:avLst/>
+          </a:prstGeom>
+          <a:solidFill>
+            <a:srgbClr val="92D050"/>
+          </a:solidFill>
+          <a:ln>
+            <a:solidFill>
+              <a:srgbClr val="00B050"/>
+            </a:solidFill>
+          </a:ln>
+        </p:spPr>
+        <p:style>
+          <a:lnRef idx="2">
+            <a:schemeClr val="accent1">
+              <a:shade val="50000"/>
+            </a:schemeClr>
+          </a:lnRef>
+          <a:fillRef idx="1">
+            <a:schemeClr val="accent1"/>
+          </a:fillRef>
+          <a:effectRef idx="0">
+            <a:schemeClr val="accent1"/>
+          </a:effectRef>
+          <a:fontRef idx="minor">
+            <a:schemeClr val="lt1"/>
+          </a:fontRef>
+        </p:style>
+        <p:txBody>
+          <a:bodyPr rtlCol="0" anchor="ctr"/>
+          <a:lstStyle/>
+          <a:p>
+            <a:pPr algn="ctr"/>
+            <a:r>
+              <a:rPr lang="en-US" dirty="0">
+                <a:solidFill>
+                  <a:schemeClr val="tx1"/>
+                </a:solidFill>
+              </a:rPr>
+              <a:t>Azure Blob Storage</a:t>
+            </a:r>
+          </a:p>
+        </p:txBody>
+      </p:sp>
+      <p:sp>
+        <p:nvSpPr>
+          <p:cNvPr id="5" name="Rounded Rectangle 4">
+            <a:extLst>
+              <a:ext uri="{FF2B5EF4-FFF2-40B4-BE49-F238E27FC236}">
+                <a16:creationId xmlns:a16="http://schemas.microsoft.com/office/drawing/2014/main" id="{1E3F5CC2-BF83-5E40-87B3-E467DEEF6427}"/>
+              </a:ext>
+            </a:extLst>
+          </p:cNvPr>
+          <p:cNvSpPr/>
+          <p:nvPr/>
+        </p:nvSpPr>
+        <p:spPr>
+          <a:xfrm>
+            <a:off x="5132464" y="3599972"/>
+            <a:ext cx="427145" cy="929990"/>
+          </a:xfrm>
+          <a:prstGeom prst="roundRect">
+            <a:avLst/>
+          </a:prstGeom>
+        </p:spPr>
+        <p:style>
+          <a:lnRef idx="2">
+            <a:schemeClr val="accent5">
+              <a:shade val="50000"/>
+            </a:schemeClr>
+          </a:lnRef>
+          <a:fillRef idx="1">
+            <a:schemeClr val="accent5"/>
+          </a:fillRef>
+          <a:effectRef idx="0">
+            <a:schemeClr val="accent5"/>
+          </a:effectRef>
+          <a:fontRef idx="minor">
+            <a:schemeClr val="lt1"/>
+          </a:fontRef>
+        </p:style>
+        <p:txBody>
+          <a:bodyPr rtlCol="0" anchor="ctr"/>
+          <a:lstStyle/>
+          <a:p>
+            <a:pPr algn="ctr"/>
+            <a:r>
+              <a:rPr lang="en-US" dirty="0"/>
+              <a:t>0</a:t>
+            </a:r>
+          </a:p>
+        </p:txBody>
+      </p:sp>
+      <p:sp>
+        <p:nvSpPr>
+          <p:cNvPr id="6" name="Rounded Rectangle 5">
+            <a:extLst>
+              <a:ext uri="{FF2B5EF4-FFF2-40B4-BE49-F238E27FC236}">
+                <a16:creationId xmlns:a16="http://schemas.microsoft.com/office/drawing/2014/main" id="{1F94A9D4-1AFD-504C-A367-0B3EB8DB1B3E}"/>
+              </a:ext>
+            </a:extLst>
+          </p:cNvPr>
+          <p:cNvSpPr/>
+          <p:nvPr/>
+        </p:nvSpPr>
+        <p:spPr>
+          <a:xfrm>
+            <a:off x="5816857" y="3599970"/>
+            <a:ext cx="427145" cy="929990"/>
+          </a:xfrm>
+          <a:prstGeom prst="roundRect">
+            <a:avLst/>
+          </a:prstGeom>
+        </p:spPr>
+        <p:style>
+          <a:lnRef idx="2">
+            <a:schemeClr val="accent5">
+              <a:shade val="50000"/>
+            </a:schemeClr>
+          </a:lnRef>
+          <a:fillRef idx="1">
+            <a:schemeClr val="accent5"/>
+          </a:fillRef>
+          <a:effectRef idx="0">
+            <a:schemeClr val="accent5"/>
+          </a:effectRef>
+          <a:fontRef idx="minor">
+            <a:schemeClr val="lt1"/>
+          </a:fontRef>
+        </p:style>
+        <p:txBody>
+          <a:bodyPr rtlCol="0" anchor="ctr"/>
+          <a:lstStyle/>
+          <a:p>
+            <a:pPr algn="ctr"/>
+            <a:r>
+              <a:rPr lang="en-US" dirty="0"/>
+              <a:t>1</a:t>
+            </a:r>
+          </a:p>
+        </p:txBody>
+      </p:sp>
+      <p:sp>
+        <p:nvSpPr>
+          <p:cNvPr id="7" name="Rounded Rectangle 6">
+            <a:extLst>
+              <a:ext uri="{FF2B5EF4-FFF2-40B4-BE49-F238E27FC236}">
+                <a16:creationId xmlns:a16="http://schemas.microsoft.com/office/drawing/2014/main" id="{5A28DDCC-6226-A749-8817-C073F52B7222}"/>
+              </a:ext>
+            </a:extLst>
+          </p:cNvPr>
+          <p:cNvSpPr/>
+          <p:nvPr/>
+        </p:nvSpPr>
+        <p:spPr>
+          <a:xfrm>
+            <a:off x="6497044" y="3599970"/>
+            <a:ext cx="427145" cy="929990"/>
+          </a:xfrm>
+          <a:prstGeom prst="roundRect">
+            <a:avLst/>
+          </a:prstGeom>
+        </p:spPr>
+        <p:style>
+          <a:lnRef idx="2">
+            <a:schemeClr val="accent5">
+              <a:shade val="50000"/>
+            </a:schemeClr>
+          </a:lnRef>
+          <a:fillRef idx="1">
+            <a:schemeClr val="accent5"/>
+          </a:fillRef>
+          <a:effectRef idx="0">
+            <a:schemeClr val="accent5"/>
+          </a:effectRef>
+          <a:fontRef idx="minor">
+            <a:schemeClr val="lt1"/>
+          </a:fontRef>
+        </p:style>
+        <p:txBody>
+          <a:bodyPr rtlCol="0" anchor="ctr"/>
+          <a:lstStyle/>
+          <a:p>
+            <a:pPr algn="ctr"/>
+            <a:r>
+              <a:rPr lang="en-US" dirty="0"/>
+              <a:t>2</a:t>
+            </a:r>
+          </a:p>
+        </p:txBody>
+      </p:sp>
+      <p:sp>
+        <p:nvSpPr>
+          <p:cNvPr id="8" name="Rounded Rectangle 7">
+            <a:extLst>
+              <a:ext uri="{FF2B5EF4-FFF2-40B4-BE49-F238E27FC236}">
+                <a16:creationId xmlns:a16="http://schemas.microsoft.com/office/drawing/2014/main" id="{7C169074-C4D1-3545-90F1-7906CE068118}"/>
+              </a:ext>
+            </a:extLst>
+          </p:cNvPr>
+          <p:cNvSpPr/>
+          <p:nvPr/>
+        </p:nvSpPr>
+        <p:spPr>
+          <a:xfrm>
+            <a:off x="7181437" y="3599970"/>
+            <a:ext cx="427145" cy="929990"/>
+          </a:xfrm>
+          <a:prstGeom prst="roundRect">
+            <a:avLst/>
+          </a:prstGeom>
+        </p:spPr>
+        <p:style>
+          <a:lnRef idx="2">
+            <a:schemeClr val="accent5">
+              <a:shade val="50000"/>
+            </a:schemeClr>
+          </a:lnRef>
+          <a:fillRef idx="1">
+            <a:schemeClr val="accent5"/>
+          </a:fillRef>
+          <a:effectRef idx="0">
+            <a:schemeClr val="accent5"/>
+          </a:effectRef>
+          <a:fontRef idx="minor">
+            <a:schemeClr val="lt1"/>
+          </a:fontRef>
+        </p:style>
+        <p:txBody>
+          <a:bodyPr rtlCol="0" anchor="ctr"/>
+          <a:lstStyle/>
+          <a:p>
+            <a:pPr algn="ctr"/>
+            <a:r>
+              <a:rPr lang="en-US" dirty="0"/>
+              <a:t>3</a:t>
+            </a:r>
+          </a:p>
+        </p:txBody>
+      </p:sp>
+      <p:sp>
+        <p:nvSpPr>
+          <p:cNvPr id="9" name="Rounded Rectangle 8">
+            <a:extLst>
+              <a:ext uri="{FF2B5EF4-FFF2-40B4-BE49-F238E27FC236}">
+                <a16:creationId xmlns:a16="http://schemas.microsoft.com/office/drawing/2014/main" id="{9964AB5A-8782-E34E-9192-E0809A36C28A}"/>
+              </a:ext>
+            </a:extLst>
+          </p:cNvPr>
+          <p:cNvSpPr/>
+          <p:nvPr/>
+        </p:nvSpPr>
+        <p:spPr>
+          <a:xfrm>
+            <a:off x="7865830" y="3599970"/>
+            <a:ext cx="427145" cy="929990"/>
+          </a:xfrm>
+          <a:prstGeom prst="roundRect">
+            <a:avLst/>
+          </a:prstGeom>
+        </p:spPr>
+        <p:style>
+          <a:lnRef idx="2">
+            <a:schemeClr val="accent5">
+              <a:shade val="50000"/>
+            </a:schemeClr>
+          </a:lnRef>
+          <a:fillRef idx="1">
+            <a:schemeClr val="accent5"/>
+          </a:fillRef>
+          <a:effectRef idx="0">
+            <a:schemeClr val="accent5"/>
+          </a:effectRef>
+          <a:fontRef idx="minor">
+            <a:schemeClr val="lt1"/>
+          </a:fontRef>
+        </p:style>
+        <p:txBody>
+          <a:bodyPr rtlCol="0" anchor="ctr"/>
+          <a:lstStyle/>
+          <a:p>
+            <a:pPr algn="ctr"/>
+            <a:r>
+              <a:rPr lang="en-US" dirty="0"/>
+              <a:t>4</a:t>
+            </a:r>
+          </a:p>
+        </p:txBody>
+      </p:sp>
+      <p:sp>
+        <p:nvSpPr>
+          <p:cNvPr id="10" name="Rounded Rectangle 9">
+            <a:extLst>
+              <a:ext uri="{FF2B5EF4-FFF2-40B4-BE49-F238E27FC236}">
+                <a16:creationId xmlns:a16="http://schemas.microsoft.com/office/drawing/2014/main" id="{F2E74A1C-C410-684D-9B07-F5A12E50603D}"/>
+              </a:ext>
+            </a:extLst>
+          </p:cNvPr>
+          <p:cNvSpPr/>
+          <p:nvPr/>
+        </p:nvSpPr>
+        <p:spPr>
+          <a:xfrm>
+            <a:off x="8550223" y="3599970"/>
+            <a:ext cx="427145" cy="929990"/>
+          </a:xfrm>
+          <a:prstGeom prst="roundRect">
+            <a:avLst/>
+          </a:prstGeom>
+        </p:spPr>
+        <p:style>
+          <a:lnRef idx="2">
+            <a:schemeClr val="accent5">
+              <a:shade val="50000"/>
+            </a:schemeClr>
+          </a:lnRef>
+          <a:fillRef idx="1">
+            <a:schemeClr val="accent5"/>
+          </a:fillRef>
+          <a:effectRef idx="0">
+            <a:schemeClr val="accent5"/>
+          </a:effectRef>
+          <a:fontRef idx="minor">
+            <a:schemeClr val="lt1"/>
+          </a:fontRef>
+        </p:style>
+        <p:txBody>
+          <a:bodyPr rtlCol="0" anchor="ctr"/>
+          <a:lstStyle/>
+          <a:p>
+            <a:pPr algn="ctr"/>
+            <a:r>
+              <a:rPr lang="en-US" dirty="0"/>
+              <a:t>5</a:t>
+            </a:r>
+          </a:p>
+        </p:txBody>
+      </p:sp>
+      <p:grpSp>
+        <p:nvGrpSpPr>
+          <p:cNvPr id="12" name="Group 11">
+            <a:extLst>
+              <a:ext uri="{FF2B5EF4-FFF2-40B4-BE49-F238E27FC236}">
+                <a16:creationId xmlns:a16="http://schemas.microsoft.com/office/drawing/2014/main" id="{2BAA5CC8-7A9F-5D40-8A79-BBC734939CFB}"/>
+              </a:ext>
+            </a:extLst>
+          </p:cNvPr>
+          <p:cNvGrpSpPr/>
+          <p:nvPr/>
+        </p:nvGrpSpPr>
+        <p:grpSpPr>
+          <a:xfrm>
+            <a:off x="5661706" y="1932730"/>
+            <a:ext cx="427145" cy="929990"/>
+            <a:chOff x="942565" y="3804923"/>
+            <a:chExt cx="427145" cy="929990"/>
+          </a:xfrm>
+        </p:grpSpPr>
+        <p:sp>
+          <p:nvSpPr>
+            <p:cNvPr id="13" name="Rounded Rectangle 12">
+              <a:extLst>
+                <a:ext uri="{FF2B5EF4-FFF2-40B4-BE49-F238E27FC236}">
+                  <a16:creationId xmlns:a16="http://schemas.microsoft.com/office/drawing/2014/main" id="{C67A05B8-6822-C44C-99D8-31583A4FFD87}"/>
+                </a:ext>
+              </a:extLst>
+            </p:cNvPr>
+            <p:cNvSpPr/>
+            <p:nvPr/>
+          </p:nvSpPr>
+          <p:spPr>
+            <a:xfrm>
+              <a:off x="942565" y="3804923"/>
+              <a:ext cx="427145" cy="929990"/>
+            </a:xfrm>
+            <a:prstGeom prst="roundRect">
+              <a:avLst/>
+            </a:prstGeom>
+          </p:spPr>
+          <p:style>
+            <a:lnRef idx="2">
+              <a:schemeClr val="accent5">
+                <a:shade val="50000"/>
+              </a:schemeClr>
+            </a:lnRef>
+            <a:fillRef idx="1">
+              <a:schemeClr val="accent5"/>
+            </a:fillRef>
+            <a:effectRef idx="0">
+              <a:schemeClr val="accent5"/>
+            </a:effectRef>
+            <a:fontRef idx="minor">
+              <a:schemeClr val="lt1"/>
+            </a:fontRef>
+          </p:style>
+          <p:txBody>
+            <a:bodyPr rtlCol="0" anchor="ctr"/>
+            <a:lstStyle/>
+            <a:p>
+              <a:pPr algn="ctr"/>
+              <a:endParaRPr lang="en-US" dirty="0"/>
+            </a:p>
+          </p:txBody>
+        </p:sp>
+        <p:sp>
+          <p:nvSpPr>
+            <p:cNvPr id="14" name="TextBox 13">
+              <a:extLst>
+                <a:ext uri="{FF2B5EF4-FFF2-40B4-BE49-F238E27FC236}">
+                  <a16:creationId xmlns:a16="http://schemas.microsoft.com/office/drawing/2014/main" id="{B1F934EF-A3D4-F24A-AECB-FF15F6E27068}"/>
+                </a:ext>
+              </a:extLst>
+            </p:cNvPr>
+            <p:cNvSpPr txBox="1"/>
+            <p:nvPr/>
+          </p:nvSpPr>
+          <p:spPr>
+            <a:xfrm rot="5400000">
+              <a:off x="714990" y="4107955"/>
+              <a:ext cx="882293" cy="307777"/>
+            </a:xfrm>
+            <a:prstGeom prst="rect">
+              <a:avLst/>
+            </a:prstGeom>
+            <a:noFill/>
+          </p:spPr>
+          <p:txBody>
+            <a:bodyPr wrap="none" rtlCol="0">
+              <a:spAutoFit/>
+            </a:bodyPr>
+            <a:lstStyle/>
+            <a:p>
+              <a:r>
+                <a:rPr lang="en-US" sz="1400" dirty="0">
+                  <a:solidFill>
+                    <a:schemeClr val="bg1"/>
+                  </a:solidFill>
+                </a:rPr>
+                <a:t>Process A</a:t>
+              </a:r>
+            </a:p>
+          </p:txBody>
+        </p:sp>
+      </p:grpSp>
+      <p:grpSp>
+        <p:nvGrpSpPr>
+          <p:cNvPr id="15" name="Group 14">
+            <a:extLst>
+              <a:ext uri="{FF2B5EF4-FFF2-40B4-BE49-F238E27FC236}">
+                <a16:creationId xmlns:a16="http://schemas.microsoft.com/office/drawing/2014/main" id="{31C48D51-9E51-B149-B058-C8B3814C7FF7}"/>
+              </a:ext>
+            </a:extLst>
+          </p:cNvPr>
+          <p:cNvGrpSpPr/>
+          <p:nvPr/>
+        </p:nvGrpSpPr>
+        <p:grpSpPr>
+          <a:xfrm>
+            <a:off x="6423653" y="1953370"/>
+            <a:ext cx="427145" cy="929990"/>
+            <a:chOff x="942565" y="3804923"/>
+            <a:chExt cx="427145" cy="929990"/>
+          </a:xfrm>
+        </p:grpSpPr>
+        <p:sp>
+          <p:nvSpPr>
+            <p:cNvPr id="16" name="Rounded Rectangle 15">
+              <a:extLst>
+                <a:ext uri="{FF2B5EF4-FFF2-40B4-BE49-F238E27FC236}">
+                  <a16:creationId xmlns:a16="http://schemas.microsoft.com/office/drawing/2014/main" id="{43370E22-28DF-EC4B-BF33-26AFC07E13B3}"/>
+                </a:ext>
+              </a:extLst>
+            </p:cNvPr>
+            <p:cNvSpPr/>
+            <p:nvPr/>
+          </p:nvSpPr>
+          <p:spPr>
+            <a:xfrm>
+              <a:off x="942565" y="3804923"/>
+              <a:ext cx="427145" cy="929990"/>
+            </a:xfrm>
+            <a:prstGeom prst="roundRect">
+              <a:avLst/>
+            </a:prstGeom>
+          </p:spPr>
+          <p:style>
+            <a:lnRef idx="2">
+              <a:schemeClr val="accent5">
+                <a:shade val="50000"/>
+              </a:schemeClr>
+            </a:lnRef>
+            <a:fillRef idx="1">
+              <a:schemeClr val="accent5"/>
+            </a:fillRef>
+            <a:effectRef idx="0">
+              <a:schemeClr val="accent5"/>
+            </a:effectRef>
+            <a:fontRef idx="minor">
+              <a:schemeClr val="lt1"/>
+            </a:fontRef>
+          </p:style>
+          <p:txBody>
+            <a:bodyPr rtlCol="0" anchor="ctr"/>
+            <a:lstStyle/>
+            <a:p>
+              <a:pPr algn="ctr"/>
+              <a:endParaRPr lang="en-US" dirty="0"/>
+            </a:p>
+          </p:txBody>
+        </p:sp>
+        <p:sp>
+          <p:nvSpPr>
+            <p:cNvPr id="17" name="TextBox 16">
+              <a:extLst>
+                <a:ext uri="{FF2B5EF4-FFF2-40B4-BE49-F238E27FC236}">
+                  <a16:creationId xmlns:a16="http://schemas.microsoft.com/office/drawing/2014/main" id="{D42A607A-D85D-3A45-BB3A-5719E9A67C8B}"/>
+                </a:ext>
+              </a:extLst>
+            </p:cNvPr>
+            <p:cNvSpPr txBox="1"/>
+            <p:nvPr/>
+          </p:nvSpPr>
+          <p:spPr>
+            <a:xfrm rot="5400000">
+              <a:off x="718196" y="4107955"/>
+              <a:ext cx="875881" cy="307777"/>
+            </a:xfrm>
+            <a:prstGeom prst="rect">
+              <a:avLst/>
+            </a:prstGeom>
+            <a:noFill/>
+          </p:spPr>
+          <p:txBody>
+            <a:bodyPr wrap="none" rtlCol="0">
+              <a:spAutoFit/>
+            </a:bodyPr>
+            <a:lstStyle/>
+            <a:p>
+              <a:r>
+                <a:rPr lang="en-US" sz="1400" dirty="0">
+                  <a:solidFill>
+                    <a:schemeClr val="bg1"/>
+                  </a:solidFill>
+                </a:rPr>
+                <a:t>Process B</a:t>
+              </a:r>
+            </a:p>
+          </p:txBody>
+        </p:sp>
+      </p:grpSp>
+      <p:grpSp>
+        <p:nvGrpSpPr>
+          <p:cNvPr id="18" name="Group 17">
+            <a:extLst>
+              <a:ext uri="{FF2B5EF4-FFF2-40B4-BE49-F238E27FC236}">
+                <a16:creationId xmlns:a16="http://schemas.microsoft.com/office/drawing/2014/main" id="{B3829E93-9662-4442-9A96-C6D47B80A131}"/>
+              </a:ext>
+            </a:extLst>
+          </p:cNvPr>
+          <p:cNvGrpSpPr/>
+          <p:nvPr/>
+        </p:nvGrpSpPr>
+        <p:grpSpPr>
+          <a:xfrm>
+            <a:off x="7208436" y="1959782"/>
+            <a:ext cx="427145" cy="929990"/>
+            <a:chOff x="942565" y="3804923"/>
+            <a:chExt cx="427145" cy="929990"/>
+          </a:xfrm>
+        </p:grpSpPr>
+        <p:sp>
+          <p:nvSpPr>
+            <p:cNvPr id="19" name="Rounded Rectangle 18">
+              <a:extLst>
+                <a:ext uri="{FF2B5EF4-FFF2-40B4-BE49-F238E27FC236}">
+                  <a16:creationId xmlns:a16="http://schemas.microsoft.com/office/drawing/2014/main" id="{921C54FA-C000-6C48-BE86-DAD995357652}"/>
+                </a:ext>
+              </a:extLst>
+            </p:cNvPr>
+            <p:cNvSpPr/>
+            <p:nvPr/>
+          </p:nvSpPr>
+          <p:spPr>
+            <a:xfrm>
+              <a:off x="942565" y="3804923"/>
+              <a:ext cx="427145" cy="929990"/>
+            </a:xfrm>
+            <a:prstGeom prst="roundRect">
+              <a:avLst/>
+            </a:prstGeom>
+          </p:spPr>
+          <p:style>
+            <a:lnRef idx="2">
+              <a:schemeClr val="accent5">
+                <a:shade val="50000"/>
+              </a:schemeClr>
+            </a:lnRef>
+            <a:fillRef idx="1">
+              <a:schemeClr val="accent5"/>
+            </a:fillRef>
+            <a:effectRef idx="0">
+              <a:schemeClr val="accent5"/>
+            </a:effectRef>
+            <a:fontRef idx="minor">
+              <a:schemeClr val="lt1"/>
+            </a:fontRef>
+          </p:style>
+          <p:txBody>
+            <a:bodyPr rtlCol="0" anchor="ctr"/>
+            <a:lstStyle/>
+            <a:p>
+              <a:pPr algn="ctr"/>
+              <a:endParaRPr lang="en-US" dirty="0"/>
+            </a:p>
+          </p:txBody>
+        </p:sp>
+        <p:sp>
+          <p:nvSpPr>
+            <p:cNvPr id="20" name="TextBox 19">
+              <a:extLst>
+                <a:ext uri="{FF2B5EF4-FFF2-40B4-BE49-F238E27FC236}">
+                  <a16:creationId xmlns:a16="http://schemas.microsoft.com/office/drawing/2014/main" id="{9AEDDCB9-F386-5449-9202-18698C4F5ACE}"/>
+                </a:ext>
+              </a:extLst>
+            </p:cNvPr>
+            <p:cNvSpPr txBox="1"/>
+            <p:nvPr/>
+          </p:nvSpPr>
+          <p:spPr>
+            <a:xfrm rot="5400000">
+              <a:off x="718997" y="4107955"/>
+              <a:ext cx="874278" cy="307777"/>
+            </a:xfrm>
+            <a:prstGeom prst="rect">
+              <a:avLst/>
+            </a:prstGeom>
+            <a:noFill/>
+          </p:spPr>
+          <p:txBody>
+            <a:bodyPr wrap="none" rtlCol="0">
+              <a:spAutoFit/>
+            </a:bodyPr>
+            <a:lstStyle/>
+            <a:p>
+              <a:r>
+                <a:rPr lang="en-US" sz="1400" dirty="0">
+                  <a:solidFill>
+                    <a:schemeClr val="bg1"/>
+                  </a:solidFill>
+                </a:rPr>
+                <a:t>Process C</a:t>
+              </a:r>
+            </a:p>
+          </p:txBody>
+        </p:sp>
+      </p:grpSp>
+      <p:grpSp>
+        <p:nvGrpSpPr>
+          <p:cNvPr id="21" name="Group 20">
+            <a:extLst>
+              <a:ext uri="{FF2B5EF4-FFF2-40B4-BE49-F238E27FC236}">
+                <a16:creationId xmlns:a16="http://schemas.microsoft.com/office/drawing/2014/main" id="{8725A6F5-7C31-374A-9A26-6F05FC6DE312}"/>
+              </a:ext>
+            </a:extLst>
+          </p:cNvPr>
+          <p:cNvGrpSpPr/>
+          <p:nvPr/>
+        </p:nvGrpSpPr>
+        <p:grpSpPr>
+          <a:xfrm>
+            <a:off x="7993219" y="1969011"/>
+            <a:ext cx="427145" cy="929990"/>
+            <a:chOff x="942565" y="3804923"/>
+            <a:chExt cx="427145" cy="929990"/>
+          </a:xfrm>
+        </p:grpSpPr>
+        <p:sp>
+          <p:nvSpPr>
+            <p:cNvPr id="22" name="Rounded Rectangle 21">
+              <a:extLst>
+                <a:ext uri="{FF2B5EF4-FFF2-40B4-BE49-F238E27FC236}">
+                  <a16:creationId xmlns:a16="http://schemas.microsoft.com/office/drawing/2014/main" id="{F9E007DD-590D-ED4F-91ED-820FF2C4D1C0}"/>
+                </a:ext>
+              </a:extLst>
+            </p:cNvPr>
+            <p:cNvSpPr/>
+            <p:nvPr/>
+          </p:nvSpPr>
+          <p:spPr>
+            <a:xfrm>
+              <a:off x="942565" y="3804923"/>
+              <a:ext cx="427145" cy="929990"/>
+            </a:xfrm>
+            <a:prstGeom prst="roundRect">
+              <a:avLst/>
+            </a:prstGeom>
+          </p:spPr>
+          <p:style>
+            <a:lnRef idx="2">
+              <a:schemeClr val="accent5">
+                <a:shade val="50000"/>
+              </a:schemeClr>
+            </a:lnRef>
+            <a:fillRef idx="1">
+              <a:schemeClr val="accent5"/>
+            </a:fillRef>
+            <a:effectRef idx="0">
+              <a:schemeClr val="accent5"/>
+            </a:effectRef>
+            <a:fontRef idx="minor">
+              <a:schemeClr val="lt1"/>
+            </a:fontRef>
+          </p:style>
+          <p:txBody>
+            <a:bodyPr rtlCol="0" anchor="ctr"/>
+            <a:lstStyle/>
+            <a:p>
+              <a:pPr algn="ctr"/>
+              <a:endParaRPr lang="en-US" dirty="0"/>
+            </a:p>
+          </p:txBody>
+        </p:sp>
+        <p:sp>
+          <p:nvSpPr>
+            <p:cNvPr id="23" name="TextBox 22">
+              <a:extLst>
+                <a:ext uri="{FF2B5EF4-FFF2-40B4-BE49-F238E27FC236}">
+                  <a16:creationId xmlns:a16="http://schemas.microsoft.com/office/drawing/2014/main" id="{88B65682-0FFF-AF42-8342-60A78FD4BFF6}"/>
+                </a:ext>
+              </a:extLst>
+            </p:cNvPr>
+            <p:cNvSpPr txBox="1"/>
+            <p:nvPr/>
+          </p:nvSpPr>
+          <p:spPr>
+            <a:xfrm rot="5400000">
+              <a:off x="711784" y="4107955"/>
+              <a:ext cx="888705" cy="307777"/>
+            </a:xfrm>
+            <a:prstGeom prst="rect">
+              <a:avLst/>
+            </a:prstGeom>
+            <a:noFill/>
+          </p:spPr>
+          <p:txBody>
+            <a:bodyPr wrap="none" rtlCol="0">
+              <a:spAutoFit/>
+            </a:bodyPr>
+            <a:lstStyle/>
+            <a:p>
+              <a:r>
+                <a:rPr lang="en-US" sz="1400" dirty="0">
+                  <a:solidFill>
+                    <a:schemeClr val="bg1"/>
+                  </a:solidFill>
+                </a:rPr>
+                <a:t>Process D</a:t>
+              </a:r>
+            </a:p>
+          </p:txBody>
+        </p:sp>
+      </p:grpSp>
+      <p:cxnSp>
+        <p:nvCxnSpPr>
+          <p:cNvPr id="24" name="Straight Arrow Connector 23">
+            <a:extLst>
+              <a:ext uri="{FF2B5EF4-FFF2-40B4-BE49-F238E27FC236}">
+                <a16:creationId xmlns:a16="http://schemas.microsoft.com/office/drawing/2014/main" id="{91260A04-DB57-4349-A892-C07B708DAB84}"/>
+              </a:ext>
+            </a:extLst>
+          </p:cNvPr>
+          <p:cNvCxnSpPr>
+            <a:cxnSpLocks/>
+            <a:stCxn id="14" idx="3"/>
+            <a:endCxn id="5" idx="0"/>
+          </p:cNvCxnSpPr>
+          <p:nvPr/>
+        </p:nvCxnSpPr>
+        <p:spPr>
+          <a:xfrm flipH="1">
+            <a:off x="5346037" y="2830797"/>
+            <a:ext cx="529240" cy="769175"/>
           </a:xfrm>
           <a:prstGeom prst="straightConnector1">
             <a:avLst/>
           </a:prstGeom>
           <a:ln w="76200">
             <a:solidFill>
-              <a:schemeClr val="accent2"/>
+              <a:srgbClr val="00B050"/>
             </a:solidFill>
             <a:tailEnd type="triangle"/>
           </a:ln>
@@ -4905,45 +6753,148 @@
           </a:fontRef>
         </p:style>
       </p:cxnSp>
-      <p:sp>
-        <p:nvSpPr>
-          <p:cNvPr id="49" name="TextBox 48">
-            <a:extLst>
-              <a:ext uri="{FF2B5EF4-FFF2-40B4-BE49-F238E27FC236}">
-                <a16:creationId xmlns:a16="http://schemas.microsoft.com/office/drawing/2014/main" id="{8A2C18DC-D962-064D-BF9B-CC285014B207}"/>
-              </a:ext>
-            </a:extLst>
-          </p:cNvPr>
-          <p:cNvSpPr txBox="1"/>
+      <p:cxnSp>
+        <p:nvCxnSpPr>
+          <p:cNvPr id="25" name="Straight Arrow Connector 24">
+            <a:extLst>
+              <a:ext uri="{FF2B5EF4-FFF2-40B4-BE49-F238E27FC236}">
+                <a16:creationId xmlns:a16="http://schemas.microsoft.com/office/drawing/2014/main" id="{C9830784-7747-F341-8AAD-C1C322CB3DC5}"/>
+              </a:ext>
+            </a:extLst>
+          </p:cNvPr>
+          <p:cNvCxnSpPr>
+            <a:cxnSpLocks/>
+            <a:stCxn id="14" idx="3"/>
+            <a:endCxn id="6" idx="0"/>
+          </p:cNvCxnSpPr>
           <p:nvPr/>
-        </p:nvSpPr>
+        </p:nvCxnSpPr>
         <p:spPr>
           <a:xfrm>
-            <a:off x="9614607" y="4589786"/>
-            <a:ext cx="1917513" cy="230832"/>
-          </a:xfrm>
-          <a:prstGeom prst="rect">
+            <a:off x="5875277" y="2830797"/>
+            <a:ext cx="155153" cy="769173"/>
+          </a:xfrm>
+          <a:prstGeom prst="straightConnector1">
             <a:avLst/>
           </a:prstGeom>
-          <a:noFill/>
+          <a:ln w="76200">
+            <a:solidFill>
+              <a:srgbClr val="FF0000"/>
+            </a:solidFill>
+            <a:tailEnd type="triangle"/>
+          </a:ln>
         </p:spPr>
-        <p:txBody>
-          <a:bodyPr wrap="none" rtlCol="0">
-            <a:spAutoFit/>
-          </a:bodyPr>
-          <a:lstStyle/>
-          <a:p>
-            <a:r>
-              <a:rPr lang="en-US" sz="900" dirty="0"/>
-              <a:t>(throttled at 300 records per second)</a:t>
-            </a:r>
-          </a:p>
-        </p:txBody>
-      </p:sp>
+        <p:style>
+          <a:lnRef idx="1">
+            <a:schemeClr val="accent1"/>
+          </a:lnRef>
+          <a:fillRef idx="0">
+            <a:schemeClr val="accent1"/>
+          </a:fillRef>
+          <a:effectRef idx="0">
+            <a:schemeClr val="accent1"/>
+          </a:effectRef>
+          <a:fontRef idx="minor">
+            <a:schemeClr val="tx1"/>
+          </a:fontRef>
+        </p:style>
+      </p:cxnSp>
+      <p:cxnSp>
+        <p:nvCxnSpPr>
+          <p:cNvPr id="26" name="Straight Arrow Connector 25">
+            <a:extLst>
+              <a:ext uri="{FF2B5EF4-FFF2-40B4-BE49-F238E27FC236}">
+                <a16:creationId xmlns:a16="http://schemas.microsoft.com/office/drawing/2014/main" id="{7F7BD958-9DE9-E242-83CE-F0A9A08E2705}"/>
+              </a:ext>
+            </a:extLst>
+          </p:cNvPr>
+          <p:cNvCxnSpPr>
+            <a:cxnSpLocks/>
+            <a:stCxn id="23" idx="3"/>
+            <a:endCxn id="6" idx="0"/>
+          </p:cNvCxnSpPr>
+          <p:nvPr/>
+        </p:nvCxnSpPr>
+        <p:spPr>
+          <a:xfrm flipH="1">
+            <a:off x="6030430" y="2870284"/>
+            <a:ext cx="2176360" cy="729686"/>
+          </a:xfrm>
+          <a:prstGeom prst="straightConnector1">
+            <a:avLst/>
+          </a:prstGeom>
+          <a:ln w="76200">
+            <a:solidFill>
+              <a:srgbClr val="00B050"/>
+            </a:solidFill>
+            <a:tailEnd type="triangle"/>
+          </a:ln>
+        </p:spPr>
+        <p:style>
+          <a:lnRef idx="1">
+            <a:schemeClr val="accent1"/>
+          </a:lnRef>
+          <a:fillRef idx="0">
+            <a:schemeClr val="accent1"/>
+          </a:fillRef>
+          <a:effectRef idx="0">
+            <a:schemeClr val="accent1"/>
+          </a:effectRef>
+          <a:fontRef idx="minor">
+            <a:schemeClr val="tx1"/>
+          </a:fontRef>
+        </p:style>
+      </p:cxnSp>
+      <p:cxnSp>
+        <p:nvCxnSpPr>
+          <p:cNvPr id="27" name="Straight Arrow Connector 26">
+            <a:extLst>
+              <a:ext uri="{FF2B5EF4-FFF2-40B4-BE49-F238E27FC236}">
+                <a16:creationId xmlns:a16="http://schemas.microsoft.com/office/drawing/2014/main" id="{A98D1F2C-6F9C-E54B-8C11-85CB910ECA31}"/>
+              </a:ext>
+            </a:extLst>
+          </p:cNvPr>
+          <p:cNvCxnSpPr>
+            <a:cxnSpLocks/>
+            <a:stCxn id="23" idx="3"/>
+            <a:endCxn id="9" idx="0"/>
+          </p:cNvCxnSpPr>
+          <p:nvPr/>
+        </p:nvCxnSpPr>
+        <p:spPr>
+          <a:xfrm flipH="1">
+            <a:off x="8079403" y="2870284"/>
+            <a:ext cx="127387" cy="729686"/>
+          </a:xfrm>
+          <a:prstGeom prst="straightConnector1">
+            <a:avLst/>
+          </a:prstGeom>
+          <a:ln w="76200">
+            <a:solidFill>
+              <a:srgbClr val="00B050"/>
+            </a:solidFill>
+            <a:tailEnd type="triangle"/>
+          </a:ln>
+        </p:spPr>
+        <p:style>
+          <a:lnRef idx="1">
+            <a:schemeClr val="accent1"/>
+          </a:lnRef>
+          <a:fillRef idx="0">
+            <a:schemeClr val="accent1"/>
+          </a:fillRef>
+          <a:effectRef idx="0">
+            <a:schemeClr val="accent1"/>
+          </a:effectRef>
+          <a:fontRef idx="minor">
+            <a:schemeClr val="tx1"/>
+          </a:fontRef>
+        </p:style>
+      </p:cxnSp>
     </p:spTree>
     <p:extLst>
       <p:ext uri="{BB962C8B-B14F-4D97-AF65-F5344CB8AC3E}">
-        <p14:creationId xmlns:p14="http://schemas.microsoft.com/office/powerpoint/2010/main" val="3652060396"/>
+        <p14:creationId xmlns:p14="http://schemas.microsoft.com/office/powerpoint/2010/main" val="2019504766"/>
       </p:ext>
     </p:extLst>
   </p:cSld>

--- a/diagrams.pptx
+++ b/diagrams.pptx
@@ -3828,55 +3828,6 @@
       </p:cxnSp>
       <p:sp>
         <p:nvSpPr>
-          <p:cNvPr id="30" name="Rounded Rectangle 29">
-            <a:extLst>
-              <a:ext uri="{FF2B5EF4-FFF2-40B4-BE49-F238E27FC236}">
-                <a16:creationId xmlns:a16="http://schemas.microsoft.com/office/drawing/2014/main" id="{AA72B909-C8B5-C549-8CF3-4878F44C8358}"/>
-              </a:ext>
-            </a:extLst>
-          </p:cNvPr>
-          <p:cNvSpPr/>
-          <p:nvPr/>
-        </p:nvSpPr>
-        <p:spPr>
-          <a:xfrm>
-            <a:off x="7579924" y="3258528"/>
-            <a:ext cx="1791093" cy="688157"/>
-          </a:xfrm>
-          <a:prstGeom prst="roundRect">
-            <a:avLst/>
-          </a:prstGeom>
-        </p:spPr>
-        <p:style>
-          <a:lnRef idx="2">
-            <a:schemeClr val="accent1">
-              <a:shade val="50000"/>
-            </a:schemeClr>
-          </a:lnRef>
-          <a:fillRef idx="1">
-            <a:schemeClr val="accent1"/>
-          </a:fillRef>
-          <a:effectRef idx="0">
-            <a:schemeClr val="accent1"/>
-          </a:effectRef>
-          <a:fontRef idx="minor">
-            <a:schemeClr val="lt1"/>
-          </a:fontRef>
-        </p:style>
-        <p:txBody>
-          <a:bodyPr rtlCol="0" anchor="ctr"/>
-          <a:lstStyle/>
-          <a:p>
-            <a:pPr algn="ctr"/>
-            <a:r>
-              <a:rPr lang="en-US" dirty="0"/>
-              <a:t>Job Processor B</a:t>
-            </a:r>
-          </a:p>
-        </p:txBody>
-      </p:sp>
-      <p:sp>
-        <p:nvSpPr>
           <p:cNvPr id="37" name="Rounded Rectangle 36">
             <a:extLst>
               <a:ext uri="{FF2B5EF4-FFF2-40B4-BE49-F238E27FC236}">
@@ -3919,7 +3870,7 @@
             <a:pPr algn="ctr"/>
             <a:r>
               <a:rPr lang="en-US" dirty="0"/>
-              <a:t>Throttled Service</a:t>
+              <a:t>Database</a:t>
             </a:r>
           </a:p>
         </p:txBody>
@@ -5089,6 +5040,1086 @@
           </p:spPr>
         </p:pic>
       </p:grpSp>
+      <p:sp>
+        <p:nvSpPr>
+          <p:cNvPr id="100" name="TextBox 99">
+            <a:extLst>
+              <a:ext uri="{FF2B5EF4-FFF2-40B4-BE49-F238E27FC236}">
+                <a16:creationId xmlns:a16="http://schemas.microsoft.com/office/drawing/2014/main" id="{E8219A06-7C28-7E4C-8F8E-157270399F77}"/>
+              </a:ext>
+            </a:extLst>
+          </p:cNvPr>
+          <p:cNvSpPr txBox="1"/>
+          <p:nvPr/>
+        </p:nvSpPr>
+        <p:spPr>
+          <a:xfrm>
+            <a:off x="8933569" y="2714110"/>
+            <a:ext cx="821059" cy="276999"/>
+          </a:xfrm>
+          <a:prstGeom prst="rect">
+            <a:avLst/>
+          </a:prstGeom>
+          <a:noFill/>
+        </p:spPr>
+        <p:txBody>
+          <a:bodyPr wrap="none" rtlCol="0">
+            <a:spAutoFit/>
+          </a:bodyPr>
+          <a:lstStyle/>
+          <a:p>
+            <a:r>
+              <a:rPr lang="en-US" sz="1200" dirty="0"/>
+              <a:t>x500 / sec</a:t>
+            </a:r>
+          </a:p>
+        </p:txBody>
+      </p:sp>
+      <p:sp>
+        <p:nvSpPr>
+          <p:cNvPr id="102" name="Rounded Rectangle 101">
+            <a:extLst>
+              <a:ext uri="{FF2B5EF4-FFF2-40B4-BE49-F238E27FC236}">
+                <a16:creationId xmlns:a16="http://schemas.microsoft.com/office/drawing/2014/main" id="{4849BF16-A6AD-A446-8E83-6BB4AF9BECD5}"/>
+              </a:ext>
+            </a:extLst>
+          </p:cNvPr>
+          <p:cNvSpPr/>
+          <p:nvPr/>
+        </p:nvSpPr>
+        <p:spPr>
+          <a:xfrm>
+            <a:off x="5352689" y="5745925"/>
+            <a:ext cx="3191516" cy="688157"/>
+          </a:xfrm>
+          <a:prstGeom prst="roundRect">
+            <a:avLst/>
+          </a:prstGeom>
+        </p:spPr>
+        <p:style>
+          <a:lnRef idx="2">
+            <a:schemeClr val="accent6">
+              <a:shade val="50000"/>
+            </a:schemeClr>
+          </a:lnRef>
+          <a:fillRef idx="1">
+            <a:schemeClr val="accent6"/>
+          </a:fillRef>
+          <a:effectRef idx="0">
+            <a:schemeClr val="accent6"/>
+          </a:effectRef>
+          <a:fontRef idx="minor">
+            <a:schemeClr val="lt1"/>
+          </a:fontRef>
+        </p:style>
+        <p:txBody>
+          <a:bodyPr rtlCol="0" anchor="ctr"/>
+          <a:lstStyle/>
+          <a:p>
+            <a:pPr algn="ctr"/>
+            <a:r>
+              <a:rPr lang="en-US" sz="1600" dirty="0"/>
+              <a:t>Azure Storage</a:t>
+            </a:r>
+          </a:p>
+        </p:txBody>
+      </p:sp>
+      <p:sp>
+        <p:nvSpPr>
+          <p:cNvPr id="103" name="Rounded Rectangle 102">
+            <a:extLst>
+              <a:ext uri="{FF2B5EF4-FFF2-40B4-BE49-F238E27FC236}">
+                <a16:creationId xmlns:a16="http://schemas.microsoft.com/office/drawing/2014/main" id="{653B8B08-7D5B-3C42-81C3-84ACD961329B}"/>
+              </a:ext>
+            </a:extLst>
+          </p:cNvPr>
+          <p:cNvSpPr/>
+          <p:nvPr/>
+        </p:nvSpPr>
+        <p:spPr>
+          <a:xfrm>
+            <a:off x="5495680" y="5282530"/>
+            <a:ext cx="270942" cy="527302"/>
+          </a:xfrm>
+          <a:prstGeom prst="roundRect">
+            <a:avLst/>
+          </a:prstGeom>
+          <a:solidFill>
+            <a:schemeClr val="accent4"/>
+          </a:solidFill>
+          <a:ln>
+            <a:solidFill>
+              <a:schemeClr val="tx1"/>
+            </a:solidFill>
+          </a:ln>
+        </p:spPr>
+        <p:style>
+          <a:lnRef idx="2">
+            <a:schemeClr val="accent1">
+              <a:shade val="50000"/>
+            </a:schemeClr>
+          </a:lnRef>
+          <a:fillRef idx="1">
+            <a:schemeClr val="accent1"/>
+          </a:fillRef>
+          <a:effectRef idx="0">
+            <a:schemeClr val="accent1"/>
+          </a:effectRef>
+          <a:fontRef idx="minor">
+            <a:schemeClr val="lt1"/>
+          </a:fontRef>
+        </p:style>
+        <p:txBody>
+          <a:bodyPr rtlCol="0" anchor="ctr"/>
+          <a:lstStyle/>
+          <a:p>
+            <a:pPr algn="ctr"/>
+            <a:r>
+              <a:rPr lang="en-US" dirty="0">
+                <a:solidFill>
+                  <a:schemeClr val="tx1"/>
+                </a:solidFill>
+              </a:rPr>
+              <a:t>0</a:t>
+            </a:r>
+          </a:p>
+        </p:txBody>
+      </p:sp>
+      <p:sp>
+        <p:nvSpPr>
+          <p:cNvPr id="105" name="Rounded Rectangle 104">
+            <a:extLst>
+              <a:ext uri="{FF2B5EF4-FFF2-40B4-BE49-F238E27FC236}">
+                <a16:creationId xmlns:a16="http://schemas.microsoft.com/office/drawing/2014/main" id="{20396FF2-4CFD-F841-806F-56A7DD9D2C74}"/>
+              </a:ext>
+            </a:extLst>
+          </p:cNvPr>
+          <p:cNvSpPr/>
+          <p:nvPr/>
+        </p:nvSpPr>
+        <p:spPr>
+          <a:xfrm>
+            <a:off x="5861748" y="5282530"/>
+            <a:ext cx="270942" cy="527302"/>
+          </a:xfrm>
+          <a:prstGeom prst="roundRect">
+            <a:avLst/>
+          </a:prstGeom>
+          <a:solidFill>
+            <a:schemeClr val="accent4"/>
+          </a:solidFill>
+          <a:ln>
+            <a:solidFill>
+              <a:schemeClr val="tx1"/>
+            </a:solidFill>
+          </a:ln>
+        </p:spPr>
+        <p:style>
+          <a:lnRef idx="2">
+            <a:schemeClr val="accent1">
+              <a:shade val="50000"/>
+            </a:schemeClr>
+          </a:lnRef>
+          <a:fillRef idx="1">
+            <a:schemeClr val="accent1"/>
+          </a:fillRef>
+          <a:effectRef idx="0">
+            <a:schemeClr val="accent1"/>
+          </a:effectRef>
+          <a:fontRef idx="minor">
+            <a:schemeClr val="lt1"/>
+          </a:fontRef>
+        </p:style>
+        <p:txBody>
+          <a:bodyPr rtlCol="0" anchor="ctr"/>
+          <a:lstStyle/>
+          <a:p>
+            <a:pPr algn="ctr"/>
+            <a:r>
+              <a:rPr lang="en-US" dirty="0">
+                <a:solidFill>
+                  <a:schemeClr val="tx1"/>
+                </a:solidFill>
+              </a:rPr>
+              <a:t>1</a:t>
+            </a:r>
+          </a:p>
+        </p:txBody>
+      </p:sp>
+      <p:sp>
+        <p:nvSpPr>
+          <p:cNvPr id="107" name="Rounded Rectangle 106">
+            <a:extLst>
+              <a:ext uri="{FF2B5EF4-FFF2-40B4-BE49-F238E27FC236}">
+                <a16:creationId xmlns:a16="http://schemas.microsoft.com/office/drawing/2014/main" id="{49A3606B-0AE7-1C4F-8247-1475A9F68EED}"/>
+              </a:ext>
+            </a:extLst>
+          </p:cNvPr>
+          <p:cNvSpPr/>
+          <p:nvPr/>
+        </p:nvSpPr>
+        <p:spPr>
+          <a:xfrm>
+            <a:off x="6244492" y="5282530"/>
+            <a:ext cx="270942" cy="527302"/>
+          </a:xfrm>
+          <a:prstGeom prst="roundRect">
+            <a:avLst/>
+          </a:prstGeom>
+          <a:solidFill>
+            <a:schemeClr val="accent4"/>
+          </a:solidFill>
+          <a:ln>
+            <a:solidFill>
+              <a:schemeClr val="tx1"/>
+            </a:solidFill>
+          </a:ln>
+        </p:spPr>
+        <p:style>
+          <a:lnRef idx="2">
+            <a:schemeClr val="accent1">
+              <a:shade val="50000"/>
+            </a:schemeClr>
+          </a:lnRef>
+          <a:fillRef idx="1">
+            <a:schemeClr val="accent1"/>
+          </a:fillRef>
+          <a:effectRef idx="0">
+            <a:schemeClr val="accent1"/>
+          </a:effectRef>
+          <a:fontRef idx="minor">
+            <a:schemeClr val="lt1"/>
+          </a:fontRef>
+        </p:style>
+        <p:txBody>
+          <a:bodyPr rtlCol="0" anchor="ctr"/>
+          <a:lstStyle/>
+          <a:p>
+            <a:pPr algn="ctr"/>
+            <a:r>
+              <a:rPr lang="en-US" dirty="0">
+                <a:solidFill>
+                  <a:schemeClr val="tx1"/>
+                </a:solidFill>
+              </a:rPr>
+              <a:t>2</a:t>
+            </a:r>
+          </a:p>
+        </p:txBody>
+      </p:sp>
+      <p:sp>
+        <p:nvSpPr>
+          <p:cNvPr id="109" name="Rounded Rectangle 108">
+            <a:extLst>
+              <a:ext uri="{FF2B5EF4-FFF2-40B4-BE49-F238E27FC236}">
+                <a16:creationId xmlns:a16="http://schemas.microsoft.com/office/drawing/2014/main" id="{C42AAC6D-38AA-DB4F-A15E-746B64C870E5}"/>
+              </a:ext>
+            </a:extLst>
+          </p:cNvPr>
+          <p:cNvSpPr/>
+          <p:nvPr/>
+        </p:nvSpPr>
+        <p:spPr>
+          <a:xfrm>
+            <a:off x="6627236" y="5282530"/>
+            <a:ext cx="270942" cy="527302"/>
+          </a:xfrm>
+          <a:prstGeom prst="roundRect">
+            <a:avLst/>
+          </a:prstGeom>
+          <a:solidFill>
+            <a:schemeClr val="accent4"/>
+          </a:solidFill>
+          <a:ln>
+            <a:solidFill>
+              <a:schemeClr val="tx1"/>
+            </a:solidFill>
+          </a:ln>
+        </p:spPr>
+        <p:style>
+          <a:lnRef idx="2">
+            <a:schemeClr val="accent1">
+              <a:shade val="50000"/>
+            </a:schemeClr>
+          </a:lnRef>
+          <a:fillRef idx="1">
+            <a:schemeClr val="accent1"/>
+          </a:fillRef>
+          <a:effectRef idx="0">
+            <a:schemeClr val="accent1"/>
+          </a:effectRef>
+          <a:fontRef idx="minor">
+            <a:schemeClr val="lt1"/>
+          </a:fontRef>
+        </p:style>
+        <p:txBody>
+          <a:bodyPr rtlCol="0" anchor="ctr"/>
+          <a:lstStyle/>
+          <a:p>
+            <a:pPr algn="ctr"/>
+            <a:r>
+              <a:rPr lang="en-US" dirty="0">
+                <a:solidFill>
+                  <a:schemeClr val="tx1"/>
+                </a:solidFill>
+              </a:rPr>
+              <a:t>3</a:t>
+            </a:r>
+          </a:p>
+        </p:txBody>
+      </p:sp>
+      <p:sp>
+        <p:nvSpPr>
+          <p:cNvPr id="111" name="Rounded Rectangle 110">
+            <a:extLst>
+              <a:ext uri="{FF2B5EF4-FFF2-40B4-BE49-F238E27FC236}">
+                <a16:creationId xmlns:a16="http://schemas.microsoft.com/office/drawing/2014/main" id="{1D0A3653-043E-7549-9649-13E09DDE1609}"/>
+              </a:ext>
+            </a:extLst>
+          </p:cNvPr>
+          <p:cNvSpPr/>
+          <p:nvPr/>
+        </p:nvSpPr>
+        <p:spPr>
+          <a:xfrm>
+            <a:off x="6988985" y="5282530"/>
+            <a:ext cx="270942" cy="527302"/>
+          </a:xfrm>
+          <a:prstGeom prst="roundRect">
+            <a:avLst/>
+          </a:prstGeom>
+          <a:solidFill>
+            <a:schemeClr val="accent4"/>
+          </a:solidFill>
+          <a:ln>
+            <a:solidFill>
+              <a:schemeClr val="tx1"/>
+            </a:solidFill>
+          </a:ln>
+        </p:spPr>
+        <p:style>
+          <a:lnRef idx="2">
+            <a:schemeClr val="accent1">
+              <a:shade val="50000"/>
+            </a:schemeClr>
+          </a:lnRef>
+          <a:fillRef idx="1">
+            <a:schemeClr val="accent1"/>
+          </a:fillRef>
+          <a:effectRef idx="0">
+            <a:schemeClr val="accent1"/>
+          </a:effectRef>
+          <a:fontRef idx="minor">
+            <a:schemeClr val="lt1"/>
+          </a:fontRef>
+        </p:style>
+        <p:txBody>
+          <a:bodyPr rtlCol="0" anchor="ctr"/>
+          <a:lstStyle/>
+          <a:p>
+            <a:pPr algn="ctr"/>
+            <a:r>
+              <a:rPr lang="en-US" dirty="0">
+                <a:solidFill>
+                  <a:schemeClr val="tx1"/>
+                </a:solidFill>
+              </a:rPr>
+              <a:t>4</a:t>
+            </a:r>
+          </a:p>
+        </p:txBody>
+      </p:sp>
+      <p:sp>
+        <p:nvSpPr>
+          <p:cNvPr id="113" name="Rounded Rectangle 112">
+            <a:extLst>
+              <a:ext uri="{FF2B5EF4-FFF2-40B4-BE49-F238E27FC236}">
+                <a16:creationId xmlns:a16="http://schemas.microsoft.com/office/drawing/2014/main" id="{1B6DE18D-13D7-AE47-977D-A755768CB4AA}"/>
+              </a:ext>
+            </a:extLst>
+          </p:cNvPr>
+          <p:cNvSpPr/>
+          <p:nvPr/>
+        </p:nvSpPr>
+        <p:spPr>
+          <a:xfrm>
+            <a:off x="7355053" y="5282530"/>
+            <a:ext cx="270942" cy="527302"/>
+          </a:xfrm>
+          <a:prstGeom prst="roundRect">
+            <a:avLst/>
+          </a:prstGeom>
+          <a:solidFill>
+            <a:schemeClr val="accent4"/>
+          </a:solidFill>
+          <a:ln>
+            <a:solidFill>
+              <a:schemeClr val="tx1"/>
+            </a:solidFill>
+          </a:ln>
+        </p:spPr>
+        <p:style>
+          <a:lnRef idx="2">
+            <a:schemeClr val="accent1">
+              <a:shade val="50000"/>
+            </a:schemeClr>
+          </a:lnRef>
+          <a:fillRef idx="1">
+            <a:schemeClr val="accent1"/>
+          </a:fillRef>
+          <a:effectRef idx="0">
+            <a:schemeClr val="accent1"/>
+          </a:effectRef>
+          <a:fontRef idx="minor">
+            <a:schemeClr val="lt1"/>
+          </a:fontRef>
+        </p:style>
+        <p:txBody>
+          <a:bodyPr rtlCol="0" anchor="ctr"/>
+          <a:lstStyle/>
+          <a:p>
+            <a:pPr algn="ctr"/>
+            <a:r>
+              <a:rPr lang="en-US" dirty="0">
+                <a:solidFill>
+                  <a:schemeClr val="tx1"/>
+                </a:solidFill>
+              </a:rPr>
+              <a:t>5</a:t>
+            </a:r>
+          </a:p>
+        </p:txBody>
+      </p:sp>
+      <p:sp>
+        <p:nvSpPr>
+          <p:cNvPr id="115" name="Rounded Rectangle 114">
+            <a:extLst>
+              <a:ext uri="{FF2B5EF4-FFF2-40B4-BE49-F238E27FC236}">
+                <a16:creationId xmlns:a16="http://schemas.microsoft.com/office/drawing/2014/main" id="{366DA26C-3488-DE4F-8CB0-2E33C673FF31}"/>
+              </a:ext>
+            </a:extLst>
+          </p:cNvPr>
+          <p:cNvSpPr/>
+          <p:nvPr/>
+        </p:nvSpPr>
+        <p:spPr>
+          <a:xfrm>
+            <a:off x="7737797" y="5282530"/>
+            <a:ext cx="270942" cy="527302"/>
+          </a:xfrm>
+          <a:prstGeom prst="roundRect">
+            <a:avLst/>
+          </a:prstGeom>
+          <a:solidFill>
+            <a:schemeClr val="accent4"/>
+          </a:solidFill>
+          <a:ln>
+            <a:solidFill>
+              <a:schemeClr val="tx1"/>
+            </a:solidFill>
+          </a:ln>
+        </p:spPr>
+        <p:style>
+          <a:lnRef idx="2">
+            <a:schemeClr val="accent1">
+              <a:shade val="50000"/>
+            </a:schemeClr>
+          </a:lnRef>
+          <a:fillRef idx="1">
+            <a:schemeClr val="accent1"/>
+          </a:fillRef>
+          <a:effectRef idx="0">
+            <a:schemeClr val="accent1"/>
+          </a:effectRef>
+          <a:fontRef idx="minor">
+            <a:schemeClr val="lt1"/>
+          </a:fontRef>
+        </p:style>
+        <p:txBody>
+          <a:bodyPr rtlCol="0" anchor="ctr"/>
+          <a:lstStyle/>
+          <a:p>
+            <a:pPr algn="ctr"/>
+            <a:r>
+              <a:rPr lang="en-US" dirty="0">
+                <a:solidFill>
+                  <a:schemeClr val="tx1"/>
+                </a:solidFill>
+              </a:rPr>
+              <a:t>6</a:t>
+            </a:r>
+          </a:p>
+        </p:txBody>
+      </p:sp>
+      <p:sp>
+        <p:nvSpPr>
+          <p:cNvPr id="117" name="Rounded Rectangle 116">
+            <a:extLst>
+              <a:ext uri="{FF2B5EF4-FFF2-40B4-BE49-F238E27FC236}">
+                <a16:creationId xmlns:a16="http://schemas.microsoft.com/office/drawing/2014/main" id="{3348F777-A6FA-3A46-B110-5D320F6C87C3}"/>
+              </a:ext>
+            </a:extLst>
+          </p:cNvPr>
+          <p:cNvSpPr/>
+          <p:nvPr/>
+        </p:nvSpPr>
+        <p:spPr>
+          <a:xfrm>
+            <a:off x="8120541" y="5282530"/>
+            <a:ext cx="270942" cy="527302"/>
+          </a:xfrm>
+          <a:prstGeom prst="roundRect">
+            <a:avLst/>
+          </a:prstGeom>
+          <a:solidFill>
+            <a:schemeClr val="accent4"/>
+          </a:solidFill>
+          <a:ln>
+            <a:solidFill>
+              <a:schemeClr val="tx1"/>
+            </a:solidFill>
+          </a:ln>
+        </p:spPr>
+        <p:style>
+          <a:lnRef idx="2">
+            <a:schemeClr val="accent1">
+              <a:shade val="50000"/>
+            </a:schemeClr>
+          </a:lnRef>
+          <a:fillRef idx="1">
+            <a:schemeClr val="accent1"/>
+          </a:fillRef>
+          <a:effectRef idx="0">
+            <a:schemeClr val="accent1"/>
+          </a:effectRef>
+          <a:fontRef idx="minor">
+            <a:schemeClr val="lt1"/>
+          </a:fontRef>
+        </p:style>
+        <p:txBody>
+          <a:bodyPr rtlCol="0" anchor="ctr"/>
+          <a:lstStyle/>
+          <a:p>
+            <a:pPr algn="ctr"/>
+            <a:r>
+              <a:rPr lang="en-US" dirty="0">
+                <a:solidFill>
+                  <a:schemeClr val="tx1"/>
+                </a:solidFill>
+              </a:rPr>
+              <a:t>7</a:t>
+            </a:r>
+          </a:p>
+        </p:txBody>
+      </p:sp>
+      <p:cxnSp>
+        <p:nvCxnSpPr>
+          <p:cNvPr id="119" name="Straight Arrow Connector 118">
+            <a:extLst>
+              <a:ext uri="{FF2B5EF4-FFF2-40B4-BE49-F238E27FC236}">
+                <a16:creationId xmlns:a16="http://schemas.microsoft.com/office/drawing/2014/main" id="{989DA8D2-77AF-F443-82AD-A4C89FB2F99E}"/>
+              </a:ext>
+            </a:extLst>
+          </p:cNvPr>
+          <p:cNvCxnSpPr>
+            <a:stCxn id="6" idx="2"/>
+            <a:endCxn id="103" idx="0"/>
+          </p:cNvCxnSpPr>
+          <p:nvPr/>
+        </p:nvCxnSpPr>
+        <p:spPr>
+          <a:xfrm flipH="1">
+            <a:off x="5631151" y="1833903"/>
+            <a:ext cx="2848926" cy="3448627"/>
+          </a:xfrm>
+          <a:prstGeom prst="straightConnector1">
+            <a:avLst/>
+          </a:prstGeom>
+          <a:ln w="28575">
+            <a:solidFill>
+              <a:schemeClr val="accent6"/>
+            </a:solidFill>
+            <a:tailEnd type="triangle"/>
+          </a:ln>
+        </p:spPr>
+        <p:style>
+          <a:lnRef idx="1">
+            <a:schemeClr val="accent1"/>
+          </a:lnRef>
+          <a:fillRef idx="0">
+            <a:schemeClr val="accent1"/>
+          </a:fillRef>
+          <a:effectRef idx="0">
+            <a:schemeClr val="accent1"/>
+          </a:effectRef>
+          <a:fontRef idx="minor">
+            <a:schemeClr val="tx1"/>
+          </a:fontRef>
+        </p:style>
+      </p:cxnSp>
+      <p:cxnSp>
+        <p:nvCxnSpPr>
+          <p:cNvPr id="120" name="Straight Arrow Connector 119">
+            <a:extLst>
+              <a:ext uri="{FF2B5EF4-FFF2-40B4-BE49-F238E27FC236}">
+                <a16:creationId xmlns:a16="http://schemas.microsoft.com/office/drawing/2014/main" id="{1673B885-382B-3E46-85E5-2A8004DCE18F}"/>
+              </a:ext>
+            </a:extLst>
+          </p:cNvPr>
+          <p:cNvCxnSpPr>
+            <a:cxnSpLocks/>
+            <a:stCxn id="6" idx="2"/>
+            <a:endCxn id="111" idx="0"/>
+          </p:cNvCxnSpPr>
+          <p:nvPr/>
+        </p:nvCxnSpPr>
+        <p:spPr>
+          <a:xfrm flipH="1">
+            <a:off x="7124456" y="1833903"/>
+            <a:ext cx="1355621" cy="3448627"/>
+          </a:xfrm>
+          <a:prstGeom prst="straightConnector1">
+            <a:avLst/>
+          </a:prstGeom>
+          <a:ln w="28575">
+            <a:solidFill>
+              <a:schemeClr val="accent6"/>
+            </a:solidFill>
+            <a:tailEnd type="triangle"/>
+          </a:ln>
+        </p:spPr>
+        <p:style>
+          <a:lnRef idx="1">
+            <a:schemeClr val="accent1"/>
+          </a:lnRef>
+          <a:fillRef idx="0">
+            <a:schemeClr val="accent1"/>
+          </a:fillRef>
+          <a:effectRef idx="0">
+            <a:schemeClr val="accent1"/>
+          </a:effectRef>
+          <a:fontRef idx="minor">
+            <a:schemeClr val="tx1"/>
+          </a:fontRef>
+        </p:style>
+      </p:cxnSp>
+      <p:cxnSp>
+        <p:nvCxnSpPr>
+          <p:cNvPr id="121" name="Straight Arrow Connector 120">
+            <a:extLst>
+              <a:ext uri="{FF2B5EF4-FFF2-40B4-BE49-F238E27FC236}">
+                <a16:creationId xmlns:a16="http://schemas.microsoft.com/office/drawing/2014/main" id="{2C7F54FA-D855-7847-9942-5DBBE75D9076}"/>
+              </a:ext>
+            </a:extLst>
+          </p:cNvPr>
+          <p:cNvCxnSpPr>
+            <a:cxnSpLocks/>
+            <a:stCxn id="6" idx="2"/>
+            <a:endCxn id="115" idx="0"/>
+          </p:cNvCxnSpPr>
+          <p:nvPr/>
+        </p:nvCxnSpPr>
+        <p:spPr>
+          <a:xfrm flipH="1">
+            <a:off x="7873268" y="1833903"/>
+            <a:ext cx="606809" cy="3448627"/>
+          </a:xfrm>
+          <a:prstGeom prst="straightConnector1">
+            <a:avLst/>
+          </a:prstGeom>
+          <a:ln w="28575">
+            <a:solidFill>
+              <a:schemeClr val="accent6"/>
+            </a:solidFill>
+            <a:tailEnd type="triangle"/>
+          </a:ln>
+        </p:spPr>
+        <p:style>
+          <a:lnRef idx="1">
+            <a:schemeClr val="accent1"/>
+          </a:lnRef>
+          <a:fillRef idx="0">
+            <a:schemeClr val="accent1"/>
+          </a:fillRef>
+          <a:effectRef idx="0">
+            <a:schemeClr val="accent1"/>
+          </a:effectRef>
+          <a:fontRef idx="minor">
+            <a:schemeClr val="tx1"/>
+          </a:fontRef>
+        </p:style>
+      </p:cxnSp>
+      <p:cxnSp>
+        <p:nvCxnSpPr>
+          <p:cNvPr id="64" name="Straight Arrow Connector 63">
+            <a:extLst>
+              <a:ext uri="{FF2B5EF4-FFF2-40B4-BE49-F238E27FC236}">
+                <a16:creationId xmlns:a16="http://schemas.microsoft.com/office/drawing/2014/main" id="{A017F656-2659-6F47-A5E1-36F89622C79B}"/>
+              </a:ext>
+            </a:extLst>
+          </p:cNvPr>
+          <p:cNvCxnSpPr>
+            <a:cxnSpLocks/>
+            <a:stCxn id="6" idx="2"/>
+            <a:endCxn id="107" idx="0"/>
+          </p:cNvCxnSpPr>
+          <p:nvPr/>
+        </p:nvCxnSpPr>
+        <p:spPr>
+          <a:xfrm flipH="1">
+            <a:off x="6379963" y="1833903"/>
+            <a:ext cx="2100114" cy="3448627"/>
+          </a:xfrm>
+          <a:prstGeom prst="straightConnector1">
+            <a:avLst/>
+          </a:prstGeom>
+          <a:ln w="28575">
+            <a:solidFill>
+              <a:srgbClr val="FF0000"/>
+            </a:solidFill>
+            <a:tailEnd type="triangle"/>
+          </a:ln>
+        </p:spPr>
+        <p:style>
+          <a:lnRef idx="1">
+            <a:schemeClr val="accent1"/>
+          </a:lnRef>
+          <a:fillRef idx="0">
+            <a:schemeClr val="accent1"/>
+          </a:fillRef>
+          <a:effectRef idx="0">
+            <a:schemeClr val="accent1"/>
+          </a:effectRef>
+          <a:fontRef idx="minor">
+            <a:schemeClr val="tx1"/>
+          </a:fontRef>
+        </p:style>
+      </p:cxnSp>
+      <p:cxnSp>
+        <p:nvCxnSpPr>
+          <p:cNvPr id="86" name="Straight Arrow Connector 85">
+            <a:extLst>
+              <a:ext uri="{FF2B5EF4-FFF2-40B4-BE49-F238E27FC236}">
+                <a16:creationId xmlns:a16="http://schemas.microsoft.com/office/drawing/2014/main" id="{1735607B-CA32-2D45-BC35-81E0D91DED91}"/>
+              </a:ext>
+            </a:extLst>
+          </p:cNvPr>
+          <p:cNvCxnSpPr>
+            <a:cxnSpLocks/>
+            <a:stCxn id="30" idx="2"/>
+            <a:endCxn id="105" idx="0"/>
+          </p:cNvCxnSpPr>
+          <p:nvPr/>
+        </p:nvCxnSpPr>
+        <p:spPr>
+          <a:xfrm flipH="1">
+            <a:off x="5997219" y="3946685"/>
+            <a:ext cx="2478252" cy="1335845"/>
+          </a:xfrm>
+          <a:prstGeom prst="straightConnector1">
+            <a:avLst/>
+          </a:prstGeom>
+          <a:ln w="28575">
+            <a:solidFill>
+              <a:schemeClr val="accent6"/>
+            </a:solidFill>
+            <a:tailEnd type="triangle"/>
+          </a:ln>
+        </p:spPr>
+        <p:style>
+          <a:lnRef idx="1">
+            <a:schemeClr val="accent1"/>
+          </a:lnRef>
+          <a:fillRef idx="0">
+            <a:schemeClr val="accent1"/>
+          </a:fillRef>
+          <a:effectRef idx="0">
+            <a:schemeClr val="accent1"/>
+          </a:effectRef>
+          <a:fontRef idx="minor">
+            <a:schemeClr val="tx1"/>
+          </a:fontRef>
+        </p:style>
+      </p:cxnSp>
+      <p:cxnSp>
+        <p:nvCxnSpPr>
+          <p:cNvPr id="87" name="Straight Arrow Connector 86">
+            <a:extLst>
+              <a:ext uri="{FF2B5EF4-FFF2-40B4-BE49-F238E27FC236}">
+                <a16:creationId xmlns:a16="http://schemas.microsoft.com/office/drawing/2014/main" id="{278262E8-F6AC-4745-BC27-9C71A6A9C41D}"/>
+              </a:ext>
+            </a:extLst>
+          </p:cNvPr>
+          <p:cNvCxnSpPr>
+            <a:cxnSpLocks/>
+            <a:stCxn id="30" idx="2"/>
+            <a:endCxn id="109" idx="0"/>
+          </p:cNvCxnSpPr>
+          <p:nvPr/>
+        </p:nvCxnSpPr>
+        <p:spPr>
+          <a:xfrm flipH="1">
+            <a:off x="6762707" y="3946685"/>
+            <a:ext cx="1712764" cy="1335845"/>
+          </a:xfrm>
+          <a:prstGeom prst="straightConnector1">
+            <a:avLst/>
+          </a:prstGeom>
+          <a:ln w="28575">
+            <a:solidFill>
+              <a:schemeClr val="accent6"/>
+            </a:solidFill>
+            <a:tailEnd type="triangle"/>
+          </a:ln>
+        </p:spPr>
+        <p:style>
+          <a:lnRef idx="1">
+            <a:schemeClr val="accent1"/>
+          </a:lnRef>
+          <a:fillRef idx="0">
+            <a:schemeClr val="accent1"/>
+          </a:fillRef>
+          <a:effectRef idx="0">
+            <a:schemeClr val="accent1"/>
+          </a:effectRef>
+          <a:fontRef idx="minor">
+            <a:schemeClr val="tx1"/>
+          </a:fontRef>
+        </p:style>
+      </p:cxnSp>
+      <p:cxnSp>
+        <p:nvCxnSpPr>
+          <p:cNvPr id="88" name="Straight Arrow Connector 87">
+            <a:extLst>
+              <a:ext uri="{FF2B5EF4-FFF2-40B4-BE49-F238E27FC236}">
+                <a16:creationId xmlns:a16="http://schemas.microsoft.com/office/drawing/2014/main" id="{AE546BC9-16BC-6D40-93D7-E5825F51F97F}"/>
+              </a:ext>
+            </a:extLst>
+          </p:cNvPr>
+          <p:cNvCxnSpPr>
+            <a:cxnSpLocks/>
+            <a:stCxn id="30" idx="2"/>
+            <a:endCxn id="117" idx="0"/>
+          </p:cNvCxnSpPr>
+          <p:nvPr/>
+        </p:nvCxnSpPr>
+        <p:spPr>
+          <a:xfrm flipH="1">
+            <a:off x="8256012" y="3946685"/>
+            <a:ext cx="219459" cy="1335845"/>
+          </a:xfrm>
+          <a:prstGeom prst="straightConnector1">
+            <a:avLst/>
+          </a:prstGeom>
+          <a:ln w="28575">
+            <a:solidFill>
+              <a:schemeClr val="accent6"/>
+            </a:solidFill>
+            <a:tailEnd type="triangle"/>
+          </a:ln>
+        </p:spPr>
+        <p:style>
+          <a:lnRef idx="1">
+            <a:schemeClr val="accent1"/>
+          </a:lnRef>
+          <a:fillRef idx="0">
+            <a:schemeClr val="accent1"/>
+          </a:fillRef>
+          <a:effectRef idx="0">
+            <a:schemeClr val="accent1"/>
+          </a:effectRef>
+          <a:fontRef idx="minor">
+            <a:schemeClr val="tx1"/>
+          </a:fontRef>
+        </p:style>
+      </p:cxnSp>
+      <p:cxnSp>
+        <p:nvCxnSpPr>
+          <p:cNvPr id="89" name="Straight Arrow Connector 88">
+            <a:extLst>
+              <a:ext uri="{FF2B5EF4-FFF2-40B4-BE49-F238E27FC236}">
+                <a16:creationId xmlns:a16="http://schemas.microsoft.com/office/drawing/2014/main" id="{6456FDBF-1306-C345-9531-583D2D508A75}"/>
+              </a:ext>
+            </a:extLst>
+          </p:cNvPr>
+          <p:cNvCxnSpPr>
+            <a:cxnSpLocks/>
+            <a:stCxn id="30" idx="2"/>
+            <a:endCxn id="107" idx="0"/>
+          </p:cNvCxnSpPr>
+          <p:nvPr/>
+        </p:nvCxnSpPr>
+        <p:spPr>
+          <a:xfrm flipH="1">
+            <a:off x="6379963" y="3946685"/>
+            <a:ext cx="2095508" cy="1335845"/>
+          </a:xfrm>
+          <a:prstGeom prst="straightConnector1">
+            <a:avLst/>
+          </a:prstGeom>
+          <a:ln w="28575">
+            <a:solidFill>
+              <a:schemeClr val="accent6"/>
+            </a:solidFill>
+            <a:tailEnd type="triangle"/>
+          </a:ln>
+        </p:spPr>
+        <p:style>
+          <a:lnRef idx="1">
+            <a:schemeClr val="accent1"/>
+          </a:lnRef>
+          <a:fillRef idx="0">
+            <a:schemeClr val="accent1"/>
+          </a:fillRef>
+          <a:effectRef idx="0">
+            <a:schemeClr val="accent1"/>
+          </a:effectRef>
+          <a:fontRef idx="minor">
+            <a:schemeClr val="tx1"/>
+          </a:fontRef>
+        </p:style>
+      </p:cxnSp>
+      <p:cxnSp>
+        <p:nvCxnSpPr>
+          <p:cNvPr id="90" name="Straight Arrow Connector 89">
+            <a:extLst>
+              <a:ext uri="{FF2B5EF4-FFF2-40B4-BE49-F238E27FC236}">
+                <a16:creationId xmlns:a16="http://schemas.microsoft.com/office/drawing/2014/main" id="{F9EDA0FF-3993-364F-9CCA-C05C1174BFBE}"/>
+              </a:ext>
+            </a:extLst>
+          </p:cNvPr>
+          <p:cNvCxnSpPr>
+            <a:cxnSpLocks/>
+            <a:stCxn id="30" idx="2"/>
+            <a:endCxn id="113" idx="0"/>
+          </p:cNvCxnSpPr>
+          <p:nvPr/>
+        </p:nvCxnSpPr>
+        <p:spPr>
+          <a:xfrm flipH="1">
+            <a:off x="7490524" y="3946685"/>
+            <a:ext cx="984947" cy="1335845"/>
+          </a:xfrm>
+          <a:prstGeom prst="straightConnector1">
+            <a:avLst/>
+          </a:prstGeom>
+          <a:ln w="28575">
+            <a:solidFill>
+              <a:schemeClr val="accent6"/>
+            </a:solidFill>
+            <a:tailEnd type="triangle"/>
+          </a:ln>
+        </p:spPr>
+        <p:style>
+          <a:lnRef idx="1">
+            <a:schemeClr val="accent1"/>
+          </a:lnRef>
+          <a:fillRef idx="0">
+            <a:schemeClr val="accent1"/>
+          </a:fillRef>
+          <a:effectRef idx="0">
+            <a:schemeClr val="accent1"/>
+          </a:effectRef>
+          <a:fontRef idx="minor">
+            <a:schemeClr val="tx1"/>
+          </a:fontRef>
+        </p:style>
+      </p:cxnSp>
+      <p:cxnSp>
+        <p:nvCxnSpPr>
+          <p:cNvPr id="91" name="Straight Arrow Connector 90">
+            <a:extLst>
+              <a:ext uri="{FF2B5EF4-FFF2-40B4-BE49-F238E27FC236}">
+                <a16:creationId xmlns:a16="http://schemas.microsoft.com/office/drawing/2014/main" id="{876BB951-F8E9-1243-BB7B-FDA0251FFD23}"/>
+              </a:ext>
+            </a:extLst>
+          </p:cNvPr>
+          <p:cNvCxnSpPr>
+            <a:cxnSpLocks/>
+            <a:stCxn id="30" idx="2"/>
+            <a:endCxn id="103" idx="0"/>
+          </p:cNvCxnSpPr>
+          <p:nvPr/>
+        </p:nvCxnSpPr>
+        <p:spPr>
+          <a:xfrm flipH="1">
+            <a:off x="5631151" y="3946685"/>
+            <a:ext cx="2844320" cy="1335845"/>
+          </a:xfrm>
+          <a:prstGeom prst="straightConnector1">
+            <a:avLst/>
+          </a:prstGeom>
+          <a:ln w="28575">
+            <a:solidFill>
+              <a:srgbClr val="FF0000"/>
+            </a:solidFill>
+            <a:tailEnd type="triangle"/>
+          </a:ln>
+        </p:spPr>
+        <p:style>
+          <a:lnRef idx="1">
+            <a:schemeClr val="accent1"/>
+          </a:lnRef>
+          <a:fillRef idx="0">
+            <a:schemeClr val="accent1"/>
+          </a:fillRef>
+          <a:effectRef idx="0">
+            <a:schemeClr val="accent1"/>
+          </a:effectRef>
+          <a:fontRef idx="minor">
+            <a:schemeClr val="tx1"/>
+          </a:fontRef>
+        </p:style>
+      </p:cxnSp>
+      <p:sp>
+        <p:nvSpPr>
+          <p:cNvPr id="30" name="Rounded Rectangle 29">
+            <a:extLst>
+              <a:ext uri="{FF2B5EF4-FFF2-40B4-BE49-F238E27FC236}">
+                <a16:creationId xmlns:a16="http://schemas.microsoft.com/office/drawing/2014/main" id="{AA72B909-C8B5-C549-8CF3-4878F44C8358}"/>
+              </a:ext>
+            </a:extLst>
+          </p:cNvPr>
+          <p:cNvSpPr/>
+          <p:nvPr/>
+        </p:nvSpPr>
+        <p:spPr>
+          <a:xfrm>
+            <a:off x="7579924" y="3258528"/>
+            <a:ext cx="1791093" cy="688157"/>
+          </a:xfrm>
+          <a:prstGeom prst="roundRect">
+            <a:avLst/>
+          </a:prstGeom>
+        </p:spPr>
+        <p:style>
+          <a:lnRef idx="2">
+            <a:schemeClr val="accent1">
+              <a:shade val="50000"/>
+            </a:schemeClr>
+          </a:lnRef>
+          <a:fillRef idx="1">
+            <a:schemeClr val="accent1"/>
+          </a:fillRef>
+          <a:effectRef idx="0">
+            <a:schemeClr val="accent1"/>
+          </a:effectRef>
+          <a:fontRef idx="minor">
+            <a:schemeClr val="lt1"/>
+          </a:fontRef>
+        </p:style>
+        <p:txBody>
+          <a:bodyPr rtlCol="0" anchor="ctr"/>
+          <a:lstStyle/>
+          <a:p>
+            <a:pPr algn="ctr"/>
+            <a:r>
+              <a:rPr lang="en-US" dirty="0"/>
+              <a:t>Job Processor B</a:t>
+            </a:r>
+          </a:p>
+        </p:txBody>
+      </p:sp>
       <p:grpSp>
         <p:nvGrpSpPr>
           <p:cNvPr id="96" name="Group 95">
@@ -5198,602 +6229,34 @@
           </p:spPr>
         </p:pic>
       </p:grpSp>
-      <p:sp>
-        <p:nvSpPr>
-          <p:cNvPr id="100" name="TextBox 99">
-            <a:extLst>
-              <a:ext uri="{FF2B5EF4-FFF2-40B4-BE49-F238E27FC236}">
-                <a16:creationId xmlns:a16="http://schemas.microsoft.com/office/drawing/2014/main" id="{E8219A06-7C28-7E4C-8F8E-157270399F77}"/>
-              </a:ext>
-            </a:extLst>
-          </p:cNvPr>
-          <p:cNvSpPr txBox="1"/>
-          <p:nvPr/>
-        </p:nvSpPr>
-        <p:spPr>
-          <a:xfrm>
-            <a:off x="8933569" y="2714110"/>
-            <a:ext cx="821059" cy="276999"/>
-          </a:xfrm>
-          <a:prstGeom prst="rect">
-            <a:avLst/>
-          </a:prstGeom>
-          <a:noFill/>
-        </p:spPr>
-        <p:txBody>
-          <a:bodyPr wrap="none" rtlCol="0">
-            <a:spAutoFit/>
-          </a:bodyPr>
-          <a:lstStyle/>
-          <a:p>
-            <a:r>
-              <a:rPr lang="en-US" sz="1200" dirty="0"/>
-              <a:t>x500 / sec</a:t>
-            </a:r>
-          </a:p>
-        </p:txBody>
-      </p:sp>
-      <p:sp>
-        <p:nvSpPr>
-          <p:cNvPr id="102" name="Rounded Rectangle 101">
-            <a:extLst>
-              <a:ext uri="{FF2B5EF4-FFF2-40B4-BE49-F238E27FC236}">
-                <a16:creationId xmlns:a16="http://schemas.microsoft.com/office/drawing/2014/main" id="{4849BF16-A6AD-A446-8E83-6BB4AF9BECD5}"/>
-              </a:ext>
-            </a:extLst>
-          </p:cNvPr>
-          <p:cNvSpPr/>
-          <p:nvPr/>
-        </p:nvSpPr>
-        <p:spPr>
-          <a:xfrm>
-            <a:off x="5786531" y="5530645"/>
-            <a:ext cx="3191516" cy="688157"/>
-          </a:xfrm>
-          <a:prstGeom prst="roundRect">
-            <a:avLst/>
-          </a:prstGeom>
-        </p:spPr>
-        <p:style>
-          <a:lnRef idx="2">
-            <a:schemeClr val="accent6">
-              <a:shade val="50000"/>
-            </a:schemeClr>
-          </a:lnRef>
-          <a:fillRef idx="1">
-            <a:schemeClr val="accent6"/>
-          </a:fillRef>
-          <a:effectRef idx="0">
-            <a:schemeClr val="accent6"/>
-          </a:effectRef>
-          <a:fontRef idx="minor">
-            <a:schemeClr val="lt1"/>
-          </a:fontRef>
-        </p:style>
-        <p:txBody>
-          <a:bodyPr rtlCol="0" anchor="ctr"/>
-          <a:lstStyle/>
-          <a:p>
-            <a:pPr algn="ctr"/>
-            <a:r>
-              <a:rPr lang="en-US" sz="1600" dirty="0"/>
-              <a:t>Azure Storage</a:t>
-            </a:r>
-          </a:p>
-        </p:txBody>
-      </p:sp>
-      <p:sp>
-        <p:nvSpPr>
-          <p:cNvPr id="103" name="Rounded Rectangle 102">
-            <a:extLst>
-              <a:ext uri="{FF2B5EF4-FFF2-40B4-BE49-F238E27FC236}">
-                <a16:creationId xmlns:a16="http://schemas.microsoft.com/office/drawing/2014/main" id="{653B8B08-7D5B-3C42-81C3-84ACD961329B}"/>
-              </a:ext>
-            </a:extLst>
-          </p:cNvPr>
-          <p:cNvSpPr/>
-          <p:nvPr/>
-        </p:nvSpPr>
-        <p:spPr>
-          <a:xfrm>
-            <a:off x="5929522" y="5067250"/>
-            <a:ext cx="270942" cy="527302"/>
-          </a:xfrm>
-          <a:prstGeom prst="roundRect">
-            <a:avLst/>
-          </a:prstGeom>
-          <a:solidFill>
-            <a:schemeClr val="accent4"/>
-          </a:solidFill>
-          <a:ln>
-            <a:solidFill>
-              <a:schemeClr val="tx1"/>
-            </a:solidFill>
-          </a:ln>
-        </p:spPr>
-        <p:style>
-          <a:lnRef idx="2">
-            <a:schemeClr val="accent1">
-              <a:shade val="50000"/>
-            </a:schemeClr>
-          </a:lnRef>
-          <a:fillRef idx="1">
-            <a:schemeClr val="accent1"/>
-          </a:fillRef>
-          <a:effectRef idx="0">
-            <a:schemeClr val="accent1"/>
-          </a:effectRef>
-          <a:fontRef idx="minor">
-            <a:schemeClr val="lt1"/>
-          </a:fontRef>
-        </p:style>
-        <p:txBody>
-          <a:bodyPr rtlCol="0" anchor="ctr"/>
-          <a:lstStyle/>
-          <a:p>
-            <a:pPr algn="ctr"/>
-            <a:r>
-              <a:rPr lang="en-US" dirty="0">
-                <a:solidFill>
-                  <a:schemeClr val="tx1"/>
-                </a:solidFill>
-              </a:rPr>
-              <a:t>0</a:t>
-            </a:r>
-          </a:p>
-        </p:txBody>
-      </p:sp>
-      <p:sp>
-        <p:nvSpPr>
-          <p:cNvPr id="105" name="Rounded Rectangle 104">
-            <a:extLst>
-              <a:ext uri="{FF2B5EF4-FFF2-40B4-BE49-F238E27FC236}">
-                <a16:creationId xmlns:a16="http://schemas.microsoft.com/office/drawing/2014/main" id="{20396FF2-4CFD-F841-806F-56A7DD9D2C74}"/>
-              </a:ext>
-            </a:extLst>
-          </p:cNvPr>
-          <p:cNvSpPr/>
-          <p:nvPr/>
-        </p:nvSpPr>
-        <p:spPr>
-          <a:xfrm>
-            <a:off x="6295590" y="5067250"/>
-            <a:ext cx="270942" cy="527302"/>
-          </a:xfrm>
-          <a:prstGeom prst="roundRect">
-            <a:avLst/>
-          </a:prstGeom>
-          <a:solidFill>
-            <a:schemeClr val="accent4"/>
-          </a:solidFill>
-          <a:ln>
-            <a:solidFill>
-              <a:schemeClr val="tx1"/>
-            </a:solidFill>
-          </a:ln>
-        </p:spPr>
-        <p:style>
-          <a:lnRef idx="2">
-            <a:schemeClr val="accent1">
-              <a:shade val="50000"/>
-            </a:schemeClr>
-          </a:lnRef>
-          <a:fillRef idx="1">
-            <a:schemeClr val="accent1"/>
-          </a:fillRef>
-          <a:effectRef idx="0">
-            <a:schemeClr val="accent1"/>
-          </a:effectRef>
-          <a:fontRef idx="minor">
-            <a:schemeClr val="lt1"/>
-          </a:fontRef>
-        </p:style>
-        <p:txBody>
-          <a:bodyPr rtlCol="0" anchor="ctr"/>
-          <a:lstStyle/>
-          <a:p>
-            <a:pPr algn="ctr"/>
-            <a:r>
-              <a:rPr lang="en-US" dirty="0">
-                <a:solidFill>
-                  <a:schemeClr val="tx1"/>
-                </a:solidFill>
-              </a:rPr>
-              <a:t>1</a:t>
-            </a:r>
-          </a:p>
-        </p:txBody>
-      </p:sp>
-      <p:sp>
-        <p:nvSpPr>
-          <p:cNvPr id="107" name="Rounded Rectangle 106">
-            <a:extLst>
-              <a:ext uri="{FF2B5EF4-FFF2-40B4-BE49-F238E27FC236}">
-                <a16:creationId xmlns:a16="http://schemas.microsoft.com/office/drawing/2014/main" id="{49A3606B-0AE7-1C4F-8247-1475A9F68EED}"/>
-              </a:ext>
-            </a:extLst>
-          </p:cNvPr>
-          <p:cNvSpPr/>
-          <p:nvPr/>
-        </p:nvSpPr>
-        <p:spPr>
-          <a:xfrm>
-            <a:off x="6678334" y="5067250"/>
-            <a:ext cx="270942" cy="527302"/>
-          </a:xfrm>
-          <a:prstGeom prst="roundRect">
-            <a:avLst/>
-          </a:prstGeom>
-          <a:solidFill>
-            <a:schemeClr val="accent4"/>
-          </a:solidFill>
-          <a:ln>
-            <a:solidFill>
-              <a:schemeClr val="tx1"/>
-            </a:solidFill>
-          </a:ln>
-        </p:spPr>
-        <p:style>
-          <a:lnRef idx="2">
-            <a:schemeClr val="accent1">
-              <a:shade val="50000"/>
-            </a:schemeClr>
-          </a:lnRef>
-          <a:fillRef idx="1">
-            <a:schemeClr val="accent1"/>
-          </a:fillRef>
-          <a:effectRef idx="0">
-            <a:schemeClr val="accent1"/>
-          </a:effectRef>
-          <a:fontRef idx="minor">
-            <a:schemeClr val="lt1"/>
-          </a:fontRef>
-        </p:style>
-        <p:txBody>
-          <a:bodyPr rtlCol="0" anchor="ctr"/>
-          <a:lstStyle/>
-          <a:p>
-            <a:pPr algn="ctr"/>
-            <a:r>
-              <a:rPr lang="en-US" dirty="0">
-                <a:solidFill>
-                  <a:schemeClr val="tx1"/>
-                </a:solidFill>
-              </a:rPr>
-              <a:t>2</a:t>
-            </a:r>
-          </a:p>
-        </p:txBody>
-      </p:sp>
-      <p:sp>
-        <p:nvSpPr>
-          <p:cNvPr id="109" name="Rounded Rectangle 108">
-            <a:extLst>
-              <a:ext uri="{FF2B5EF4-FFF2-40B4-BE49-F238E27FC236}">
-                <a16:creationId xmlns:a16="http://schemas.microsoft.com/office/drawing/2014/main" id="{C42AAC6D-38AA-DB4F-A15E-746B64C870E5}"/>
-              </a:ext>
-            </a:extLst>
-          </p:cNvPr>
-          <p:cNvSpPr/>
-          <p:nvPr/>
-        </p:nvSpPr>
-        <p:spPr>
-          <a:xfrm>
-            <a:off x="7061078" y="5067250"/>
-            <a:ext cx="270942" cy="527302"/>
-          </a:xfrm>
-          <a:prstGeom prst="roundRect">
-            <a:avLst/>
-          </a:prstGeom>
-          <a:solidFill>
-            <a:schemeClr val="accent4"/>
-          </a:solidFill>
-          <a:ln>
-            <a:solidFill>
-              <a:schemeClr val="tx1"/>
-            </a:solidFill>
-          </a:ln>
-        </p:spPr>
-        <p:style>
-          <a:lnRef idx="2">
-            <a:schemeClr val="accent1">
-              <a:shade val="50000"/>
-            </a:schemeClr>
-          </a:lnRef>
-          <a:fillRef idx="1">
-            <a:schemeClr val="accent1"/>
-          </a:fillRef>
-          <a:effectRef idx="0">
-            <a:schemeClr val="accent1"/>
-          </a:effectRef>
-          <a:fontRef idx="minor">
-            <a:schemeClr val="lt1"/>
-          </a:fontRef>
-        </p:style>
-        <p:txBody>
-          <a:bodyPr rtlCol="0" anchor="ctr"/>
-          <a:lstStyle/>
-          <a:p>
-            <a:pPr algn="ctr"/>
-            <a:r>
-              <a:rPr lang="en-US" dirty="0">
-                <a:solidFill>
-                  <a:schemeClr val="tx1"/>
-                </a:solidFill>
-              </a:rPr>
-              <a:t>3</a:t>
-            </a:r>
-          </a:p>
-        </p:txBody>
-      </p:sp>
-      <p:sp>
-        <p:nvSpPr>
-          <p:cNvPr id="111" name="Rounded Rectangle 110">
-            <a:extLst>
-              <a:ext uri="{FF2B5EF4-FFF2-40B4-BE49-F238E27FC236}">
-                <a16:creationId xmlns:a16="http://schemas.microsoft.com/office/drawing/2014/main" id="{1D0A3653-043E-7549-9649-13E09DDE1609}"/>
-              </a:ext>
-            </a:extLst>
-          </p:cNvPr>
-          <p:cNvSpPr/>
-          <p:nvPr/>
-        </p:nvSpPr>
-        <p:spPr>
-          <a:xfrm>
-            <a:off x="7422827" y="5067250"/>
-            <a:ext cx="270942" cy="527302"/>
-          </a:xfrm>
-          <a:prstGeom prst="roundRect">
-            <a:avLst/>
-          </a:prstGeom>
-          <a:solidFill>
-            <a:schemeClr val="accent4"/>
-          </a:solidFill>
-          <a:ln>
-            <a:solidFill>
-              <a:schemeClr val="tx1"/>
-            </a:solidFill>
-          </a:ln>
-        </p:spPr>
-        <p:style>
-          <a:lnRef idx="2">
-            <a:schemeClr val="accent1">
-              <a:shade val="50000"/>
-            </a:schemeClr>
-          </a:lnRef>
-          <a:fillRef idx="1">
-            <a:schemeClr val="accent1"/>
-          </a:fillRef>
-          <a:effectRef idx="0">
-            <a:schemeClr val="accent1"/>
-          </a:effectRef>
-          <a:fontRef idx="minor">
-            <a:schemeClr val="lt1"/>
-          </a:fontRef>
-        </p:style>
-        <p:txBody>
-          <a:bodyPr rtlCol="0" anchor="ctr"/>
-          <a:lstStyle/>
-          <a:p>
-            <a:pPr algn="ctr"/>
-            <a:r>
-              <a:rPr lang="en-US" dirty="0">
-                <a:solidFill>
-                  <a:schemeClr val="tx1"/>
-                </a:solidFill>
-              </a:rPr>
-              <a:t>4</a:t>
-            </a:r>
-          </a:p>
-        </p:txBody>
-      </p:sp>
-      <p:sp>
-        <p:nvSpPr>
-          <p:cNvPr id="113" name="Rounded Rectangle 112">
-            <a:extLst>
-              <a:ext uri="{FF2B5EF4-FFF2-40B4-BE49-F238E27FC236}">
-                <a16:creationId xmlns:a16="http://schemas.microsoft.com/office/drawing/2014/main" id="{1B6DE18D-13D7-AE47-977D-A755768CB4AA}"/>
-              </a:ext>
-            </a:extLst>
-          </p:cNvPr>
-          <p:cNvSpPr/>
-          <p:nvPr/>
-        </p:nvSpPr>
-        <p:spPr>
-          <a:xfrm>
-            <a:off x="7788895" y="5067250"/>
-            <a:ext cx="270942" cy="527302"/>
-          </a:xfrm>
-          <a:prstGeom prst="roundRect">
-            <a:avLst/>
-          </a:prstGeom>
-          <a:solidFill>
-            <a:schemeClr val="accent4"/>
-          </a:solidFill>
-          <a:ln>
-            <a:solidFill>
-              <a:schemeClr val="tx1"/>
-            </a:solidFill>
-          </a:ln>
-        </p:spPr>
-        <p:style>
-          <a:lnRef idx="2">
-            <a:schemeClr val="accent1">
-              <a:shade val="50000"/>
-            </a:schemeClr>
-          </a:lnRef>
-          <a:fillRef idx="1">
-            <a:schemeClr val="accent1"/>
-          </a:fillRef>
-          <a:effectRef idx="0">
-            <a:schemeClr val="accent1"/>
-          </a:effectRef>
-          <a:fontRef idx="minor">
-            <a:schemeClr val="lt1"/>
-          </a:fontRef>
-        </p:style>
-        <p:txBody>
-          <a:bodyPr rtlCol="0" anchor="ctr"/>
-          <a:lstStyle/>
-          <a:p>
-            <a:pPr algn="ctr"/>
-            <a:r>
-              <a:rPr lang="en-US" dirty="0">
-                <a:solidFill>
-                  <a:schemeClr val="tx1"/>
-                </a:solidFill>
-              </a:rPr>
-              <a:t>5</a:t>
-            </a:r>
-          </a:p>
-        </p:txBody>
-      </p:sp>
-      <p:sp>
-        <p:nvSpPr>
-          <p:cNvPr id="115" name="Rounded Rectangle 114">
-            <a:extLst>
-              <a:ext uri="{FF2B5EF4-FFF2-40B4-BE49-F238E27FC236}">
-                <a16:creationId xmlns:a16="http://schemas.microsoft.com/office/drawing/2014/main" id="{366DA26C-3488-DE4F-8CB0-2E33C673FF31}"/>
-              </a:ext>
-            </a:extLst>
-          </p:cNvPr>
-          <p:cNvSpPr/>
-          <p:nvPr/>
-        </p:nvSpPr>
-        <p:spPr>
-          <a:xfrm>
-            <a:off x="8171639" y="5067250"/>
-            <a:ext cx="270942" cy="527302"/>
-          </a:xfrm>
-          <a:prstGeom prst="roundRect">
-            <a:avLst/>
-          </a:prstGeom>
-          <a:solidFill>
-            <a:schemeClr val="accent4"/>
-          </a:solidFill>
-          <a:ln>
-            <a:solidFill>
-              <a:schemeClr val="tx1"/>
-            </a:solidFill>
-          </a:ln>
-        </p:spPr>
-        <p:style>
-          <a:lnRef idx="2">
-            <a:schemeClr val="accent1">
-              <a:shade val="50000"/>
-            </a:schemeClr>
-          </a:lnRef>
-          <a:fillRef idx="1">
-            <a:schemeClr val="accent1"/>
-          </a:fillRef>
-          <a:effectRef idx="0">
-            <a:schemeClr val="accent1"/>
-          </a:effectRef>
-          <a:fontRef idx="minor">
-            <a:schemeClr val="lt1"/>
-          </a:fontRef>
-        </p:style>
-        <p:txBody>
-          <a:bodyPr rtlCol="0" anchor="ctr"/>
-          <a:lstStyle/>
-          <a:p>
-            <a:pPr algn="ctr"/>
-            <a:r>
-              <a:rPr lang="en-US" dirty="0">
-                <a:solidFill>
-                  <a:schemeClr val="tx1"/>
-                </a:solidFill>
-              </a:rPr>
-              <a:t>6</a:t>
-            </a:r>
-          </a:p>
-        </p:txBody>
-      </p:sp>
-      <p:sp>
-        <p:nvSpPr>
-          <p:cNvPr id="117" name="Rounded Rectangle 116">
-            <a:extLst>
-              <a:ext uri="{FF2B5EF4-FFF2-40B4-BE49-F238E27FC236}">
-                <a16:creationId xmlns:a16="http://schemas.microsoft.com/office/drawing/2014/main" id="{3348F777-A6FA-3A46-B110-5D320F6C87C3}"/>
-              </a:ext>
-            </a:extLst>
-          </p:cNvPr>
-          <p:cNvSpPr/>
-          <p:nvPr/>
-        </p:nvSpPr>
-        <p:spPr>
-          <a:xfrm>
-            <a:off x="8554383" y="5067250"/>
-            <a:ext cx="270942" cy="527302"/>
-          </a:xfrm>
-          <a:prstGeom prst="roundRect">
-            <a:avLst/>
-          </a:prstGeom>
-          <a:solidFill>
-            <a:schemeClr val="accent4"/>
-          </a:solidFill>
-          <a:ln>
-            <a:solidFill>
-              <a:schemeClr val="tx1"/>
-            </a:solidFill>
-          </a:ln>
-        </p:spPr>
-        <p:style>
-          <a:lnRef idx="2">
-            <a:schemeClr val="accent1">
-              <a:shade val="50000"/>
-            </a:schemeClr>
-          </a:lnRef>
-          <a:fillRef idx="1">
-            <a:schemeClr val="accent1"/>
-          </a:fillRef>
-          <a:effectRef idx="0">
-            <a:schemeClr val="accent1"/>
-          </a:effectRef>
-          <a:fontRef idx="minor">
-            <a:schemeClr val="lt1"/>
-          </a:fontRef>
-        </p:style>
-        <p:txBody>
-          <a:bodyPr rtlCol="0" anchor="ctr"/>
-          <a:lstStyle/>
-          <a:p>
-            <a:pPr algn="ctr"/>
-            <a:r>
-              <a:rPr lang="en-US" dirty="0">
-                <a:solidFill>
-                  <a:schemeClr val="tx1"/>
-                </a:solidFill>
-              </a:rPr>
-              <a:t>7</a:t>
-            </a:r>
-          </a:p>
-        </p:txBody>
-      </p:sp>
       <p:cxnSp>
         <p:nvCxnSpPr>
-          <p:cNvPr id="119" name="Straight Arrow Connector 118">
-            <a:extLst>
-              <a:ext uri="{FF2B5EF4-FFF2-40B4-BE49-F238E27FC236}">
-                <a16:creationId xmlns:a16="http://schemas.microsoft.com/office/drawing/2014/main" id="{989DA8D2-77AF-F443-82AD-A4C89FB2F99E}"/>
+          <p:cNvPr id="95" name="Straight Arrow Connector 94">
+            <a:extLst>
+              <a:ext uri="{FF2B5EF4-FFF2-40B4-BE49-F238E27FC236}">
+                <a16:creationId xmlns:a16="http://schemas.microsoft.com/office/drawing/2014/main" id="{9BC1BDD3-45B2-2F4E-9155-ABB8EB99783C}"/>
               </a:ext>
             </a:extLst>
           </p:cNvPr>
           <p:cNvCxnSpPr>
-            <a:stCxn id="6" idx="2"/>
-            <a:endCxn id="103" idx="0"/>
+            <a:cxnSpLocks/>
+            <a:stCxn id="7" idx="3"/>
+            <a:endCxn id="6" idx="1"/>
           </p:cNvCxnSpPr>
           <p:nvPr/>
         </p:nvCxnSpPr>
         <p:spPr>
-          <a:xfrm flipH="1">
-            <a:off x="6064993" y="1833903"/>
-            <a:ext cx="2415084" cy="3233347"/>
+          <a:xfrm>
+            <a:off x="6739362" y="1482667"/>
+            <a:ext cx="845168" cy="7158"/>
           </a:xfrm>
           <a:prstGeom prst="straightConnector1">
             <a:avLst/>
           </a:prstGeom>
-          <a:ln>
+          <a:ln w="76200">
+            <a:solidFill>
+              <a:schemeClr val="accent2"/>
+            </a:solidFill>
             <a:tailEnd type="triangle"/>
           </a:ln>
         </p:spPr>
@@ -5814,29 +6277,32 @@
       </p:cxnSp>
       <p:cxnSp>
         <p:nvCxnSpPr>
-          <p:cNvPr id="120" name="Straight Arrow Connector 119">
-            <a:extLst>
-              <a:ext uri="{FF2B5EF4-FFF2-40B4-BE49-F238E27FC236}">
-                <a16:creationId xmlns:a16="http://schemas.microsoft.com/office/drawing/2014/main" id="{1673B885-382B-3E46-85E5-2A8004DCE18F}"/>
+          <p:cNvPr id="99" name="Straight Arrow Connector 98">
+            <a:extLst>
+              <a:ext uri="{FF2B5EF4-FFF2-40B4-BE49-F238E27FC236}">
+                <a16:creationId xmlns:a16="http://schemas.microsoft.com/office/drawing/2014/main" id="{FA2F3DEE-2164-4F46-99B0-AC923DF80029}"/>
               </a:ext>
             </a:extLst>
           </p:cNvPr>
           <p:cNvCxnSpPr>
             <a:cxnSpLocks/>
-            <a:stCxn id="6" idx="2"/>
-            <a:endCxn id="111" idx="0"/>
+            <a:stCxn id="47" idx="3"/>
+            <a:endCxn id="30" idx="1"/>
           </p:cNvCxnSpPr>
           <p:nvPr/>
         </p:nvCxnSpPr>
         <p:spPr>
-          <a:xfrm flipH="1">
-            <a:off x="7558298" y="1833903"/>
-            <a:ext cx="921779" cy="3233347"/>
+          <a:xfrm flipV="1">
+            <a:off x="6735752" y="3602607"/>
+            <a:ext cx="844172" cy="9785"/>
           </a:xfrm>
           <a:prstGeom prst="straightConnector1">
             <a:avLst/>
           </a:prstGeom>
-          <a:ln>
+          <a:ln w="76200">
+            <a:solidFill>
+              <a:schemeClr val="accent2"/>
+            </a:solidFill>
             <a:tailEnd type="triangle"/>
           </a:ln>
         </p:spPr>
@@ -5855,49 +6321,41 @@
           </a:fontRef>
         </p:style>
       </p:cxnSp>
-      <p:cxnSp>
-        <p:nvCxnSpPr>
-          <p:cNvPr id="121" name="Straight Arrow Connector 120">
-            <a:extLst>
-              <a:ext uri="{FF2B5EF4-FFF2-40B4-BE49-F238E27FC236}">
-                <a16:creationId xmlns:a16="http://schemas.microsoft.com/office/drawing/2014/main" id="{2C7F54FA-D855-7847-9942-5DBBE75D9076}"/>
-              </a:ext>
-            </a:extLst>
-          </p:cNvPr>
-          <p:cNvCxnSpPr>
-            <a:cxnSpLocks/>
-            <a:stCxn id="6" idx="2"/>
-            <a:endCxn id="115" idx="0"/>
-          </p:cNvCxnSpPr>
+      <p:sp>
+        <p:nvSpPr>
+          <p:cNvPr id="52" name="TextBox 51">
+            <a:extLst>
+              <a:ext uri="{FF2B5EF4-FFF2-40B4-BE49-F238E27FC236}">
+                <a16:creationId xmlns:a16="http://schemas.microsoft.com/office/drawing/2014/main" id="{BAA70765-2AC2-094A-A82E-79657B5B35E5}"/>
+              </a:ext>
+            </a:extLst>
+          </p:cNvPr>
+          <p:cNvSpPr txBox="1"/>
           <p:nvPr/>
-        </p:nvCxnSpPr>
+        </p:nvSpPr>
         <p:spPr>
-          <a:xfrm flipH="1">
-            <a:off x="8307110" y="1833903"/>
-            <a:ext cx="172967" cy="3233347"/>
-          </a:xfrm>
-          <a:prstGeom prst="straightConnector1">
+          <a:xfrm>
+            <a:off x="8357503" y="5472863"/>
+            <a:ext cx="2089033" cy="230832"/>
+          </a:xfrm>
+          <a:prstGeom prst="rect">
             <a:avLst/>
           </a:prstGeom>
-          <a:ln>
-            <a:tailEnd type="triangle"/>
-          </a:ln>
+          <a:noFill/>
         </p:spPr>
-        <p:style>
-          <a:lnRef idx="1">
-            <a:schemeClr val="accent1"/>
-          </a:lnRef>
-          <a:fillRef idx="0">
-            <a:schemeClr val="accent1"/>
-          </a:fillRef>
-          <a:effectRef idx="0">
-            <a:schemeClr val="accent1"/>
-          </a:effectRef>
-          <a:fontRef idx="minor">
-            <a:schemeClr val="tx1"/>
-          </a:fontRef>
-        </p:style>
-      </p:cxnSp>
+        <p:txBody>
+          <a:bodyPr wrap="none" rtlCol="0">
+            <a:spAutoFit/>
+          </a:bodyPr>
+          <a:lstStyle/>
+          <a:p>
+            <a:r>
+              <a:rPr lang="en-US" sz="900" dirty="0"/>
+              <a:t>(each partition is worth 100 records/sec)</a:t>
+            </a:r>
+          </a:p>
+        </p:txBody>
+      </p:sp>
     </p:spTree>
     <p:extLst>
       <p:ext uri="{BB962C8B-B14F-4D97-AF65-F5344CB8AC3E}">
